--- a/src/baithicuoiki/Báo-cáo-đề-án-phát-triển-phần-mềm-OPEN-LIBRARY.pptx
+++ b/src/baithicuoiki/Báo-cáo-đề-án-phát-triển-phần-mềm-OPEN-LIBRARY.pptx
@@ -8,19 +8,27 @@
     <p:sldId id="257" r:id="rId5"/>
     <p:sldId id="262" r:id="rId6"/>
     <p:sldId id="263" r:id="rId7"/>
-    <p:sldId id="264" r:id="rId8"/>
-    <p:sldId id="265" r:id="rId9"/>
-    <p:sldId id="267" r:id="rId10"/>
-    <p:sldId id="268" r:id="rId11"/>
-    <p:sldId id="269" r:id="rId12"/>
-    <p:sldId id="270" r:id="rId13"/>
-    <p:sldId id="271" r:id="rId14"/>
-    <p:sldId id="276" r:id="rId15"/>
-    <p:sldId id="272" r:id="rId16"/>
-    <p:sldId id="277" r:id="rId17"/>
-    <p:sldId id="273" r:id="rId18"/>
-    <p:sldId id="274" r:id="rId19"/>
-    <p:sldId id="275" r:id="rId20"/>
+    <p:sldId id="285" r:id="rId8"/>
+    <p:sldId id="264" r:id="rId9"/>
+    <p:sldId id="265" r:id="rId10"/>
+    <p:sldId id="267" r:id="rId11"/>
+    <p:sldId id="268" r:id="rId12"/>
+    <p:sldId id="269" r:id="rId13"/>
+    <p:sldId id="270" r:id="rId14"/>
+    <p:sldId id="271" r:id="rId15"/>
+    <p:sldId id="276" r:id="rId16"/>
+    <p:sldId id="272" r:id="rId17"/>
+    <p:sldId id="277" r:id="rId18"/>
+    <p:sldId id="273" r:id="rId19"/>
+    <p:sldId id="278" r:id="rId20"/>
+    <p:sldId id="279" r:id="rId21"/>
+    <p:sldId id="280" r:id="rId22"/>
+    <p:sldId id="281" r:id="rId23"/>
+    <p:sldId id="282" r:id="rId24"/>
+    <p:sldId id="284" r:id="rId25"/>
+    <p:sldId id="283" r:id="rId26"/>
+    <p:sldId id="274" r:id="rId27"/>
+    <p:sldId id="275" r:id="rId28"/>
   </p:sldIdLst>
   <p:sldSz cx="12192000" cy="6858000"/>
   <p:notesSz cx="6858000" cy="9144000"/>
@@ -893,7 +901,7 @@
           <a:p>
             <a:fld id="{EA0C0817-A112-4847-8014-A94B7D2A4EA3}" type="datetime1">
               <a:rPr lang="en-US" smtClean="0"/>
-              <a:t>6/27/2022</a:t>
+              <a:t>6/28/2022</a:t>
             </a:fld>
             <a:endParaRPr lang="en-US" dirty="0"/>
           </a:p>
@@ -1095,7 +1103,7 @@
           <a:p>
             <a:fld id="{7332B432-ACDA-4023-A761-2BAB76577B62}" type="datetime1">
               <a:rPr lang="en-US" smtClean="0"/>
-              <a:t>6/27/2022</a:t>
+              <a:t>6/28/2022</a:t>
             </a:fld>
             <a:endParaRPr lang="en-US" dirty="0"/>
           </a:p>
@@ -1694,7 +1702,7 @@
           <a:p>
             <a:fld id="{D9C646AA-F36E-4540-911D-FFFC0A0EF24A}" type="datetime1">
               <a:rPr lang="en-US" smtClean="0"/>
-              <a:t>6/27/2022</a:t>
+              <a:t>6/28/2022</a:t>
             </a:fld>
             <a:endParaRPr lang="en-US" dirty="0"/>
           </a:p>
@@ -2014,7 +2022,7 @@
           <a:p>
             <a:fld id="{69186D26-FA5F-4637-B602-B7C2DC34CFD4}" type="datetime1">
               <a:rPr lang="en-US" smtClean="0"/>
-              <a:t>6/27/2022</a:t>
+              <a:t>6/28/2022</a:t>
             </a:fld>
             <a:endParaRPr lang="en-US" dirty="0"/>
           </a:p>
@@ -2451,7 +2459,7 @@
           <a:p>
             <a:fld id="{8A7F15D8-96D1-4781-BC50-CA8A088B2FE4}" type="datetime1">
               <a:rPr lang="en-US" smtClean="0"/>
-              <a:t>6/27/2022</a:t>
+              <a:t>6/28/2022</a:t>
             </a:fld>
             <a:endParaRPr lang="en-US" dirty="0"/>
           </a:p>
@@ -2569,7 +2577,7 @@
           <a:p>
             <a:fld id="{F9A96C99-B8F8-4528-BD05-0E16E943DC09}" type="datetime1">
               <a:rPr lang="en-US" smtClean="0"/>
-              <a:t>6/27/2022</a:t>
+              <a:t>6/28/2022</a:t>
             </a:fld>
             <a:endParaRPr lang="en-US" dirty="0"/>
           </a:p>
@@ -2664,7 +2672,7 @@
           <a:p>
             <a:fld id="{03636942-C211-4B28-8DBD-C953E00AF71B}" type="datetime1">
               <a:rPr lang="en-US" smtClean="0"/>
-              <a:t>6/27/2022</a:t>
+              <a:t>6/28/2022</a:t>
             </a:fld>
             <a:endParaRPr lang="en-US" dirty="0"/>
           </a:p>
@@ -3081,7 +3089,7 @@
           <a:p>
             <a:fld id="{7E8D12A6-918A-48BD-8CB9-CA713993B0EA}" type="datetime1">
               <a:rPr lang="en-US" smtClean="0"/>
-              <a:t>6/27/2022</a:t>
+              <a:t>6/28/2022</a:t>
             </a:fld>
             <a:endParaRPr lang="en-US" dirty="0"/>
           </a:p>
@@ -3343,7 +3351,7 @@
             <a:fld id="{E778CE86-875F-4587-BCF6-FA054AFC0D53}" type="datetime1">
               <a:rPr lang="en-US" smtClean="0"/>
               <a:pPr/>
-              <a:t>6/27/2022</a:t>
+              <a:t>6/28/2022</a:t>
             </a:fld>
             <a:endParaRPr lang="en-US" dirty="0"/>
           </a:p>
@@ -3859,7 +3867,7 @@
           <a:p>
             <a:fld id="{F6FA2B21-3FCD-4721-B95C-427943F61125}" type="datetime1">
               <a:rPr lang="en-US" smtClean="0"/>
-              <a:t>6/27/2022</a:t>
+              <a:t>6/28/2022</a:t>
             </a:fld>
             <a:endParaRPr lang="en-US" dirty="0"/>
           </a:p>
@@ -4567,6 +4575,218 @@
                 <a:latin typeface="Times New Roman" panose="02020603050405020304" pitchFamily="18" charset="0"/>
                 <a:cs typeface="Times New Roman" panose="02020603050405020304" pitchFamily="18" charset="0"/>
               </a:rPr>
+              <a:t>Sơ đồ Class </a:t>
+            </a:r>
+          </a:p>
+        </p:txBody>
+      </p:sp>
+      <p:pic>
+        <p:nvPicPr>
+          <p:cNvPr id="4" name="Picture 3">
+            <a:extLst>
+              <a:ext uri="{FF2B5EF4-FFF2-40B4-BE49-F238E27FC236}">
+                <a16:creationId xmlns:a16="http://schemas.microsoft.com/office/drawing/2014/main" id="{0D6BAF02-22B1-24E2-C88B-B85E28810A6D}"/>
+              </a:ext>
+            </a:extLst>
+          </p:cNvPr>
+          <p:cNvPicPr>
+            <a:picLocks noChangeAspect="1"/>
+          </p:cNvPicPr>
+          <p:nvPr/>
+        </p:nvPicPr>
+        <p:blipFill>
+          <a:blip r:embed="rId2"/>
+          <a:stretch>
+            <a:fillRect/>
+          </a:stretch>
+        </p:blipFill>
+        <p:spPr>
+          <a:xfrm>
+            <a:off x="819912" y="1070991"/>
+            <a:ext cx="10552176" cy="4553711"/>
+          </a:xfrm>
+          <a:prstGeom prst="rect">
+            <a:avLst/>
+          </a:prstGeom>
+        </p:spPr>
+      </p:pic>
+      <p:cxnSp>
+        <p:nvCxnSpPr>
+          <p:cNvPr id="6" name="Straight Connector 5">
+            <a:extLst>
+              <a:ext uri="{FF2B5EF4-FFF2-40B4-BE49-F238E27FC236}">
+                <a16:creationId xmlns:a16="http://schemas.microsoft.com/office/drawing/2014/main" id="{8A36AA6A-B04F-54E6-FD0D-999C32413139}"/>
+              </a:ext>
+            </a:extLst>
+          </p:cNvPr>
+          <p:cNvCxnSpPr/>
+          <p:nvPr/>
+        </p:nvCxnSpPr>
+        <p:spPr>
+          <a:xfrm>
+            <a:off x="8741664" y="5029200"/>
+            <a:ext cx="0" cy="502920"/>
+          </a:xfrm>
+          <a:prstGeom prst="line">
+            <a:avLst/>
+          </a:prstGeom>
+        </p:spPr>
+        <p:style>
+          <a:lnRef idx="1">
+            <a:schemeClr val="dk1"/>
+          </a:lnRef>
+          <a:fillRef idx="0">
+            <a:schemeClr val="dk1"/>
+          </a:fillRef>
+          <a:effectRef idx="0">
+            <a:schemeClr val="dk1"/>
+          </a:effectRef>
+          <a:fontRef idx="minor">
+            <a:schemeClr val="tx1"/>
+          </a:fontRef>
+        </p:style>
+      </p:cxnSp>
+      <p:sp>
+        <p:nvSpPr>
+          <p:cNvPr id="7" name="Rectangle 6">
+            <a:extLst>
+              <a:ext uri="{FF2B5EF4-FFF2-40B4-BE49-F238E27FC236}">
+                <a16:creationId xmlns:a16="http://schemas.microsoft.com/office/drawing/2014/main" id="{2C7FFB50-159A-1F4C-795E-3139EC4E66D6}"/>
+              </a:ext>
+            </a:extLst>
+          </p:cNvPr>
+          <p:cNvSpPr/>
+          <p:nvPr/>
+        </p:nvSpPr>
+        <p:spPr>
+          <a:xfrm>
+            <a:off x="7914132" y="5532120"/>
+            <a:ext cx="1655064" cy="812674"/>
+          </a:xfrm>
+          <a:prstGeom prst="rect">
+            <a:avLst/>
+          </a:prstGeom>
+        </p:spPr>
+        <p:style>
+          <a:lnRef idx="1">
+            <a:schemeClr val="accent5"/>
+          </a:lnRef>
+          <a:fillRef idx="3">
+            <a:schemeClr val="accent5"/>
+          </a:fillRef>
+          <a:effectRef idx="2">
+            <a:schemeClr val="accent5"/>
+          </a:effectRef>
+          <a:fontRef idx="minor">
+            <a:schemeClr val="lt1"/>
+          </a:fontRef>
+        </p:style>
+        <p:txBody>
+          <a:bodyPr rtlCol="0" anchor="ctr"/>
+          <a:lstStyle/>
+          <a:p>
+            <a:pPr algn="ctr"/>
+            <a:endParaRPr lang="en-US"/>
+          </a:p>
+        </p:txBody>
+      </p:sp>
+      <p:cxnSp>
+        <p:nvCxnSpPr>
+          <p:cNvPr id="9" name="Straight Connector 8">
+            <a:extLst>
+              <a:ext uri="{FF2B5EF4-FFF2-40B4-BE49-F238E27FC236}">
+                <a16:creationId xmlns:a16="http://schemas.microsoft.com/office/drawing/2014/main" id="{91A2B195-6A0E-C454-A774-837F3D501053}"/>
+              </a:ext>
+            </a:extLst>
+          </p:cNvPr>
+          <p:cNvCxnSpPr/>
+          <p:nvPr/>
+        </p:nvCxnSpPr>
+        <p:spPr>
+          <a:xfrm>
+            <a:off x="7895844" y="5706998"/>
+            <a:ext cx="1673352" cy="0"/>
+          </a:xfrm>
+          <a:prstGeom prst="line">
+            <a:avLst/>
+          </a:prstGeom>
+        </p:spPr>
+        <p:style>
+          <a:lnRef idx="1">
+            <a:schemeClr val="dk1"/>
+          </a:lnRef>
+          <a:fillRef idx="0">
+            <a:schemeClr val="dk1"/>
+          </a:fillRef>
+          <a:effectRef idx="0">
+            <a:schemeClr val="dk1"/>
+          </a:effectRef>
+          <a:fontRef idx="minor">
+            <a:schemeClr val="tx1"/>
+          </a:fontRef>
+        </p:style>
+      </p:cxnSp>
+    </p:spTree>
+    <p:extLst>
+      <p:ext uri="{BB962C8B-B14F-4D97-AF65-F5344CB8AC3E}">
+        <p14:creationId xmlns:p14="http://schemas.microsoft.com/office/powerpoint/2010/main" val="2950739293"/>
+      </p:ext>
+    </p:extLst>
+  </p:cSld>
+  <p:clrMapOvr>
+    <a:masterClrMapping/>
+  </p:clrMapOvr>
+</p:sld>
+</file>
+
+<file path=ppt/slides/slide11.xml><?xml version="1.0" encoding="utf-8"?>
+<p:sld xmlns:a="http://schemas.openxmlformats.org/drawingml/2006/main" xmlns:r="http://schemas.openxmlformats.org/officeDocument/2006/relationships" xmlns:p="http://schemas.openxmlformats.org/presentationml/2006/main">
+  <p:cSld>
+    <p:spTree>
+      <p:nvGrpSpPr>
+        <p:cNvPr id="1" name=""/>
+        <p:cNvGrpSpPr/>
+        <p:nvPr/>
+      </p:nvGrpSpPr>
+      <p:grpSpPr>
+        <a:xfrm>
+          <a:off x="0" y="0"/>
+          <a:ext cx="0" cy="0"/>
+          <a:chOff x="0" y="0"/>
+          <a:chExt cx="0" cy="0"/>
+        </a:xfrm>
+      </p:grpSpPr>
+      <p:sp>
+        <p:nvSpPr>
+          <p:cNvPr id="3" name="Content Placeholder 2">
+            <a:extLst>
+              <a:ext uri="{FF2B5EF4-FFF2-40B4-BE49-F238E27FC236}">
+                <a16:creationId xmlns:a16="http://schemas.microsoft.com/office/drawing/2014/main" id="{C6D4FE10-CD5A-A909-EBDC-B41221A3BFFE}"/>
+              </a:ext>
+            </a:extLst>
+          </p:cNvPr>
+          <p:cNvSpPr>
+            <a:spLocks noGrp="1"/>
+          </p:cNvSpPr>
+          <p:nvPr>
+            <p:ph idx="1"/>
+          </p:nvPr>
+        </p:nvSpPr>
+        <p:spPr>
+          <a:xfrm>
+            <a:off x="714375" y="742950"/>
+            <a:ext cx="10887075" cy="5209794"/>
+          </a:xfrm>
+        </p:spPr>
+        <p:txBody>
+          <a:bodyPr/>
+          <a:lstStyle/>
+          <a:p>
+            <a:r>
+              <a:rPr lang="en-US" b="1">
+                <a:latin typeface="Times New Roman" panose="02020603050405020304" pitchFamily="18" charset="0"/>
+                <a:cs typeface="Times New Roman" panose="02020603050405020304" pitchFamily="18" charset="0"/>
+              </a:rPr>
               <a:t>Sơ đồ Tuần Tự</a:t>
             </a:r>
           </a:p>
@@ -4754,7 +4974,7 @@
 </p:sld>
 </file>
 
-<file path=ppt/slides/slide11.xml><?xml version="1.0" encoding="utf-8"?>
+<file path=ppt/slides/slide12.xml><?xml version="1.0" encoding="utf-8"?>
 <p:sld xmlns:a="http://schemas.openxmlformats.org/drawingml/2006/main" xmlns:r="http://schemas.openxmlformats.org/officeDocument/2006/relationships" xmlns:p="http://schemas.openxmlformats.org/presentationml/2006/main">
   <p:cSld>
     <p:spTree>
@@ -4962,7 +5182,7 @@
 </p:sld>
 </file>
 
-<file path=ppt/slides/slide12.xml><?xml version="1.0" encoding="utf-8"?>
+<file path=ppt/slides/slide13.xml><?xml version="1.0" encoding="utf-8"?>
 <p:sld xmlns:a="http://schemas.openxmlformats.org/drawingml/2006/main" xmlns:r="http://schemas.openxmlformats.org/officeDocument/2006/relationships" xmlns:p="http://schemas.openxmlformats.org/presentationml/2006/main">
   <p:cSld>
     <p:spTree>
@@ -5073,7 +5293,7 @@
 </p:sld>
 </file>
 
-<file path=ppt/slides/slide13.xml><?xml version="1.0" encoding="utf-8"?>
+<file path=ppt/slides/slide14.xml><?xml version="1.0" encoding="utf-8"?>
 <p:sld xmlns:a="http://schemas.openxmlformats.org/drawingml/2006/main" xmlns:r="http://schemas.openxmlformats.org/officeDocument/2006/relationships" xmlns:p="http://schemas.openxmlformats.org/presentationml/2006/main">
   <p:cSld>
     <p:spTree>
@@ -5196,7 +5416,7 @@
 </p:sld>
 </file>
 
-<file path=ppt/slides/slide14.xml><?xml version="1.0" encoding="utf-8"?>
+<file path=ppt/slides/slide15.xml><?xml version="1.0" encoding="utf-8"?>
 <p:sld xmlns:a="http://schemas.openxmlformats.org/drawingml/2006/main" xmlns:r="http://schemas.openxmlformats.org/officeDocument/2006/relationships" xmlns:p="http://schemas.openxmlformats.org/presentationml/2006/main">
   <p:cSld>
     <p:spTree>
@@ -5262,7 +5482,1163 @@
           <a:bodyPr/>
           <a:lstStyle/>
           <a:p>
-            <a:endParaRPr lang="en-US"/>
+            <a:r>
+              <a:rPr lang="en-US" b="1" dirty="0">
+                <a:latin typeface="Times New Roman" panose="02020603050405020304" pitchFamily="18" charset="0"/>
+                <a:cs typeface="Times New Roman" panose="02020603050405020304" pitchFamily="18" charset="0"/>
+              </a:rPr>
+              <a:t>ĐĂNG NHẬP</a:t>
+            </a:r>
+          </a:p>
+          <a:p>
+            <a:r>
+              <a:rPr lang="en-US" b="1" dirty="0" err="1">
+                <a:latin typeface="Times New Roman" panose="02020603050405020304" pitchFamily="18" charset="0"/>
+                <a:cs typeface="Times New Roman" panose="02020603050405020304" pitchFamily="18" charset="0"/>
+              </a:rPr>
+              <a:t>Kịch</a:t>
+            </a:r>
+            <a:r>
+              <a:rPr lang="en-US" b="1" dirty="0">
+                <a:latin typeface="Times New Roman" panose="02020603050405020304" pitchFamily="18" charset="0"/>
+                <a:cs typeface="Times New Roman" panose="02020603050405020304" pitchFamily="18" charset="0"/>
+              </a:rPr>
+              <a:t> </a:t>
+            </a:r>
+            <a:r>
+              <a:rPr lang="en-US" b="1" dirty="0" err="1">
+                <a:latin typeface="Times New Roman" panose="02020603050405020304" pitchFamily="18" charset="0"/>
+                <a:cs typeface="Times New Roman" panose="02020603050405020304" pitchFamily="18" charset="0"/>
+              </a:rPr>
+              <a:t>bản</a:t>
+            </a:r>
+            <a:r>
+              <a:rPr lang="en-US" b="1" dirty="0">
+                <a:latin typeface="Times New Roman" panose="02020603050405020304" pitchFamily="18" charset="0"/>
+                <a:cs typeface="Times New Roman" panose="02020603050405020304" pitchFamily="18" charset="0"/>
+              </a:rPr>
+              <a:t> </a:t>
+            </a:r>
+            <a:r>
+              <a:rPr lang="en-US" b="1" dirty="0" err="1">
+                <a:latin typeface="Times New Roman" panose="02020603050405020304" pitchFamily="18" charset="0"/>
+                <a:cs typeface="Times New Roman" panose="02020603050405020304" pitchFamily="18" charset="0"/>
+              </a:rPr>
+              <a:t>chính</a:t>
+            </a:r>
+            <a:r>
+              <a:rPr lang="en-US" b="1" dirty="0">
+                <a:latin typeface="Times New Roman" panose="02020603050405020304" pitchFamily="18" charset="0"/>
+                <a:cs typeface="Times New Roman" panose="02020603050405020304" pitchFamily="18" charset="0"/>
+              </a:rPr>
+              <a:t>:</a:t>
+            </a:r>
+          </a:p>
+          <a:p>
+            <a:r>
+              <a:rPr lang="en-US" dirty="0">
+                <a:latin typeface="Times New Roman" panose="02020603050405020304" pitchFamily="18" charset="0"/>
+                <a:cs typeface="Times New Roman" panose="02020603050405020304" pitchFamily="18" charset="0"/>
+              </a:rPr>
+              <a:t>-B1: </a:t>
+            </a:r>
+            <a:r>
+              <a:rPr lang="en-US" dirty="0" err="1">
+                <a:latin typeface="Times New Roman" panose="02020603050405020304" pitchFamily="18" charset="0"/>
+                <a:cs typeface="Times New Roman" panose="02020603050405020304" pitchFamily="18" charset="0"/>
+              </a:rPr>
+              <a:t>Người</a:t>
+            </a:r>
+            <a:r>
+              <a:rPr lang="en-US" dirty="0">
+                <a:latin typeface="Times New Roman" panose="02020603050405020304" pitchFamily="18" charset="0"/>
+                <a:cs typeface="Times New Roman" panose="02020603050405020304" pitchFamily="18" charset="0"/>
+              </a:rPr>
+              <a:t> </a:t>
+            </a:r>
+            <a:r>
+              <a:rPr lang="en-US" dirty="0" err="1">
+                <a:latin typeface="Times New Roman" panose="02020603050405020304" pitchFamily="18" charset="0"/>
+                <a:cs typeface="Times New Roman" panose="02020603050405020304" pitchFamily="18" charset="0"/>
+              </a:rPr>
+              <a:t>dùng</a:t>
+            </a:r>
+            <a:r>
+              <a:rPr lang="en-US" dirty="0">
+                <a:latin typeface="Times New Roman" panose="02020603050405020304" pitchFamily="18" charset="0"/>
+                <a:cs typeface="Times New Roman" panose="02020603050405020304" pitchFamily="18" charset="0"/>
+              </a:rPr>
+              <a:t> </a:t>
+            </a:r>
+            <a:r>
+              <a:rPr lang="en-US" dirty="0" err="1">
+                <a:latin typeface="Times New Roman" panose="02020603050405020304" pitchFamily="18" charset="0"/>
+                <a:cs typeface="Times New Roman" panose="02020603050405020304" pitchFamily="18" charset="0"/>
+              </a:rPr>
+              <a:t>lựa</a:t>
+            </a:r>
+            <a:r>
+              <a:rPr lang="en-US" dirty="0">
+                <a:latin typeface="Times New Roman" panose="02020603050405020304" pitchFamily="18" charset="0"/>
+                <a:cs typeface="Times New Roman" panose="02020603050405020304" pitchFamily="18" charset="0"/>
+              </a:rPr>
+              <a:t> </a:t>
+            </a:r>
+            <a:r>
+              <a:rPr lang="en-US" dirty="0" err="1">
+                <a:latin typeface="Times New Roman" panose="02020603050405020304" pitchFamily="18" charset="0"/>
+                <a:cs typeface="Times New Roman" panose="02020603050405020304" pitchFamily="18" charset="0"/>
+              </a:rPr>
+              <a:t>chọn</a:t>
+            </a:r>
+            <a:r>
+              <a:rPr lang="en-US" dirty="0">
+                <a:latin typeface="Times New Roman" panose="02020603050405020304" pitchFamily="18" charset="0"/>
+                <a:cs typeface="Times New Roman" panose="02020603050405020304" pitchFamily="18" charset="0"/>
+              </a:rPr>
+              <a:t> </a:t>
+            </a:r>
+            <a:r>
+              <a:rPr lang="en-US" dirty="0" err="1">
+                <a:latin typeface="Times New Roman" panose="02020603050405020304" pitchFamily="18" charset="0"/>
+                <a:cs typeface="Times New Roman" panose="02020603050405020304" pitchFamily="18" charset="0"/>
+              </a:rPr>
+              <a:t>chức</a:t>
+            </a:r>
+            <a:r>
+              <a:rPr lang="en-US" dirty="0">
+                <a:latin typeface="Times New Roman" panose="02020603050405020304" pitchFamily="18" charset="0"/>
+                <a:cs typeface="Times New Roman" panose="02020603050405020304" pitchFamily="18" charset="0"/>
+              </a:rPr>
+              <a:t> </a:t>
+            </a:r>
+            <a:r>
+              <a:rPr lang="en-US" dirty="0" err="1">
+                <a:latin typeface="Times New Roman" panose="02020603050405020304" pitchFamily="18" charset="0"/>
+                <a:cs typeface="Times New Roman" panose="02020603050405020304" pitchFamily="18" charset="0"/>
+              </a:rPr>
+              <a:t>năng</a:t>
+            </a:r>
+            <a:r>
+              <a:rPr lang="en-US" dirty="0">
+                <a:latin typeface="Times New Roman" panose="02020603050405020304" pitchFamily="18" charset="0"/>
+                <a:cs typeface="Times New Roman" panose="02020603050405020304" pitchFamily="18" charset="0"/>
+              </a:rPr>
+              <a:t> </a:t>
+            </a:r>
+            <a:r>
+              <a:rPr lang="en-US" dirty="0" err="1">
+                <a:latin typeface="Times New Roman" panose="02020603050405020304" pitchFamily="18" charset="0"/>
+                <a:cs typeface="Times New Roman" panose="02020603050405020304" pitchFamily="18" charset="0"/>
+              </a:rPr>
+              <a:t>đăng</a:t>
+            </a:r>
+            <a:r>
+              <a:rPr lang="en-US" dirty="0">
+                <a:latin typeface="Times New Roman" panose="02020603050405020304" pitchFamily="18" charset="0"/>
+                <a:cs typeface="Times New Roman" panose="02020603050405020304" pitchFamily="18" charset="0"/>
+              </a:rPr>
+              <a:t> </a:t>
+            </a:r>
+            <a:r>
+              <a:rPr lang="en-US" dirty="0" err="1">
+                <a:latin typeface="Times New Roman" panose="02020603050405020304" pitchFamily="18" charset="0"/>
+                <a:cs typeface="Times New Roman" panose="02020603050405020304" pitchFamily="18" charset="0"/>
+              </a:rPr>
+              <a:t>nhập</a:t>
+            </a:r>
+            <a:r>
+              <a:rPr lang="en-US" dirty="0">
+                <a:latin typeface="Times New Roman" panose="02020603050405020304" pitchFamily="18" charset="0"/>
+                <a:cs typeface="Times New Roman" panose="02020603050405020304" pitchFamily="18" charset="0"/>
+              </a:rPr>
+              <a:t> </a:t>
+            </a:r>
+            <a:r>
+              <a:rPr lang="en-US" dirty="0" err="1">
+                <a:latin typeface="Times New Roman" panose="02020603050405020304" pitchFamily="18" charset="0"/>
+                <a:cs typeface="Times New Roman" panose="02020603050405020304" pitchFamily="18" charset="0"/>
+              </a:rPr>
+              <a:t>hệ</a:t>
+            </a:r>
+            <a:r>
+              <a:rPr lang="en-US" dirty="0">
+                <a:latin typeface="Times New Roman" panose="02020603050405020304" pitchFamily="18" charset="0"/>
+                <a:cs typeface="Times New Roman" panose="02020603050405020304" pitchFamily="18" charset="0"/>
+              </a:rPr>
+              <a:t> </a:t>
+            </a:r>
+            <a:r>
+              <a:rPr lang="en-US" dirty="0" err="1">
+                <a:latin typeface="Times New Roman" panose="02020603050405020304" pitchFamily="18" charset="0"/>
+                <a:cs typeface="Times New Roman" panose="02020603050405020304" pitchFamily="18" charset="0"/>
+              </a:rPr>
+              <a:t>thống</a:t>
+            </a:r>
+            <a:endParaRPr lang="en-US" dirty="0">
+              <a:latin typeface="Times New Roman" panose="02020603050405020304" pitchFamily="18" charset="0"/>
+              <a:cs typeface="Times New Roman" panose="02020603050405020304" pitchFamily="18" charset="0"/>
+            </a:endParaRPr>
+          </a:p>
+          <a:p>
+            <a:r>
+              <a:rPr lang="en-US" dirty="0">
+                <a:latin typeface="Times New Roman" panose="02020603050405020304" pitchFamily="18" charset="0"/>
+                <a:cs typeface="Times New Roman" panose="02020603050405020304" pitchFamily="18" charset="0"/>
+              </a:rPr>
+              <a:t>-B2: </a:t>
+            </a:r>
+            <a:r>
+              <a:rPr lang="en-US" dirty="0" err="1">
+                <a:latin typeface="Times New Roman" panose="02020603050405020304" pitchFamily="18" charset="0"/>
+                <a:cs typeface="Times New Roman" panose="02020603050405020304" pitchFamily="18" charset="0"/>
+              </a:rPr>
+              <a:t>Hệ</a:t>
+            </a:r>
+            <a:r>
+              <a:rPr lang="en-US" dirty="0">
+                <a:latin typeface="Times New Roman" panose="02020603050405020304" pitchFamily="18" charset="0"/>
+                <a:cs typeface="Times New Roman" panose="02020603050405020304" pitchFamily="18" charset="0"/>
+              </a:rPr>
+              <a:t> </a:t>
+            </a:r>
+            <a:r>
+              <a:rPr lang="en-US" dirty="0" err="1">
+                <a:latin typeface="Times New Roman" panose="02020603050405020304" pitchFamily="18" charset="0"/>
+                <a:cs typeface="Times New Roman" panose="02020603050405020304" pitchFamily="18" charset="0"/>
+              </a:rPr>
+              <a:t>thống</a:t>
+            </a:r>
+            <a:r>
+              <a:rPr lang="en-US" dirty="0">
+                <a:latin typeface="Times New Roman" panose="02020603050405020304" pitchFamily="18" charset="0"/>
+                <a:cs typeface="Times New Roman" panose="02020603050405020304" pitchFamily="18" charset="0"/>
+              </a:rPr>
+              <a:t> </a:t>
+            </a:r>
+            <a:r>
+              <a:rPr lang="en-US" dirty="0" err="1">
+                <a:latin typeface="Times New Roman" panose="02020603050405020304" pitchFamily="18" charset="0"/>
+                <a:cs typeface="Times New Roman" panose="02020603050405020304" pitchFamily="18" charset="0"/>
+              </a:rPr>
+              <a:t>hiển</a:t>
+            </a:r>
+            <a:r>
+              <a:rPr lang="en-US" dirty="0">
+                <a:latin typeface="Times New Roman" panose="02020603050405020304" pitchFamily="18" charset="0"/>
+                <a:cs typeface="Times New Roman" panose="02020603050405020304" pitchFamily="18" charset="0"/>
+              </a:rPr>
+              <a:t> </a:t>
+            </a:r>
+            <a:r>
+              <a:rPr lang="en-US" dirty="0" err="1">
+                <a:latin typeface="Times New Roman" panose="02020603050405020304" pitchFamily="18" charset="0"/>
+                <a:cs typeface="Times New Roman" panose="02020603050405020304" pitchFamily="18" charset="0"/>
+              </a:rPr>
+              <a:t>thị</a:t>
+            </a:r>
+            <a:r>
+              <a:rPr lang="en-US" dirty="0">
+                <a:latin typeface="Times New Roman" panose="02020603050405020304" pitchFamily="18" charset="0"/>
+                <a:cs typeface="Times New Roman" panose="02020603050405020304" pitchFamily="18" charset="0"/>
+              </a:rPr>
+              <a:t> </a:t>
+            </a:r>
+            <a:r>
+              <a:rPr lang="en-US" dirty="0" err="1">
+                <a:latin typeface="Times New Roman" panose="02020603050405020304" pitchFamily="18" charset="0"/>
+                <a:cs typeface="Times New Roman" panose="02020603050405020304" pitchFamily="18" charset="0"/>
+              </a:rPr>
+              <a:t>giao</a:t>
+            </a:r>
+            <a:r>
+              <a:rPr lang="en-US" dirty="0">
+                <a:latin typeface="Times New Roman" panose="02020603050405020304" pitchFamily="18" charset="0"/>
+                <a:cs typeface="Times New Roman" panose="02020603050405020304" pitchFamily="18" charset="0"/>
+              </a:rPr>
+              <a:t> </a:t>
+            </a:r>
+            <a:r>
+              <a:rPr lang="en-US" dirty="0" err="1">
+                <a:latin typeface="Times New Roman" panose="02020603050405020304" pitchFamily="18" charset="0"/>
+                <a:cs typeface="Times New Roman" panose="02020603050405020304" pitchFamily="18" charset="0"/>
+              </a:rPr>
+              <a:t>diện</a:t>
+            </a:r>
+            <a:r>
+              <a:rPr lang="en-US" dirty="0">
+                <a:latin typeface="Times New Roman" panose="02020603050405020304" pitchFamily="18" charset="0"/>
+                <a:cs typeface="Times New Roman" panose="02020603050405020304" pitchFamily="18" charset="0"/>
+              </a:rPr>
+              <a:t> </a:t>
+            </a:r>
+            <a:r>
+              <a:rPr lang="en-US" dirty="0" err="1">
+                <a:latin typeface="Times New Roman" panose="02020603050405020304" pitchFamily="18" charset="0"/>
+                <a:cs typeface="Times New Roman" panose="02020603050405020304" pitchFamily="18" charset="0"/>
+              </a:rPr>
+              <a:t>đăng</a:t>
+            </a:r>
+            <a:r>
+              <a:rPr lang="en-US" dirty="0">
+                <a:latin typeface="Times New Roman" panose="02020603050405020304" pitchFamily="18" charset="0"/>
+                <a:cs typeface="Times New Roman" panose="02020603050405020304" pitchFamily="18" charset="0"/>
+              </a:rPr>
+              <a:t> </a:t>
+            </a:r>
+            <a:r>
+              <a:rPr lang="en-US" dirty="0" err="1">
+                <a:latin typeface="Times New Roman" panose="02020603050405020304" pitchFamily="18" charset="0"/>
+                <a:cs typeface="Times New Roman" panose="02020603050405020304" pitchFamily="18" charset="0"/>
+              </a:rPr>
+              <a:t>nhập</a:t>
+            </a:r>
+            <a:r>
+              <a:rPr lang="en-US" dirty="0">
+                <a:latin typeface="Times New Roman" panose="02020603050405020304" pitchFamily="18" charset="0"/>
+                <a:cs typeface="Times New Roman" panose="02020603050405020304" pitchFamily="18" charset="0"/>
+              </a:rPr>
+              <a:t> </a:t>
+            </a:r>
+            <a:r>
+              <a:rPr lang="en-US" dirty="0" err="1">
+                <a:latin typeface="Times New Roman" panose="02020603050405020304" pitchFamily="18" charset="0"/>
+                <a:cs typeface="Times New Roman" panose="02020603050405020304" pitchFamily="18" charset="0"/>
+              </a:rPr>
+              <a:t>hệ</a:t>
+            </a:r>
+            <a:r>
+              <a:rPr lang="en-US" dirty="0">
+                <a:latin typeface="Times New Roman" panose="02020603050405020304" pitchFamily="18" charset="0"/>
+                <a:cs typeface="Times New Roman" panose="02020603050405020304" pitchFamily="18" charset="0"/>
+              </a:rPr>
+              <a:t> </a:t>
+            </a:r>
+            <a:r>
+              <a:rPr lang="en-US" dirty="0" err="1">
+                <a:latin typeface="Times New Roman" panose="02020603050405020304" pitchFamily="18" charset="0"/>
+                <a:cs typeface="Times New Roman" panose="02020603050405020304" pitchFamily="18" charset="0"/>
+              </a:rPr>
+              <a:t>thống</a:t>
+            </a:r>
+            <a:endParaRPr lang="en-US" dirty="0">
+              <a:latin typeface="Times New Roman" panose="02020603050405020304" pitchFamily="18" charset="0"/>
+              <a:cs typeface="Times New Roman" panose="02020603050405020304" pitchFamily="18" charset="0"/>
+            </a:endParaRPr>
+          </a:p>
+          <a:p>
+            <a:r>
+              <a:rPr lang="en-US" dirty="0">
+                <a:latin typeface="Times New Roman" panose="02020603050405020304" pitchFamily="18" charset="0"/>
+                <a:cs typeface="Times New Roman" panose="02020603050405020304" pitchFamily="18" charset="0"/>
+              </a:rPr>
+              <a:t>-B3: </a:t>
+            </a:r>
+            <a:r>
+              <a:rPr lang="en-US" dirty="0" err="1">
+                <a:latin typeface="Times New Roman" panose="02020603050405020304" pitchFamily="18" charset="0"/>
+                <a:cs typeface="Times New Roman" panose="02020603050405020304" pitchFamily="18" charset="0"/>
+              </a:rPr>
+              <a:t>Người</a:t>
+            </a:r>
+            <a:r>
+              <a:rPr lang="en-US" dirty="0">
+                <a:latin typeface="Times New Roman" panose="02020603050405020304" pitchFamily="18" charset="0"/>
+                <a:cs typeface="Times New Roman" panose="02020603050405020304" pitchFamily="18" charset="0"/>
+              </a:rPr>
+              <a:t> </a:t>
+            </a:r>
+            <a:r>
+              <a:rPr lang="en-US" dirty="0" err="1">
+                <a:latin typeface="Times New Roman" panose="02020603050405020304" pitchFamily="18" charset="0"/>
+                <a:cs typeface="Times New Roman" panose="02020603050405020304" pitchFamily="18" charset="0"/>
+              </a:rPr>
+              <a:t>dùng</a:t>
+            </a:r>
+            <a:r>
+              <a:rPr lang="en-US" dirty="0">
+                <a:latin typeface="Times New Roman" panose="02020603050405020304" pitchFamily="18" charset="0"/>
+                <a:cs typeface="Times New Roman" panose="02020603050405020304" pitchFamily="18" charset="0"/>
+              </a:rPr>
+              <a:t> </a:t>
+            </a:r>
+            <a:r>
+              <a:rPr lang="en-US" dirty="0" err="1">
+                <a:latin typeface="Times New Roman" panose="02020603050405020304" pitchFamily="18" charset="0"/>
+                <a:cs typeface="Times New Roman" panose="02020603050405020304" pitchFamily="18" charset="0"/>
+              </a:rPr>
+              <a:t>nhập</a:t>
+            </a:r>
+            <a:r>
+              <a:rPr lang="en-US" dirty="0">
+                <a:latin typeface="Times New Roman" panose="02020603050405020304" pitchFamily="18" charset="0"/>
+                <a:cs typeface="Times New Roman" panose="02020603050405020304" pitchFamily="18" charset="0"/>
+              </a:rPr>
+              <a:t> </a:t>
+            </a:r>
+            <a:r>
+              <a:rPr lang="en-US" dirty="0" err="1">
+                <a:latin typeface="Times New Roman" panose="02020603050405020304" pitchFamily="18" charset="0"/>
+                <a:cs typeface="Times New Roman" panose="02020603050405020304" pitchFamily="18" charset="0"/>
+              </a:rPr>
+              <a:t>tên</a:t>
+            </a:r>
+            <a:r>
+              <a:rPr lang="en-US" dirty="0">
+                <a:latin typeface="Times New Roman" panose="02020603050405020304" pitchFamily="18" charset="0"/>
+                <a:cs typeface="Times New Roman" panose="02020603050405020304" pitchFamily="18" charset="0"/>
+              </a:rPr>
+              <a:t> </a:t>
+            </a:r>
+            <a:r>
+              <a:rPr lang="en-US" dirty="0" err="1">
+                <a:latin typeface="Times New Roman" panose="02020603050405020304" pitchFamily="18" charset="0"/>
+                <a:cs typeface="Times New Roman" panose="02020603050405020304" pitchFamily="18" charset="0"/>
+              </a:rPr>
+              <a:t>đăng</a:t>
+            </a:r>
+            <a:r>
+              <a:rPr lang="en-US" dirty="0">
+                <a:latin typeface="Times New Roman" panose="02020603050405020304" pitchFamily="18" charset="0"/>
+                <a:cs typeface="Times New Roman" panose="02020603050405020304" pitchFamily="18" charset="0"/>
+              </a:rPr>
+              <a:t> </a:t>
+            </a:r>
+            <a:r>
+              <a:rPr lang="en-US" dirty="0" err="1">
+                <a:latin typeface="Times New Roman" panose="02020603050405020304" pitchFamily="18" charset="0"/>
+                <a:cs typeface="Times New Roman" panose="02020603050405020304" pitchFamily="18" charset="0"/>
+              </a:rPr>
+              <a:t>nhập</a:t>
+            </a:r>
+            <a:r>
+              <a:rPr lang="en-US" dirty="0">
+                <a:latin typeface="Times New Roman" panose="02020603050405020304" pitchFamily="18" charset="0"/>
+                <a:cs typeface="Times New Roman" panose="02020603050405020304" pitchFamily="18" charset="0"/>
+              </a:rPr>
+              <a:t> </a:t>
+            </a:r>
+            <a:r>
+              <a:rPr lang="en-US" dirty="0" err="1">
+                <a:latin typeface="Times New Roman" panose="02020603050405020304" pitchFamily="18" charset="0"/>
+                <a:cs typeface="Times New Roman" panose="02020603050405020304" pitchFamily="18" charset="0"/>
+              </a:rPr>
+              <a:t>và</a:t>
+            </a:r>
+            <a:r>
+              <a:rPr lang="en-US" dirty="0">
+                <a:latin typeface="Times New Roman" panose="02020603050405020304" pitchFamily="18" charset="0"/>
+                <a:cs typeface="Times New Roman" panose="02020603050405020304" pitchFamily="18" charset="0"/>
+              </a:rPr>
+              <a:t> </a:t>
+            </a:r>
+            <a:r>
+              <a:rPr lang="en-US" dirty="0" err="1">
+                <a:latin typeface="Times New Roman" panose="02020603050405020304" pitchFamily="18" charset="0"/>
+                <a:cs typeface="Times New Roman" panose="02020603050405020304" pitchFamily="18" charset="0"/>
+              </a:rPr>
+              <a:t>mật</a:t>
+            </a:r>
+            <a:r>
+              <a:rPr lang="en-US" dirty="0">
+                <a:latin typeface="Times New Roman" panose="02020603050405020304" pitchFamily="18" charset="0"/>
+                <a:cs typeface="Times New Roman" panose="02020603050405020304" pitchFamily="18" charset="0"/>
+              </a:rPr>
+              <a:t> </a:t>
+            </a:r>
+            <a:r>
+              <a:rPr lang="en-US" dirty="0" err="1">
+                <a:latin typeface="Times New Roman" panose="02020603050405020304" pitchFamily="18" charset="0"/>
+                <a:cs typeface="Times New Roman" panose="02020603050405020304" pitchFamily="18" charset="0"/>
+              </a:rPr>
+              <a:t>khẩu</a:t>
+            </a:r>
+            <a:endParaRPr lang="en-US" dirty="0">
+              <a:latin typeface="Times New Roman" panose="02020603050405020304" pitchFamily="18" charset="0"/>
+              <a:cs typeface="Times New Roman" panose="02020603050405020304" pitchFamily="18" charset="0"/>
+            </a:endParaRPr>
+          </a:p>
+          <a:p>
+            <a:r>
+              <a:rPr lang="en-US" dirty="0">
+                <a:latin typeface="Times New Roman" panose="02020603050405020304" pitchFamily="18" charset="0"/>
+                <a:cs typeface="Times New Roman" panose="02020603050405020304" pitchFamily="18" charset="0"/>
+              </a:rPr>
+              <a:t>-B4: </a:t>
+            </a:r>
+            <a:r>
+              <a:rPr lang="en-US" dirty="0" err="1">
+                <a:latin typeface="Times New Roman" panose="02020603050405020304" pitchFamily="18" charset="0"/>
+                <a:cs typeface="Times New Roman" panose="02020603050405020304" pitchFamily="18" charset="0"/>
+              </a:rPr>
+              <a:t>Nếu</a:t>
+            </a:r>
+            <a:r>
+              <a:rPr lang="en-US" dirty="0">
+                <a:latin typeface="Times New Roman" panose="02020603050405020304" pitchFamily="18" charset="0"/>
+                <a:cs typeface="Times New Roman" panose="02020603050405020304" pitchFamily="18" charset="0"/>
+              </a:rPr>
+              <a:t> </a:t>
+            </a:r>
+            <a:r>
+              <a:rPr lang="en-US" dirty="0" err="1">
+                <a:latin typeface="Times New Roman" panose="02020603050405020304" pitchFamily="18" charset="0"/>
+                <a:cs typeface="Times New Roman" panose="02020603050405020304" pitchFamily="18" charset="0"/>
+              </a:rPr>
+              <a:t>tên</a:t>
+            </a:r>
+            <a:r>
+              <a:rPr lang="en-US" dirty="0">
+                <a:latin typeface="Times New Roman" panose="02020603050405020304" pitchFamily="18" charset="0"/>
+                <a:cs typeface="Times New Roman" panose="02020603050405020304" pitchFamily="18" charset="0"/>
+              </a:rPr>
+              <a:t> </a:t>
+            </a:r>
+            <a:r>
+              <a:rPr lang="en-US" dirty="0" err="1">
+                <a:latin typeface="Times New Roman" panose="02020603050405020304" pitchFamily="18" charset="0"/>
+                <a:cs typeface="Times New Roman" panose="02020603050405020304" pitchFamily="18" charset="0"/>
+              </a:rPr>
+              <a:t>đăng</a:t>
+            </a:r>
+            <a:r>
+              <a:rPr lang="en-US" dirty="0">
+                <a:latin typeface="Times New Roman" panose="02020603050405020304" pitchFamily="18" charset="0"/>
+                <a:cs typeface="Times New Roman" panose="02020603050405020304" pitchFamily="18" charset="0"/>
+              </a:rPr>
+              <a:t> </a:t>
+            </a:r>
+            <a:r>
+              <a:rPr lang="en-US" dirty="0" err="1">
+                <a:latin typeface="Times New Roman" panose="02020603050405020304" pitchFamily="18" charset="0"/>
+                <a:cs typeface="Times New Roman" panose="02020603050405020304" pitchFamily="18" charset="0"/>
+              </a:rPr>
+              <a:t>nhập</a:t>
+            </a:r>
+            <a:r>
+              <a:rPr lang="en-US" dirty="0">
+                <a:latin typeface="Times New Roman" panose="02020603050405020304" pitchFamily="18" charset="0"/>
+                <a:cs typeface="Times New Roman" panose="02020603050405020304" pitchFamily="18" charset="0"/>
+              </a:rPr>
+              <a:t> </a:t>
+            </a:r>
+            <a:r>
+              <a:rPr lang="en-US" dirty="0" err="1">
+                <a:latin typeface="Times New Roman" panose="02020603050405020304" pitchFamily="18" charset="0"/>
+                <a:cs typeface="Times New Roman" panose="02020603050405020304" pitchFamily="18" charset="0"/>
+              </a:rPr>
+              <a:t>đúng</a:t>
+            </a:r>
+            <a:r>
+              <a:rPr lang="en-US" dirty="0">
+                <a:latin typeface="Times New Roman" panose="02020603050405020304" pitchFamily="18" charset="0"/>
+                <a:cs typeface="Times New Roman" panose="02020603050405020304" pitchFamily="18" charset="0"/>
+              </a:rPr>
+              <a:t> </a:t>
+            </a:r>
+            <a:r>
+              <a:rPr lang="en-US" dirty="0" err="1">
+                <a:latin typeface="Times New Roman" panose="02020603050405020304" pitchFamily="18" charset="0"/>
+                <a:cs typeface="Times New Roman" panose="02020603050405020304" pitchFamily="18" charset="0"/>
+              </a:rPr>
+              <a:t>hiển</a:t>
+            </a:r>
+            <a:r>
+              <a:rPr lang="en-US" dirty="0">
+                <a:latin typeface="Times New Roman" panose="02020603050405020304" pitchFamily="18" charset="0"/>
+                <a:cs typeface="Times New Roman" panose="02020603050405020304" pitchFamily="18" charset="0"/>
+              </a:rPr>
+              <a:t> </a:t>
+            </a:r>
+            <a:r>
+              <a:rPr lang="en-US" dirty="0" err="1">
+                <a:latin typeface="Times New Roman" panose="02020603050405020304" pitchFamily="18" charset="0"/>
+                <a:cs typeface="Times New Roman" panose="02020603050405020304" pitchFamily="18" charset="0"/>
+              </a:rPr>
+              <a:t>thị</a:t>
+            </a:r>
+            <a:r>
+              <a:rPr lang="en-US" dirty="0">
+                <a:latin typeface="Times New Roman" panose="02020603050405020304" pitchFamily="18" charset="0"/>
+                <a:cs typeface="Times New Roman" panose="02020603050405020304" pitchFamily="18" charset="0"/>
+              </a:rPr>
+              <a:t> </a:t>
+            </a:r>
+            <a:r>
+              <a:rPr lang="en-US" dirty="0" err="1">
+                <a:latin typeface="Times New Roman" panose="02020603050405020304" pitchFamily="18" charset="0"/>
+                <a:cs typeface="Times New Roman" panose="02020603050405020304" pitchFamily="18" charset="0"/>
+              </a:rPr>
+              <a:t>thông</a:t>
+            </a:r>
+            <a:r>
+              <a:rPr lang="en-US" dirty="0">
+                <a:latin typeface="Times New Roman" panose="02020603050405020304" pitchFamily="18" charset="0"/>
+                <a:cs typeface="Times New Roman" panose="02020603050405020304" pitchFamily="18" charset="0"/>
+              </a:rPr>
+              <a:t> </a:t>
+            </a:r>
+            <a:r>
+              <a:rPr lang="en-US" dirty="0" err="1">
+                <a:latin typeface="Times New Roman" panose="02020603050405020304" pitchFamily="18" charset="0"/>
+                <a:cs typeface="Times New Roman" panose="02020603050405020304" pitchFamily="18" charset="0"/>
+              </a:rPr>
+              <a:t>báo</a:t>
+            </a:r>
+            <a:r>
+              <a:rPr lang="en-US" dirty="0">
+                <a:latin typeface="Times New Roman" panose="02020603050405020304" pitchFamily="18" charset="0"/>
+                <a:cs typeface="Times New Roman" panose="02020603050405020304" pitchFamily="18" charset="0"/>
+              </a:rPr>
+              <a:t> </a:t>
+            </a:r>
+            <a:r>
+              <a:rPr lang="en-US" dirty="0" err="1">
+                <a:latin typeface="Times New Roman" panose="02020603050405020304" pitchFamily="18" charset="0"/>
+                <a:cs typeface="Times New Roman" panose="02020603050405020304" pitchFamily="18" charset="0"/>
+              </a:rPr>
+              <a:t>đăng</a:t>
+            </a:r>
+            <a:r>
+              <a:rPr lang="en-US" dirty="0">
+                <a:latin typeface="Times New Roman" panose="02020603050405020304" pitchFamily="18" charset="0"/>
+                <a:cs typeface="Times New Roman" panose="02020603050405020304" pitchFamily="18" charset="0"/>
+              </a:rPr>
+              <a:t> </a:t>
+            </a:r>
+            <a:r>
+              <a:rPr lang="en-US" dirty="0" err="1">
+                <a:latin typeface="Times New Roman" panose="02020603050405020304" pitchFamily="18" charset="0"/>
+                <a:cs typeface="Times New Roman" panose="02020603050405020304" pitchFamily="18" charset="0"/>
+              </a:rPr>
+              <a:t>nhập</a:t>
+            </a:r>
+            <a:r>
+              <a:rPr lang="en-US" dirty="0">
+                <a:latin typeface="Times New Roman" panose="02020603050405020304" pitchFamily="18" charset="0"/>
+                <a:cs typeface="Times New Roman" panose="02020603050405020304" pitchFamily="18" charset="0"/>
+              </a:rPr>
+              <a:t> </a:t>
+            </a:r>
+            <a:r>
+              <a:rPr lang="en-US" dirty="0" err="1">
+                <a:latin typeface="Times New Roman" panose="02020603050405020304" pitchFamily="18" charset="0"/>
+                <a:cs typeface="Times New Roman" panose="02020603050405020304" pitchFamily="18" charset="0"/>
+              </a:rPr>
+              <a:t>thành</a:t>
+            </a:r>
+            <a:r>
+              <a:rPr lang="en-US" dirty="0">
+                <a:latin typeface="Times New Roman" panose="02020603050405020304" pitchFamily="18" charset="0"/>
+                <a:cs typeface="Times New Roman" panose="02020603050405020304" pitchFamily="18" charset="0"/>
+              </a:rPr>
+              <a:t> </a:t>
+            </a:r>
+            <a:r>
+              <a:rPr lang="en-US" dirty="0" err="1">
+                <a:latin typeface="Times New Roman" panose="02020603050405020304" pitchFamily="18" charset="0"/>
+                <a:cs typeface="Times New Roman" panose="02020603050405020304" pitchFamily="18" charset="0"/>
+              </a:rPr>
+              <a:t>công</a:t>
+            </a:r>
+            <a:endParaRPr lang="en-US" dirty="0">
+              <a:latin typeface="Times New Roman" panose="02020603050405020304" pitchFamily="18" charset="0"/>
+              <a:cs typeface="Times New Roman" panose="02020603050405020304" pitchFamily="18" charset="0"/>
+            </a:endParaRPr>
+          </a:p>
+          <a:p>
+            <a:r>
+              <a:rPr lang="en-US" dirty="0">
+                <a:latin typeface="Times New Roman" panose="02020603050405020304" pitchFamily="18" charset="0"/>
+                <a:cs typeface="Times New Roman" panose="02020603050405020304" pitchFamily="18" charset="0"/>
+              </a:rPr>
+              <a:t>-B5: </a:t>
+            </a:r>
+            <a:r>
+              <a:rPr lang="en-US" dirty="0" err="1">
+                <a:latin typeface="Times New Roman" panose="02020603050405020304" pitchFamily="18" charset="0"/>
+                <a:cs typeface="Times New Roman" panose="02020603050405020304" pitchFamily="18" charset="0"/>
+              </a:rPr>
+              <a:t>Lưu</a:t>
+            </a:r>
+            <a:r>
+              <a:rPr lang="en-US" dirty="0">
+                <a:latin typeface="Times New Roman" panose="02020603050405020304" pitchFamily="18" charset="0"/>
+                <a:cs typeface="Times New Roman" panose="02020603050405020304" pitchFamily="18" charset="0"/>
+              </a:rPr>
+              <a:t> </a:t>
+            </a:r>
+            <a:r>
+              <a:rPr lang="en-US" dirty="0" err="1">
+                <a:latin typeface="Times New Roman" panose="02020603050405020304" pitchFamily="18" charset="0"/>
+                <a:cs typeface="Times New Roman" panose="02020603050405020304" pitchFamily="18" charset="0"/>
+              </a:rPr>
+              <a:t>lại</a:t>
+            </a:r>
+            <a:r>
+              <a:rPr lang="en-US" dirty="0">
+                <a:latin typeface="Times New Roman" panose="02020603050405020304" pitchFamily="18" charset="0"/>
+                <a:cs typeface="Times New Roman" panose="02020603050405020304" pitchFamily="18" charset="0"/>
+              </a:rPr>
+              <a:t> </a:t>
+            </a:r>
+            <a:r>
+              <a:rPr lang="en-US" dirty="0" err="1">
+                <a:latin typeface="Times New Roman" panose="02020603050405020304" pitchFamily="18" charset="0"/>
+                <a:cs typeface="Times New Roman" panose="02020603050405020304" pitchFamily="18" charset="0"/>
+              </a:rPr>
+              <a:t>mật</a:t>
+            </a:r>
+            <a:r>
+              <a:rPr lang="en-US" dirty="0">
+                <a:latin typeface="Times New Roman" panose="02020603050405020304" pitchFamily="18" charset="0"/>
+                <a:cs typeface="Times New Roman" panose="02020603050405020304" pitchFamily="18" charset="0"/>
+              </a:rPr>
+              <a:t> </a:t>
+            </a:r>
+            <a:r>
+              <a:rPr lang="en-US" dirty="0" err="1">
+                <a:latin typeface="Times New Roman" panose="02020603050405020304" pitchFamily="18" charset="0"/>
+                <a:cs typeface="Times New Roman" panose="02020603050405020304" pitchFamily="18" charset="0"/>
+              </a:rPr>
+              <a:t>khẩu</a:t>
+            </a:r>
+            <a:r>
+              <a:rPr lang="en-US" dirty="0">
+                <a:latin typeface="Times New Roman" panose="02020603050405020304" pitchFamily="18" charset="0"/>
+                <a:cs typeface="Times New Roman" panose="02020603050405020304" pitchFamily="18" charset="0"/>
+              </a:rPr>
+              <a:t> </a:t>
+            </a:r>
+            <a:r>
+              <a:rPr lang="en-US" dirty="0" err="1">
+                <a:latin typeface="Times New Roman" panose="02020603050405020304" pitchFamily="18" charset="0"/>
+                <a:cs typeface="Times New Roman" panose="02020603050405020304" pitchFamily="18" charset="0"/>
+              </a:rPr>
+              <a:t>và</a:t>
+            </a:r>
+            <a:r>
+              <a:rPr lang="en-US" dirty="0">
+                <a:latin typeface="Times New Roman" panose="02020603050405020304" pitchFamily="18" charset="0"/>
+                <a:cs typeface="Times New Roman" panose="02020603050405020304" pitchFamily="18" charset="0"/>
+              </a:rPr>
+              <a:t> </a:t>
+            </a:r>
+            <a:r>
+              <a:rPr lang="en-US" dirty="0" err="1">
+                <a:latin typeface="Times New Roman" panose="02020603050405020304" pitchFamily="18" charset="0"/>
+                <a:cs typeface="Times New Roman" panose="02020603050405020304" pitchFamily="18" charset="0"/>
+              </a:rPr>
+              <a:t>tên</a:t>
+            </a:r>
+            <a:r>
+              <a:rPr lang="en-US" dirty="0">
+                <a:latin typeface="Times New Roman" panose="02020603050405020304" pitchFamily="18" charset="0"/>
+                <a:cs typeface="Times New Roman" panose="02020603050405020304" pitchFamily="18" charset="0"/>
+              </a:rPr>
+              <a:t> </a:t>
+            </a:r>
+            <a:r>
+              <a:rPr lang="en-US" dirty="0" err="1">
+                <a:latin typeface="Times New Roman" panose="02020603050405020304" pitchFamily="18" charset="0"/>
+                <a:cs typeface="Times New Roman" panose="02020603050405020304" pitchFamily="18" charset="0"/>
+              </a:rPr>
+              <a:t>đăng</a:t>
+            </a:r>
+            <a:r>
+              <a:rPr lang="en-US" dirty="0">
+                <a:latin typeface="Times New Roman" panose="02020603050405020304" pitchFamily="18" charset="0"/>
+                <a:cs typeface="Times New Roman" panose="02020603050405020304" pitchFamily="18" charset="0"/>
+              </a:rPr>
+              <a:t> </a:t>
+            </a:r>
+            <a:r>
+              <a:rPr lang="en-US" dirty="0" err="1">
+                <a:latin typeface="Times New Roman" panose="02020603050405020304" pitchFamily="18" charset="0"/>
+                <a:cs typeface="Times New Roman" panose="02020603050405020304" pitchFamily="18" charset="0"/>
+              </a:rPr>
+              <a:t>nhập</a:t>
+            </a:r>
+            <a:r>
+              <a:rPr lang="en-US" dirty="0">
+                <a:latin typeface="Times New Roman" panose="02020603050405020304" pitchFamily="18" charset="0"/>
+                <a:cs typeface="Times New Roman" panose="02020603050405020304" pitchFamily="18" charset="0"/>
+              </a:rPr>
+              <a:t>.</a:t>
+            </a:r>
+          </a:p>
+          <a:p>
+            <a:r>
+              <a:rPr lang="en-US" b="1" dirty="0" err="1">
+                <a:latin typeface="Times New Roman" panose="02020603050405020304" pitchFamily="18" charset="0"/>
+                <a:cs typeface="Times New Roman" panose="02020603050405020304" pitchFamily="18" charset="0"/>
+              </a:rPr>
+              <a:t>Kịch</a:t>
+            </a:r>
+            <a:r>
+              <a:rPr lang="en-US" b="1" dirty="0">
+                <a:latin typeface="Times New Roman" panose="02020603050405020304" pitchFamily="18" charset="0"/>
+                <a:cs typeface="Times New Roman" panose="02020603050405020304" pitchFamily="18" charset="0"/>
+              </a:rPr>
+              <a:t> </a:t>
+            </a:r>
+            <a:r>
+              <a:rPr lang="en-US" b="1" dirty="0" err="1">
+                <a:latin typeface="Times New Roman" panose="02020603050405020304" pitchFamily="18" charset="0"/>
+                <a:cs typeface="Times New Roman" panose="02020603050405020304" pitchFamily="18" charset="0"/>
+              </a:rPr>
+              <a:t>bản</a:t>
+            </a:r>
+            <a:r>
+              <a:rPr lang="en-US" b="1" dirty="0">
+                <a:latin typeface="Times New Roman" panose="02020603050405020304" pitchFamily="18" charset="0"/>
+                <a:cs typeface="Times New Roman" panose="02020603050405020304" pitchFamily="18" charset="0"/>
+              </a:rPr>
+              <a:t> con:</a:t>
+            </a:r>
+            <a:r>
+              <a:rPr lang="en-US" dirty="0">
+                <a:latin typeface="Times New Roman" panose="02020603050405020304" pitchFamily="18" charset="0"/>
+                <a:cs typeface="Times New Roman" panose="02020603050405020304" pitchFamily="18" charset="0"/>
+              </a:rPr>
+              <a:t> </a:t>
+            </a:r>
+            <a:r>
+              <a:rPr lang="en-US" dirty="0" err="1">
+                <a:latin typeface="Times New Roman" panose="02020603050405020304" pitchFamily="18" charset="0"/>
+                <a:cs typeface="Times New Roman" panose="02020603050405020304" pitchFamily="18" charset="0"/>
+              </a:rPr>
+              <a:t>khi</a:t>
+            </a:r>
+            <a:r>
+              <a:rPr lang="en-US" dirty="0">
+                <a:latin typeface="Times New Roman" panose="02020603050405020304" pitchFamily="18" charset="0"/>
+                <a:cs typeface="Times New Roman" panose="02020603050405020304" pitchFamily="18" charset="0"/>
+              </a:rPr>
+              <a:t> </a:t>
+            </a:r>
+            <a:r>
+              <a:rPr lang="en-US" dirty="0" err="1">
+                <a:latin typeface="Times New Roman" panose="02020603050405020304" pitchFamily="18" charset="0"/>
+                <a:cs typeface="Times New Roman" panose="02020603050405020304" pitchFamily="18" charset="0"/>
+              </a:rPr>
+              <a:t>người</a:t>
+            </a:r>
+            <a:r>
+              <a:rPr lang="en-US" dirty="0">
+                <a:latin typeface="Times New Roman" panose="02020603050405020304" pitchFamily="18" charset="0"/>
+                <a:cs typeface="Times New Roman" panose="02020603050405020304" pitchFamily="18" charset="0"/>
+              </a:rPr>
+              <a:t> </a:t>
+            </a:r>
+            <a:r>
+              <a:rPr lang="en-US" dirty="0" err="1">
+                <a:latin typeface="Times New Roman" panose="02020603050405020304" pitchFamily="18" charset="0"/>
+                <a:cs typeface="Times New Roman" panose="02020603050405020304" pitchFamily="18" charset="0"/>
+              </a:rPr>
+              <a:t>dùng</a:t>
+            </a:r>
+            <a:r>
+              <a:rPr lang="en-US" dirty="0">
+                <a:latin typeface="Times New Roman" panose="02020603050405020304" pitchFamily="18" charset="0"/>
+                <a:cs typeface="Times New Roman" panose="02020603050405020304" pitchFamily="18" charset="0"/>
+              </a:rPr>
+              <a:t> </a:t>
+            </a:r>
+            <a:r>
+              <a:rPr lang="en-US" dirty="0" err="1">
+                <a:latin typeface="Times New Roman" panose="02020603050405020304" pitchFamily="18" charset="0"/>
+                <a:cs typeface="Times New Roman" panose="02020603050405020304" pitchFamily="18" charset="0"/>
+              </a:rPr>
+              <a:t>nhập</a:t>
+            </a:r>
+            <a:r>
+              <a:rPr lang="en-US" dirty="0">
+                <a:latin typeface="Times New Roman" panose="02020603050405020304" pitchFamily="18" charset="0"/>
+                <a:cs typeface="Times New Roman" panose="02020603050405020304" pitchFamily="18" charset="0"/>
+              </a:rPr>
+              <a:t> </a:t>
+            </a:r>
+            <a:r>
+              <a:rPr lang="en-US" dirty="0" err="1">
+                <a:latin typeface="Times New Roman" panose="02020603050405020304" pitchFamily="18" charset="0"/>
+                <a:cs typeface="Times New Roman" panose="02020603050405020304" pitchFamily="18" charset="0"/>
+              </a:rPr>
+              <a:t>sai</a:t>
+            </a:r>
+            <a:r>
+              <a:rPr lang="en-US" dirty="0">
+                <a:latin typeface="Times New Roman" panose="02020603050405020304" pitchFamily="18" charset="0"/>
+                <a:cs typeface="Times New Roman" panose="02020603050405020304" pitchFamily="18" charset="0"/>
+              </a:rPr>
+              <a:t> </a:t>
+            </a:r>
+            <a:r>
+              <a:rPr lang="en-US" dirty="0" err="1">
+                <a:latin typeface="Times New Roman" panose="02020603050405020304" pitchFamily="18" charset="0"/>
+                <a:cs typeface="Times New Roman" panose="02020603050405020304" pitchFamily="18" charset="0"/>
+              </a:rPr>
+              <a:t>tên</a:t>
+            </a:r>
+            <a:r>
+              <a:rPr lang="en-US" dirty="0">
+                <a:latin typeface="Times New Roman" panose="02020603050405020304" pitchFamily="18" charset="0"/>
+                <a:cs typeface="Times New Roman" panose="02020603050405020304" pitchFamily="18" charset="0"/>
+              </a:rPr>
+              <a:t> </a:t>
+            </a:r>
+            <a:r>
+              <a:rPr lang="en-US" dirty="0" err="1">
+                <a:latin typeface="Times New Roman" panose="02020603050405020304" pitchFamily="18" charset="0"/>
+                <a:cs typeface="Times New Roman" panose="02020603050405020304" pitchFamily="18" charset="0"/>
+              </a:rPr>
+              <a:t>đăng</a:t>
+            </a:r>
+            <a:r>
+              <a:rPr lang="en-US" dirty="0">
+                <a:latin typeface="Times New Roman" panose="02020603050405020304" pitchFamily="18" charset="0"/>
+                <a:cs typeface="Times New Roman" panose="02020603050405020304" pitchFamily="18" charset="0"/>
+              </a:rPr>
+              <a:t> </a:t>
+            </a:r>
+            <a:r>
+              <a:rPr lang="en-US" dirty="0" err="1">
+                <a:latin typeface="Times New Roman" panose="02020603050405020304" pitchFamily="18" charset="0"/>
+                <a:cs typeface="Times New Roman" panose="02020603050405020304" pitchFamily="18" charset="0"/>
+              </a:rPr>
+              <a:t>nhập</a:t>
+            </a:r>
+            <a:r>
+              <a:rPr lang="en-US" dirty="0">
+                <a:latin typeface="Times New Roman" panose="02020603050405020304" pitchFamily="18" charset="0"/>
+                <a:cs typeface="Times New Roman" panose="02020603050405020304" pitchFamily="18" charset="0"/>
+              </a:rPr>
+              <a:t> </a:t>
+            </a:r>
+            <a:r>
+              <a:rPr lang="en-US" dirty="0" err="1">
+                <a:latin typeface="Times New Roman" panose="02020603050405020304" pitchFamily="18" charset="0"/>
+                <a:cs typeface="Times New Roman" panose="02020603050405020304" pitchFamily="18" charset="0"/>
+              </a:rPr>
+              <a:t>hoặc</a:t>
+            </a:r>
+            <a:r>
+              <a:rPr lang="en-US" dirty="0">
+                <a:latin typeface="Times New Roman" panose="02020603050405020304" pitchFamily="18" charset="0"/>
+                <a:cs typeface="Times New Roman" panose="02020603050405020304" pitchFamily="18" charset="0"/>
+              </a:rPr>
+              <a:t> </a:t>
+            </a:r>
+            <a:r>
+              <a:rPr lang="en-US" dirty="0" err="1">
+                <a:latin typeface="Times New Roman" panose="02020603050405020304" pitchFamily="18" charset="0"/>
+                <a:cs typeface="Times New Roman" panose="02020603050405020304" pitchFamily="18" charset="0"/>
+              </a:rPr>
+              <a:t>mật</a:t>
+            </a:r>
+            <a:r>
+              <a:rPr lang="en-US" dirty="0">
+                <a:latin typeface="Times New Roman" panose="02020603050405020304" pitchFamily="18" charset="0"/>
+                <a:cs typeface="Times New Roman" panose="02020603050405020304" pitchFamily="18" charset="0"/>
+              </a:rPr>
+              <a:t> </a:t>
+            </a:r>
+            <a:r>
+              <a:rPr lang="en-US" dirty="0" err="1">
+                <a:latin typeface="Times New Roman" panose="02020603050405020304" pitchFamily="18" charset="0"/>
+                <a:cs typeface="Times New Roman" panose="02020603050405020304" pitchFamily="18" charset="0"/>
+              </a:rPr>
+              <a:t>khẩu</a:t>
+            </a:r>
+            <a:r>
+              <a:rPr lang="en-US" dirty="0">
+                <a:latin typeface="Times New Roman" panose="02020603050405020304" pitchFamily="18" charset="0"/>
+                <a:cs typeface="Times New Roman" panose="02020603050405020304" pitchFamily="18" charset="0"/>
+              </a:rPr>
+              <a:t> </a:t>
+            </a:r>
+            <a:r>
+              <a:rPr lang="en-US" dirty="0" err="1">
+                <a:latin typeface="Times New Roman" panose="02020603050405020304" pitchFamily="18" charset="0"/>
+                <a:cs typeface="Times New Roman" panose="02020603050405020304" pitchFamily="18" charset="0"/>
+              </a:rPr>
+              <a:t>thì</a:t>
+            </a:r>
+            <a:r>
+              <a:rPr lang="en-US" dirty="0">
+                <a:latin typeface="Times New Roman" panose="02020603050405020304" pitchFamily="18" charset="0"/>
+                <a:cs typeface="Times New Roman" panose="02020603050405020304" pitchFamily="18" charset="0"/>
+              </a:rPr>
+              <a:t> </a:t>
+            </a:r>
+            <a:r>
+              <a:rPr lang="en-US" dirty="0" err="1">
+                <a:latin typeface="Times New Roman" panose="02020603050405020304" pitchFamily="18" charset="0"/>
+                <a:cs typeface="Times New Roman" panose="02020603050405020304" pitchFamily="18" charset="0"/>
+              </a:rPr>
+              <a:t>hệ</a:t>
+            </a:r>
+            <a:r>
+              <a:rPr lang="en-US" dirty="0">
+                <a:latin typeface="Times New Roman" panose="02020603050405020304" pitchFamily="18" charset="0"/>
+                <a:cs typeface="Times New Roman" panose="02020603050405020304" pitchFamily="18" charset="0"/>
+              </a:rPr>
+              <a:t> </a:t>
+            </a:r>
+            <a:r>
+              <a:rPr lang="en-US" dirty="0" err="1">
+                <a:latin typeface="Times New Roman" panose="02020603050405020304" pitchFamily="18" charset="0"/>
+                <a:cs typeface="Times New Roman" panose="02020603050405020304" pitchFamily="18" charset="0"/>
+              </a:rPr>
+              <a:t>thống</a:t>
+            </a:r>
+            <a:r>
+              <a:rPr lang="en-US" dirty="0">
+                <a:latin typeface="Times New Roman" panose="02020603050405020304" pitchFamily="18" charset="0"/>
+                <a:cs typeface="Times New Roman" panose="02020603050405020304" pitchFamily="18" charset="0"/>
+              </a:rPr>
+              <a:t> </a:t>
+            </a:r>
+            <a:r>
+              <a:rPr lang="en-US" dirty="0" err="1">
+                <a:latin typeface="Times New Roman" panose="02020603050405020304" pitchFamily="18" charset="0"/>
+                <a:cs typeface="Times New Roman" panose="02020603050405020304" pitchFamily="18" charset="0"/>
+              </a:rPr>
+              <a:t>sẽ</a:t>
+            </a:r>
+            <a:r>
+              <a:rPr lang="en-US" dirty="0">
+                <a:latin typeface="Times New Roman" panose="02020603050405020304" pitchFamily="18" charset="0"/>
+                <a:cs typeface="Times New Roman" panose="02020603050405020304" pitchFamily="18" charset="0"/>
+              </a:rPr>
+              <a:t> </a:t>
+            </a:r>
+            <a:r>
+              <a:rPr lang="en-US" dirty="0" err="1">
+                <a:latin typeface="Times New Roman" panose="02020603050405020304" pitchFamily="18" charset="0"/>
+                <a:cs typeface="Times New Roman" panose="02020603050405020304" pitchFamily="18" charset="0"/>
+              </a:rPr>
+              <a:t>thông</a:t>
+            </a:r>
+            <a:r>
+              <a:rPr lang="en-US" dirty="0">
+                <a:latin typeface="Times New Roman" panose="02020603050405020304" pitchFamily="18" charset="0"/>
+                <a:cs typeface="Times New Roman" panose="02020603050405020304" pitchFamily="18" charset="0"/>
+              </a:rPr>
+              <a:t> </a:t>
+            </a:r>
+            <a:r>
+              <a:rPr lang="en-US" dirty="0" err="1">
+                <a:latin typeface="Times New Roman" panose="02020603050405020304" pitchFamily="18" charset="0"/>
+                <a:cs typeface="Times New Roman" panose="02020603050405020304" pitchFamily="18" charset="0"/>
+              </a:rPr>
+              <a:t>báo</a:t>
+            </a:r>
+            <a:r>
+              <a:rPr lang="en-US" dirty="0">
+                <a:latin typeface="Times New Roman" panose="02020603050405020304" pitchFamily="18" charset="0"/>
+                <a:cs typeface="Times New Roman" panose="02020603050405020304" pitchFamily="18" charset="0"/>
+              </a:rPr>
+              <a:t> </a:t>
+            </a:r>
+            <a:r>
+              <a:rPr lang="en-US" dirty="0" err="1">
+                <a:latin typeface="Times New Roman" panose="02020603050405020304" pitchFamily="18" charset="0"/>
+                <a:cs typeface="Times New Roman" panose="02020603050405020304" pitchFamily="18" charset="0"/>
+              </a:rPr>
+              <a:t>sai</a:t>
+            </a:r>
+            <a:r>
+              <a:rPr lang="en-US" dirty="0">
+                <a:latin typeface="Times New Roman" panose="02020603050405020304" pitchFamily="18" charset="0"/>
+                <a:cs typeface="Times New Roman" panose="02020603050405020304" pitchFamily="18" charset="0"/>
+              </a:rPr>
+              <a:t> </a:t>
+            </a:r>
+            <a:r>
+              <a:rPr lang="en-US" dirty="0" err="1">
+                <a:latin typeface="Times New Roman" panose="02020603050405020304" pitchFamily="18" charset="0"/>
+                <a:cs typeface="Times New Roman" panose="02020603050405020304" pitchFamily="18" charset="0"/>
+              </a:rPr>
+              <a:t>tên</a:t>
+            </a:r>
+            <a:r>
+              <a:rPr lang="en-US" dirty="0">
+                <a:latin typeface="Times New Roman" panose="02020603050405020304" pitchFamily="18" charset="0"/>
+                <a:cs typeface="Times New Roman" panose="02020603050405020304" pitchFamily="18" charset="0"/>
+              </a:rPr>
+              <a:t> </a:t>
+            </a:r>
+            <a:r>
+              <a:rPr lang="en-US" dirty="0" err="1">
+                <a:latin typeface="Times New Roman" panose="02020603050405020304" pitchFamily="18" charset="0"/>
+                <a:cs typeface="Times New Roman" panose="02020603050405020304" pitchFamily="18" charset="0"/>
+              </a:rPr>
+              <a:t>đăng</a:t>
+            </a:r>
+            <a:r>
+              <a:rPr lang="en-US" dirty="0">
+                <a:latin typeface="Times New Roman" panose="02020603050405020304" pitchFamily="18" charset="0"/>
+                <a:cs typeface="Times New Roman" panose="02020603050405020304" pitchFamily="18" charset="0"/>
+              </a:rPr>
+              <a:t> </a:t>
+            </a:r>
+            <a:r>
+              <a:rPr lang="en-US" dirty="0" err="1">
+                <a:latin typeface="Times New Roman" panose="02020603050405020304" pitchFamily="18" charset="0"/>
+                <a:cs typeface="Times New Roman" panose="02020603050405020304" pitchFamily="18" charset="0"/>
+              </a:rPr>
+              <a:t>nhập</a:t>
+            </a:r>
+            <a:r>
+              <a:rPr lang="en-US" dirty="0">
+                <a:latin typeface="Times New Roman" panose="02020603050405020304" pitchFamily="18" charset="0"/>
+                <a:cs typeface="Times New Roman" panose="02020603050405020304" pitchFamily="18" charset="0"/>
+              </a:rPr>
+              <a:t> </a:t>
+            </a:r>
+            <a:r>
+              <a:rPr lang="en-US" dirty="0" err="1">
+                <a:latin typeface="Times New Roman" panose="02020603050405020304" pitchFamily="18" charset="0"/>
+                <a:cs typeface="Times New Roman" panose="02020603050405020304" pitchFamily="18" charset="0"/>
+              </a:rPr>
+              <a:t>hoặc</a:t>
+            </a:r>
+            <a:r>
+              <a:rPr lang="en-US" dirty="0">
+                <a:latin typeface="Times New Roman" panose="02020603050405020304" pitchFamily="18" charset="0"/>
+                <a:cs typeface="Times New Roman" panose="02020603050405020304" pitchFamily="18" charset="0"/>
+              </a:rPr>
+              <a:t> </a:t>
+            </a:r>
+            <a:r>
+              <a:rPr lang="en-US" dirty="0" err="1">
+                <a:latin typeface="Times New Roman" panose="02020603050405020304" pitchFamily="18" charset="0"/>
+                <a:cs typeface="Times New Roman" panose="02020603050405020304" pitchFamily="18" charset="0"/>
+              </a:rPr>
+              <a:t>mật</a:t>
+            </a:r>
+            <a:r>
+              <a:rPr lang="en-US" dirty="0">
+                <a:latin typeface="Times New Roman" panose="02020603050405020304" pitchFamily="18" charset="0"/>
+                <a:cs typeface="Times New Roman" panose="02020603050405020304" pitchFamily="18" charset="0"/>
+              </a:rPr>
+              <a:t> </a:t>
+            </a:r>
+            <a:r>
+              <a:rPr lang="en-US" dirty="0" err="1">
+                <a:latin typeface="Times New Roman" panose="02020603050405020304" pitchFamily="18" charset="0"/>
+                <a:cs typeface="Times New Roman" panose="02020603050405020304" pitchFamily="18" charset="0"/>
+              </a:rPr>
+              <a:t>khẩu</a:t>
+            </a:r>
+            <a:r>
+              <a:rPr lang="en-US" dirty="0">
+                <a:latin typeface="Times New Roman" panose="02020603050405020304" pitchFamily="18" charset="0"/>
+                <a:cs typeface="Times New Roman" panose="02020603050405020304" pitchFamily="18" charset="0"/>
+              </a:rPr>
+              <a:t>.</a:t>
+            </a:r>
           </a:p>
         </p:txBody>
       </p:sp>
@@ -5270,89 +6646,6 @@
     <p:extLst>
       <p:ext uri="{BB962C8B-B14F-4D97-AF65-F5344CB8AC3E}">
         <p14:creationId xmlns:p14="http://schemas.microsoft.com/office/powerpoint/2010/main" val="2920436786"/>
-      </p:ext>
-    </p:extLst>
-  </p:cSld>
-  <p:clrMapOvr>
-    <a:masterClrMapping/>
-  </p:clrMapOvr>
-</p:sld>
-</file>
-
-<file path=ppt/slides/slide15.xml><?xml version="1.0" encoding="utf-8"?>
-<p:sld xmlns:a="http://schemas.openxmlformats.org/drawingml/2006/main" xmlns:r="http://schemas.openxmlformats.org/officeDocument/2006/relationships" xmlns:p="http://schemas.openxmlformats.org/presentationml/2006/main">
-  <p:cSld>
-    <p:spTree>
-      <p:nvGrpSpPr>
-        <p:cNvPr id="1" name=""/>
-        <p:cNvGrpSpPr/>
-        <p:nvPr/>
-      </p:nvGrpSpPr>
-      <p:grpSpPr>
-        <a:xfrm>
-          <a:off x="0" y="0"/>
-          <a:ext cx="0" cy="0"/>
-          <a:chOff x="0" y="0"/>
-          <a:chExt cx="0" cy="0"/>
-        </a:xfrm>
-      </p:grpSpPr>
-      <p:sp>
-        <p:nvSpPr>
-          <p:cNvPr id="2" name="Title 1">
-            <a:extLst>
-              <a:ext uri="{FF2B5EF4-FFF2-40B4-BE49-F238E27FC236}">
-                <a16:creationId xmlns:a16="http://schemas.microsoft.com/office/drawing/2014/main" id="{A97EDF3C-761E-3268-1470-2C6399FA4A86}"/>
-              </a:ext>
-            </a:extLst>
-          </p:cNvPr>
-          <p:cNvSpPr>
-            <a:spLocks noGrp="1"/>
-          </p:cNvSpPr>
-          <p:nvPr>
-            <p:ph type="title"/>
-          </p:nvPr>
-        </p:nvSpPr>
-        <p:spPr/>
-        <p:txBody>
-          <a:bodyPr/>
-          <a:lstStyle/>
-          <a:p>
-            <a:r>
-              <a:rPr lang="en-US"/>
-              <a:t>Vũ Hoàng Tuấn Anh</a:t>
-            </a:r>
-          </a:p>
-        </p:txBody>
-      </p:sp>
-      <p:sp>
-        <p:nvSpPr>
-          <p:cNvPr id="3" name="Content Placeholder 2">
-            <a:extLst>
-              <a:ext uri="{FF2B5EF4-FFF2-40B4-BE49-F238E27FC236}">
-                <a16:creationId xmlns:a16="http://schemas.microsoft.com/office/drawing/2014/main" id="{6DC4A686-CE78-AE64-FE35-4229EBFC4298}"/>
-              </a:ext>
-            </a:extLst>
-          </p:cNvPr>
-          <p:cNvSpPr>
-            <a:spLocks noGrp="1"/>
-          </p:cNvSpPr>
-          <p:nvPr>
-            <p:ph idx="1"/>
-          </p:nvPr>
-        </p:nvSpPr>
-        <p:spPr/>
-        <p:txBody>
-          <a:bodyPr/>
-          <a:lstStyle/>
-          <a:p>
-            <a:endParaRPr lang="en-US"/>
-          </a:p>
-        </p:txBody>
-      </p:sp>
-    </p:spTree>
-    <p:extLst>
-      <p:ext uri="{BB962C8B-B14F-4D97-AF65-F5344CB8AC3E}">
-        <p14:creationId xmlns:p14="http://schemas.microsoft.com/office/powerpoint/2010/main" val="3142229788"/>
       </p:ext>
     </p:extLst>
   </p:cSld>
@@ -5384,7 +6677,7 @@
           <p:cNvPr id="2" name="Title 1">
             <a:extLst>
               <a:ext uri="{FF2B5EF4-FFF2-40B4-BE49-F238E27FC236}">
-                <a16:creationId xmlns:a16="http://schemas.microsoft.com/office/drawing/2014/main" id="{11936EE5-FF61-8E79-3B53-9844B2C4833B}"/>
+                <a16:creationId xmlns:a16="http://schemas.microsoft.com/office/drawing/2014/main" id="{8E2043A8-ED56-6913-B884-1C24B3B74EC3}"/>
               </a:ext>
             </a:extLst>
           </p:cNvPr>
@@ -5402,7 +6695,7 @@
           <a:p>
             <a:r>
               <a:rPr lang="en-US"/>
-              <a:t>Nguyễn Đình Khiêm</a:t>
+              <a:t>Lê Việt Đức</a:t>
             </a:r>
           </a:p>
         </p:txBody>
@@ -5412,7 +6705,7 @@
           <p:cNvPr id="3" name="Content Placeholder 2">
             <a:extLst>
               <a:ext uri="{FF2B5EF4-FFF2-40B4-BE49-F238E27FC236}">
-                <a16:creationId xmlns:a16="http://schemas.microsoft.com/office/drawing/2014/main" id="{3A772C2E-295C-9D54-BCC6-AB848C21D117}"/>
+                <a16:creationId xmlns:a16="http://schemas.microsoft.com/office/drawing/2014/main" id="{DB65228E-F4DA-6780-CD80-CF5CDF53C394}"/>
               </a:ext>
             </a:extLst>
           </p:cNvPr>
@@ -5428,14 +6721,2337 @@
           <a:bodyPr/>
           <a:lstStyle/>
           <a:p>
-            <a:endParaRPr lang="en-US"/>
+            <a:r>
+              <a:rPr lang="en-US" b="1" dirty="0">
+                <a:latin typeface="Times New Roman" panose="02020603050405020304" pitchFamily="18" charset="0"/>
+                <a:cs typeface="Times New Roman" panose="02020603050405020304" pitchFamily="18" charset="0"/>
+              </a:rPr>
+              <a:t>ĐĂNG KÍ</a:t>
+            </a:r>
+          </a:p>
+          <a:p>
+            <a:r>
+              <a:rPr lang="en-US" b="1" dirty="0" err="1">
+                <a:latin typeface="Times New Roman" panose="02020603050405020304" pitchFamily="18" charset="0"/>
+                <a:cs typeface="Times New Roman" panose="02020603050405020304" pitchFamily="18" charset="0"/>
+              </a:rPr>
+              <a:t>Kịch</a:t>
+            </a:r>
+            <a:r>
+              <a:rPr lang="en-US" b="1" dirty="0">
+                <a:latin typeface="Times New Roman" panose="02020603050405020304" pitchFamily="18" charset="0"/>
+                <a:cs typeface="Times New Roman" panose="02020603050405020304" pitchFamily="18" charset="0"/>
+              </a:rPr>
+              <a:t> </a:t>
+            </a:r>
+            <a:r>
+              <a:rPr lang="en-US" b="1" dirty="0" err="1">
+                <a:latin typeface="Times New Roman" panose="02020603050405020304" pitchFamily="18" charset="0"/>
+                <a:cs typeface="Times New Roman" panose="02020603050405020304" pitchFamily="18" charset="0"/>
+              </a:rPr>
+              <a:t>bản</a:t>
+            </a:r>
+            <a:r>
+              <a:rPr lang="en-US" b="1" dirty="0">
+                <a:latin typeface="Times New Roman" panose="02020603050405020304" pitchFamily="18" charset="0"/>
+                <a:cs typeface="Times New Roman" panose="02020603050405020304" pitchFamily="18" charset="0"/>
+              </a:rPr>
+              <a:t> </a:t>
+            </a:r>
+            <a:r>
+              <a:rPr lang="en-US" b="1" dirty="0" err="1">
+                <a:latin typeface="Times New Roman" panose="02020603050405020304" pitchFamily="18" charset="0"/>
+                <a:cs typeface="Times New Roman" panose="02020603050405020304" pitchFamily="18" charset="0"/>
+              </a:rPr>
+              <a:t>chính</a:t>
+            </a:r>
+            <a:r>
+              <a:rPr lang="en-US" b="1" dirty="0">
+                <a:latin typeface="Times New Roman" panose="02020603050405020304" pitchFamily="18" charset="0"/>
+                <a:cs typeface="Times New Roman" panose="02020603050405020304" pitchFamily="18" charset="0"/>
+              </a:rPr>
+              <a:t>:</a:t>
+            </a:r>
+          </a:p>
+          <a:p>
+            <a:r>
+              <a:rPr lang="en-US" dirty="0">
+                <a:latin typeface="Times New Roman" panose="02020603050405020304" pitchFamily="18" charset="0"/>
+                <a:cs typeface="Times New Roman" panose="02020603050405020304" pitchFamily="18" charset="0"/>
+              </a:rPr>
+              <a:t>-B1: </a:t>
+            </a:r>
+            <a:r>
+              <a:rPr lang="en-US" dirty="0" err="1">
+                <a:latin typeface="Times New Roman" panose="02020603050405020304" pitchFamily="18" charset="0"/>
+                <a:cs typeface="Times New Roman" panose="02020603050405020304" pitchFamily="18" charset="0"/>
+              </a:rPr>
+              <a:t>Người</a:t>
+            </a:r>
+            <a:r>
+              <a:rPr lang="en-US" dirty="0">
+                <a:latin typeface="Times New Roman" panose="02020603050405020304" pitchFamily="18" charset="0"/>
+                <a:cs typeface="Times New Roman" panose="02020603050405020304" pitchFamily="18" charset="0"/>
+              </a:rPr>
+              <a:t> </a:t>
+            </a:r>
+            <a:r>
+              <a:rPr lang="en-US" dirty="0" err="1">
+                <a:latin typeface="Times New Roman" panose="02020603050405020304" pitchFamily="18" charset="0"/>
+                <a:cs typeface="Times New Roman" panose="02020603050405020304" pitchFamily="18" charset="0"/>
+              </a:rPr>
+              <a:t>dùng</a:t>
+            </a:r>
+            <a:r>
+              <a:rPr lang="en-US" dirty="0">
+                <a:latin typeface="Times New Roman" panose="02020603050405020304" pitchFamily="18" charset="0"/>
+                <a:cs typeface="Times New Roman" panose="02020603050405020304" pitchFamily="18" charset="0"/>
+              </a:rPr>
+              <a:t> </a:t>
+            </a:r>
+            <a:r>
+              <a:rPr lang="en-US" dirty="0" err="1">
+                <a:latin typeface="Times New Roman" panose="02020603050405020304" pitchFamily="18" charset="0"/>
+                <a:cs typeface="Times New Roman" panose="02020603050405020304" pitchFamily="18" charset="0"/>
+              </a:rPr>
+              <a:t>lựa</a:t>
+            </a:r>
+            <a:r>
+              <a:rPr lang="en-US" dirty="0">
+                <a:latin typeface="Times New Roman" panose="02020603050405020304" pitchFamily="18" charset="0"/>
+                <a:cs typeface="Times New Roman" panose="02020603050405020304" pitchFamily="18" charset="0"/>
+              </a:rPr>
+              <a:t> </a:t>
+            </a:r>
+            <a:r>
+              <a:rPr lang="en-US" dirty="0" err="1">
+                <a:latin typeface="Times New Roman" panose="02020603050405020304" pitchFamily="18" charset="0"/>
+                <a:cs typeface="Times New Roman" panose="02020603050405020304" pitchFamily="18" charset="0"/>
+              </a:rPr>
+              <a:t>chọn</a:t>
+            </a:r>
+            <a:r>
+              <a:rPr lang="en-US" dirty="0">
+                <a:latin typeface="Times New Roman" panose="02020603050405020304" pitchFamily="18" charset="0"/>
+                <a:cs typeface="Times New Roman" panose="02020603050405020304" pitchFamily="18" charset="0"/>
+              </a:rPr>
+              <a:t> </a:t>
+            </a:r>
+            <a:r>
+              <a:rPr lang="en-US" dirty="0" err="1">
+                <a:latin typeface="Times New Roman" panose="02020603050405020304" pitchFamily="18" charset="0"/>
+                <a:cs typeface="Times New Roman" panose="02020603050405020304" pitchFamily="18" charset="0"/>
+              </a:rPr>
+              <a:t>chức</a:t>
+            </a:r>
+            <a:r>
+              <a:rPr lang="en-US" dirty="0">
+                <a:latin typeface="Times New Roman" panose="02020603050405020304" pitchFamily="18" charset="0"/>
+                <a:cs typeface="Times New Roman" panose="02020603050405020304" pitchFamily="18" charset="0"/>
+              </a:rPr>
+              <a:t> </a:t>
+            </a:r>
+            <a:r>
+              <a:rPr lang="en-US" dirty="0" err="1">
+                <a:latin typeface="Times New Roman" panose="02020603050405020304" pitchFamily="18" charset="0"/>
+                <a:cs typeface="Times New Roman" panose="02020603050405020304" pitchFamily="18" charset="0"/>
+              </a:rPr>
+              <a:t>năng</a:t>
+            </a:r>
+            <a:r>
+              <a:rPr lang="en-US" dirty="0">
+                <a:latin typeface="Times New Roman" panose="02020603050405020304" pitchFamily="18" charset="0"/>
+                <a:cs typeface="Times New Roman" panose="02020603050405020304" pitchFamily="18" charset="0"/>
+              </a:rPr>
+              <a:t> </a:t>
+            </a:r>
+            <a:r>
+              <a:rPr lang="en-US" dirty="0" err="1">
+                <a:latin typeface="Times New Roman" panose="02020603050405020304" pitchFamily="18" charset="0"/>
+                <a:cs typeface="Times New Roman" panose="02020603050405020304" pitchFamily="18" charset="0"/>
+              </a:rPr>
+              <a:t>đăng</a:t>
+            </a:r>
+            <a:r>
+              <a:rPr lang="en-US" dirty="0">
+                <a:latin typeface="Times New Roman" panose="02020603050405020304" pitchFamily="18" charset="0"/>
+                <a:cs typeface="Times New Roman" panose="02020603050405020304" pitchFamily="18" charset="0"/>
+              </a:rPr>
+              <a:t> </a:t>
+            </a:r>
+            <a:r>
+              <a:rPr lang="en-US" dirty="0" err="1">
+                <a:latin typeface="Times New Roman" panose="02020603050405020304" pitchFamily="18" charset="0"/>
+                <a:cs typeface="Times New Roman" panose="02020603050405020304" pitchFamily="18" charset="0"/>
+              </a:rPr>
+              <a:t>kí</a:t>
+            </a:r>
+            <a:r>
+              <a:rPr lang="en-US" dirty="0">
+                <a:latin typeface="Times New Roman" panose="02020603050405020304" pitchFamily="18" charset="0"/>
+                <a:cs typeface="Times New Roman" panose="02020603050405020304" pitchFamily="18" charset="0"/>
+              </a:rPr>
+              <a:t> </a:t>
+            </a:r>
+            <a:r>
+              <a:rPr lang="en-US" dirty="0" err="1">
+                <a:latin typeface="Times New Roman" panose="02020603050405020304" pitchFamily="18" charset="0"/>
+                <a:cs typeface="Times New Roman" panose="02020603050405020304" pitchFamily="18" charset="0"/>
+              </a:rPr>
+              <a:t>hệ</a:t>
+            </a:r>
+            <a:r>
+              <a:rPr lang="en-US" dirty="0">
+                <a:latin typeface="Times New Roman" panose="02020603050405020304" pitchFamily="18" charset="0"/>
+                <a:cs typeface="Times New Roman" panose="02020603050405020304" pitchFamily="18" charset="0"/>
+              </a:rPr>
+              <a:t> </a:t>
+            </a:r>
+            <a:r>
+              <a:rPr lang="en-US" dirty="0" err="1">
+                <a:latin typeface="Times New Roman" panose="02020603050405020304" pitchFamily="18" charset="0"/>
+                <a:cs typeface="Times New Roman" panose="02020603050405020304" pitchFamily="18" charset="0"/>
+              </a:rPr>
+              <a:t>thống</a:t>
+            </a:r>
+            <a:endParaRPr lang="en-US" dirty="0">
+              <a:latin typeface="Times New Roman" panose="02020603050405020304" pitchFamily="18" charset="0"/>
+              <a:cs typeface="Times New Roman" panose="02020603050405020304" pitchFamily="18" charset="0"/>
+            </a:endParaRPr>
+          </a:p>
+          <a:p>
+            <a:r>
+              <a:rPr lang="en-US" dirty="0">
+                <a:latin typeface="Times New Roman" panose="02020603050405020304" pitchFamily="18" charset="0"/>
+                <a:cs typeface="Times New Roman" panose="02020603050405020304" pitchFamily="18" charset="0"/>
+              </a:rPr>
+              <a:t>-B2: </a:t>
+            </a:r>
+            <a:r>
+              <a:rPr lang="en-US" dirty="0" err="1">
+                <a:latin typeface="Times New Roman" panose="02020603050405020304" pitchFamily="18" charset="0"/>
+                <a:cs typeface="Times New Roman" panose="02020603050405020304" pitchFamily="18" charset="0"/>
+              </a:rPr>
+              <a:t>Hệ</a:t>
+            </a:r>
+            <a:r>
+              <a:rPr lang="en-US" dirty="0">
+                <a:latin typeface="Times New Roman" panose="02020603050405020304" pitchFamily="18" charset="0"/>
+                <a:cs typeface="Times New Roman" panose="02020603050405020304" pitchFamily="18" charset="0"/>
+              </a:rPr>
+              <a:t> </a:t>
+            </a:r>
+            <a:r>
+              <a:rPr lang="en-US" dirty="0" err="1">
+                <a:latin typeface="Times New Roman" panose="02020603050405020304" pitchFamily="18" charset="0"/>
+                <a:cs typeface="Times New Roman" panose="02020603050405020304" pitchFamily="18" charset="0"/>
+              </a:rPr>
+              <a:t>thống</a:t>
+            </a:r>
+            <a:r>
+              <a:rPr lang="en-US" dirty="0">
+                <a:latin typeface="Times New Roman" panose="02020603050405020304" pitchFamily="18" charset="0"/>
+                <a:cs typeface="Times New Roman" panose="02020603050405020304" pitchFamily="18" charset="0"/>
+              </a:rPr>
+              <a:t> </a:t>
+            </a:r>
+            <a:r>
+              <a:rPr lang="en-US" dirty="0" err="1">
+                <a:latin typeface="Times New Roman" panose="02020603050405020304" pitchFamily="18" charset="0"/>
+                <a:cs typeface="Times New Roman" panose="02020603050405020304" pitchFamily="18" charset="0"/>
+              </a:rPr>
+              <a:t>hiển</a:t>
+            </a:r>
+            <a:r>
+              <a:rPr lang="en-US" dirty="0">
+                <a:latin typeface="Times New Roman" panose="02020603050405020304" pitchFamily="18" charset="0"/>
+                <a:cs typeface="Times New Roman" panose="02020603050405020304" pitchFamily="18" charset="0"/>
+              </a:rPr>
+              <a:t> </a:t>
+            </a:r>
+            <a:r>
+              <a:rPr lang="en-US" dirty="0" err="1">
+                <a:latin typeface="Times New Roman" panose="02020603050405020304" pitchFamily="18" charset="0"/>
+                <a:cs typeface="Times New Roman" panose="02020603050405020304" pitchFamily="18" charset="0"/>
+              </a:rPr>
+              <a:t>thị</a:t>
+            </a:r>
+            <a:r>
+              <a:rPr lang="en-US" dirty="0">
+                <a:latin typeface="Times New Roman" panose="02020603050405020304" pitchFamily="18" charset="0"/>
+                <a:cs typeface="Times New Roman" panose="02020603050405020304" pitchFamily="18" charset="0"/>
+              </a:rPr>
+              <a:t> </a:t>
+            </a:r>
+            <a:r>
+              <a:rPr lang="en-US" dirty="0" err="1">
+                <a:latin typeface="Times New Roman" panose="02020603050405020304" pitchFamily="18" charset="0"/>
+                <a:cs typeface="Times New Roman" panose="02020603050405020304" pitchFamily="18" charset="0"/>
+              </a:rPr>
+              <a:t>giao</a:t>
+            </a:r>
+            <a:r>
+              <a:rPr lang="en-US" dirty="0">
+                <a:latin typeface="Times New Roman" panose="02020603050405020304" pitchFamily="18" charset="0"/>
+                <a:cs typeface="Times New Roman" panose="02020603050405020304" pitchFamily="18" charset="0"/>
+              </a:rPr>
+              <a:t> </a:t>
+            </a:r>
+            <a:r>
+              <a:rPr lang="en-US" dirty="0" err="1">
+                <a:latin typeface="Times New Roman" panose="02020603050405020304" pitchFamily="18" charset="0"/>
+                <a:cs typeface="Times New Roman" panose="02020603050405020304" pitchFamily="18" charset="0"/>
+              </a:rPr>
+              <a:t>diện</a:t>
+            </a:r>
+            <a:r>
+              <a:rPr lang="en-US" dirty="0">
+                <a:latin typeface="Times New Roman" panose="02020603050405020304" pitchFamily="18" charset="0"/>
+                <a:cs typeface="Times New Roman" panose="02020603050405020304" pitchFamily="18" charset="0"/>
+              </a:rPr>
+              <a:t> </a:t>
+            </a:r>
+            <a:r>
+              <a:rPr lang="en-US" dirty="0" err="1">
+                <a:latin typeface="Times New Roman" panose="02020603050405020304" pitchFamily="18" charset="0"/>
+                <a:cs typeface="Times New Roman" panose="02020603050405020304" pitchFamily="18" charset="0"/>
+              </a:rPr>
+              <a:t>đăng</a:t>
+            </a:r>
+            <a:r>
+              <a:rPr lang="en-US" dirty="0">
+                <a:latin typeface="Times New Roman" panose="02020603050405020304" pitchFamily="18" charset="0"/>
+                <a:cs typeface="Times New Roman" panose="02020603050405020304" pitchFamily="18" charset="0"/>
+              </a:rPr>
+              <a:t> </a:t>
+            </a:r>
+            <a:r>
+              <a:rPr lang="en-US" dirty="0" err="1">
+                <a:latin typeface="Times New Roman" panose="02020603050405020304" pitchFamily="18" charset="0"/>
+                <a:cs typeface="Times New Roman" panose="02020603050405020304" pitchFamily="18" charset="0"/>
+              </a:rPr>
+              <a:t>kí</a:t>
+            </a:r>
+            <a:r>
+              <a:rPr lang="en-US" dirty="0">
+                <a:latin typeface="Times New Roman" panose="02020603050405020304" pitchFamily="18" charset="0"/>
+                <a:cs typeface="Times New Roman" panose="02020603050405020304" pitchFamily="18" charset="0"/>
+              </a:rPr>
+              <a:t> </a:t>
+            </a:r>
+            <a:r>
+              <a:rPr lang="en-US" dirty="0" err="1">
+                <a:latin typeface="Times New Roman" panose="02020603050405020304" pitchFamily="18" charset="0"/>
+                <a:cs typeface="Times New Roman" panose="02020603050405020304" pitchFamily="18" charset="0"/>
+              </a:rPr>
+              <a:t>hệ</a:t>
+            </a:r>
+            <a:r>
+              <a:rPr lang="en-US" dirty="0">
+                <a:latin typeface="Times New Roman" panose="02020603050405020304" pitchFamily="18" charset="0"/>
+                <a:cs typeface="Times New Roman" panose="02020603050405020304" pitchFamily="18" charset="0"/>
+              </a:rPr>
+              <a:t> </a:t>
+            </a:r>
+            <a:r>
+              <a:rPr lang="en-US" dirty="0" err="1">
+                <a:latin typeface="Times New Roman" panose="02020603050405020304" pitchFamily="18" charset="0"/>
+                <a:cs typeface="Times New Roman" panose="02020603050405020304" pitchFamily="18" charset="0"/>
+              </a:rPr>
+              <a:t>thống</a:t>
+            </a:r>
+            <a:endParaRPr lang="en-US" dirty="0">
+              <a:latin typeface="Times New Roman" panose="02020603050405020304" pitchFamily="18" charset="0"/>
+              <a:cs typeface="Times New Roman" panose="02020603050405020304" pitchFamily="18" charset="0"/>
+            </a:endParaRPr>
+          </a:p>
+          <a:p>
+            <a:r>
+              <a:rPr lang="en-US" dirty="0">
+                <a:latin typeface="Times New Roman" panose="02020603050405020304" pitchFamily="18" charset="0"/>
+                <a:cs typeface="Times New Roman" panose="02020603050405020304" pitchFamily="18" charset="0"/>
+              </a:rPr>
+              <a:t>-B3: </a:t>
+            </a:r>
+            <a:r>
+              <a:rPr lang="en-US" dirty="0" err="1">
+                <a:latin typeface="Times New Roman" panose="02020603050405020304" pitchFamily="18" charset="0"/>
+                <a:cs typeface="Times New Roman" panose="02020603050405020304" pitchFamily="18" charset="0"/>
+              </a:rPr>
+              <a:t>Người</a:t>
+            </a:r>
+            <a:r>
+              <a:rPr lang="en-US" dirty="0">
+                <a:latin typeface="Times New Roman" panose="02020603050405020304" pitchFamily="18" charset="0"/>
+                <a:cs typeface="Times New Roman" panose="02020603050405020304" pitchFamily="18" charset="0"/>
+              </a:rPr>
+              <a:t> </a:t>
+            </a:r>
+            <a:r>
+              <a:rPr lang="en-US" dirty="0" err="1">
+                <a:latin typeface="Times New Roman" panose="02020603050405020304" pitchFamily="18" charset="0"/>
+                <a:cs typeface="Times New Roman" panose="02020603050405020304" pitchFamily="18" charset="0"/>
+              </a:rPr>
+              <a:t>dùng</a:t>
+            </a:r>
+            <a:r>
+              <a:rPr lang="en-US" dirty="0">
+                <a:latin typeface="Times New Roman" panose="02020603050405020304" pitchFamily="18" charset="0"/>
+                <a:cs typeface="Times New Roman" panose="02020603050405020304" pitchFamily="18" charset="0"/>
+              </a:rPr>
+              <a:t> </a:t>
+            </a:r>
+            <a:r>
+              <a:rPr lang="en-US" dirty="0" err="1">
+                <a:latin typeface="Times New Roman" panose="02020603050405020304" pitchFamily="18" charset="0"/>
+                <a:cs typeface="Times New Roman" panose="02020603050405020304" pitchFamily="18" charset="0"/>
+              </a:rPr>
+              <a:t>nhập</a:t>
+            </a:r>
+            <a:r>
+              <a:rPr lang="en-US" dirty="0">
+                <a:latin typeface="Times New Roman" panose="02020603050405020304" pitchFamily="18" charset="0"/>
+                <a:cs typeface="Times New Roman" panose="02020603050405020304" pitchFamily="18" charset="0"/>
+              </a:rPr>
+              <a:t> </a:t>
+            </a:r>
+            <a:r>
+              <a:rPr lang="en-US" dirty="0" err="1">
+                <a:latin typeface="Times New Roman" panose="02020603050405020304" pitchFamily="18" charset="0"/>
+                <a:cs typeface="Times New Roman" panose="02020603050405020304" pitchFamily="18" charset="0"/>
+              </a:rPr>
+              <a:t>tên</a:t>
+            </a:r>
+            <a:r>
+              <a:rPr lang="en-US" dirty="0">
+                <a:latin typeface="Times New Roman" panose="02020603050405020304" pitchFamily="18" charset="0"/>
+                <a:cs typeface="Times New Roman" panose="02020603050405020304" pitchFamily="18" charset="0"/>
+              </a:rPr>
+              <a:t> </a:t>
+            </a:r>
+            <a:r>
+              <a:rPr lang="en-US" dirty="0" err="1">
+                <a:latin typeface="Times New Roman" panose="02020603050405020304" pitchFamily="18" charset="0"/>
+                <a:cs typeface="Times New Roman" panose="02020603050405020304" pitchFamily="18" charset="0"/>
+              </a:rPr>
+              <a:t>đăng</a:t>
+            </a:r>
+            <a:r>
+              <a:rPr lang="en-US" dirty="0">
+                <a:latin typeface="Times New Roman" panose="02020603050405020304" pitchFamily="18" charset="0"/>
+                <a:cs typeface="Times New Roman" panose="02020603050405020304" pitchFamily="18" charset="0"/>
+              </a:rPr>
+              <a:t> </a:t>
+            </a:r>
+            <a:r>
+              <a:rPr lang="en-US" dirty="0" err="1">
+                <a:latin typeface="Times New Roman" panose="02020603050405020304" pitchFamily="18" charset="0"/>
+                <a:cs typeface="Times New Roman" panose="02020603050405020304" pitchFamily="18" charset="0"/>
+              </a:rPr>
+              <a:t>nhập</a:t>
+            </a:r>
+            <a:r>
+              <a:rPr lang="en-US" dirty="0">
+                <a:latin typeface="Times New Roman" panose="02020603050405020304" pitchFamily="18" charset="0"/>
+                <a:cs typeface="Times New Roman" panose="02020603050405020304" pitchFamily="18" charset="0"/>
+              </a:rPr>
+              <a:t> </a:t>
+            </a:r>
+            <a:r>
+              <a:rPr lang="en-US" dirty="0" err="1">
+                <a:latin typeface="Times New Roman" panose="02020603050405020304" pitchFamily="18" charset="0"/>
+                <a:cs typeface="Times New Roman" panose="02020603050405020304" pitchFamily="18" charset="0"/>
+              </a:rPr>
+              <a:t>và</a:t>
+            </a:r>
+            <a:r>
+              <a:rPr lang="en-US" dirty="0">
+                <a:latin typeface="Times New Roman" panose="02020603050405020304" pitchFamily="18" charset="0"/>
+                <a:cs typeface="Times New Roman" panose="02020603050405020304" pitchFamily="18" charset="0"/>
+              </a:rPr>
+              <a:t> </a:t>
+            </a:r>
+            <a:r>
+              <a:rPr lang="en-US" dirty="0" err="1">
+                <a:latin typeface="Times New Roman" panose="02020603050405020304" pitchFamily="18" charset="0"/>
+                <a:cs typeface="Times New Roman" panose="02020603050405020304" pitchFamily="18" charset="0"/>
+              </a:rPr>
+              <a:t>mật</a:t>
+            </a:r>
+            <a:r>
+              <a:rPr lang="en-US" dirty="0">
+                <a:latin typeface="Times New Roman" panose="02020603050405020304" pitchFamily="18" charset="0"/>
+                <a:cs typeface="Times New Roman" panose="02020603050405020304" pitchFamily="18" charset="0"/>
+              </a:rPr>
+              <a:t> </a:t>
+            </a:r>
+            <a:r>
+              <a:rPr lang="en-US" dirty="0" err="1">
+                <a:latin typeface="Times New Roman" panose="02020603050405020304" pitchFamily="18" charset="0"/>
+                <a:cs typeface="Times New Roman" panose="02020603050405020304" pitchFamily="18" charset="0"/>
+              </a:rPr>
+              <a:t>khẩu</a:t>
+            </a:r>
+            <a:r>
+              <a:rPr lang="en-US" dirty="0">
+                <a:latin typeface="Times New Roman" panose="02020603050405020304" pitchFamily="18" charset="0"/>
+                <a:cs typeface="Times New Roman" panose="02020603050405020304" pitchFamily="18" charset="0"/>
+              </a:rPr>
+              <a:t> </a:t>
+            </a:r>
+            <a:r>
+              <a:rPr lang="en-US" dirty="0" err="1">
+                <a:latin typeface="Times New Roman" panose="02020603050405020304" pitchFamily="18" charset="0"/>
+                <a:cs typeface="Times New Roman" panose="02020603050405020304" pitchFamily="18" charset="0"/>
+              </a:rPr>
+              <a:t>và</a:t>
+            </a:r>
+            <a:r>
+              <a:rPr lang="en-US" dirty="0">
+                <a:latin typeface="Times New Roman" panose="02020603050405020304" pitchFamily="18" charset="0"/>
+                <a:cs typeface="Times New Roman" panose="02020603050405020304" pitchFamily="18" charset="0"/>
+              </a:rPr>
+              <a:t> email,…</a:t>
+            </a:r>
+          </a:p>
+          <a:p>
+            <a:r>
+              <a:rPr lang="en-US" dirty="0">
+                <a:latin typeface="Times New Roman" panose="02020603050405020304" pitchFamily="18" charset="0"/>
+                <a:cs typeface="Times New Roman" panose="02020603050405020304" pitchFamily="18" charset="0"/>
+              </a:rPr>
+              <a:t>-B4: </a:t>
+            </a:r>
+            <a:r>
+              <a:rPr lang="en-US" dirty="0" err="1">
+                <a:latin typeface="Times New Roman" panose="02020603050405020304" pitchFamily="18" charset="0"/>
+                <a:cs typeface="Times New Roman" panose="02020603050405020304" pitchFamily="18" charset="0"/>
+              </a:rPr>
+              <a:t>Nếu</a:t>
+            </a:r>
+            <a:r>
+              <a:rPr lang="en-US" dirty="0">
+                <a:latin typeface="Times New Roman" panose="02020603050405020304" pitchFamily="18" charset="0"/>
+                <a:cs typeface="Times New Roman" panose="02020603050405020304" pitchFamily="18" charset="0"/>
+              </a:rPr>
+              <a:t> </a:t>
+            </a:r>
+            <a:r>
+              <a:rPr lang="en-US" dirty="0" err="1">
+                <a:latin typeface="Times New Roman" panose="02020603050405020304" pitchFamily="18" charset="0"/>
+                <a:cs typeface="Times New Roman" panose="02020603050405020304" pitchFamily="18" charset="0"/>
+              </a:rPr>
+              <a:t>tên</a:t>
+            </a:r>
+            <a:r>
+              <a:rPr lang="en-US" dirty="0">
+                <a:latin typeface="Times New Roman" panose="02020603050405020304" pitchFamily="18" charset="0"/>
+                <a:cs typeface="Times New Roman" panose="02020603050405020304" pitchFamily="18" charset="0"/>
+              </a:rPr>
+              <a:t> </a:t>
+            </a:r>
+            <a:r>
+              <a:rPr lang="en-US" dirty="0" err="1">
+                <a:latin typeface="Times New Roman" panose="02020603050405020304" pitchFamily="18" charset="0"/>
+                <a:cs typeface="Times New Roman" panose="02020603050405020304" pitchFamily="18" charset="0"/>
+              </a:rPr>
+              <a:t>đăng</a:t>
+            </a:r>
+            <a:r>
+              <a:rPr lang="en-US" dirty="0">
+                <a:latin typeface="Times New Roman" panose="02020603050405020304" pitchFamily="18" charset="0"/>
+                <a:cs typeface="Times New Roman" panose="02020603050405020304" pitchFamily="18" charset="0"/>
+              </a:rPr>
+              <a:t> </a:t>
+            </a:r>
+            <a:r>
+              <a:rPr lang="en-US" dirty="0" err="1">
+                <a:latin typeface="Times New Roman" panose="02020603050405020304" pitchFamily="18" charset="0"/>
+                <a:cs typeface="Times New Roman" panose="02020603050405020304" pitchFamily="18" charset="0"/>
+              </a:rPr>
+              <a:t>nhập</a:t>
+            </a:r>
+            <a:r>
+              <a:rPr lang="en-US" dirty="0">
+                <a:latin typeface="Times New Roman" panose="02020603050405020304" pitchFamily="18" charset="0"/>
+                <a:cs typeface="Times New Roman" panose="02020603050405020304" pitchFamily="18" charset="0"/>
+              </a:rPr>
+              <a:t>, email </a:t>
+            </a:r>
+            <a:r>
+              <a:rPr lang="en-US" dirty="0" err="1">
+                <a:latin typeface="Times New Roman" panose="02020603050405020304" pitchFamily="18" charset="0"/>
+                <a:cs typeface="Times New Roman" panose="02020603050405020304" pitchFamily="18" charset="0"/>
+              </a:rPr>
+              <a:t>không</a:t>
+            </a:r>
+            <a:r>
+              <a:rPr lang="en-US" dirty="0">
+                <a:latin typeface="Times New Roman" panose="02020603050405020304" pitchFamily="18" charset="0"/>
+                <a:cs typeface="Times New Roman" panose="02020603050405020304" pitchFamily="18" charset="0"/>
+              </a:rPr>
+              <a:t> </a:t>
+            </a:r>
+            <a:r>
+              <a:rPr lang="en-US" dirty="0" err="1">
+                <a:latin typeface="Times New Roman" panose="02020603050405020304" pitchFamily="18" charset="0"/>
+                <a:cs typeface="Times New Roman" panose="02020603050405020304" pitchFamily="18" charset="0"/>
+              </a:rPr>
+              <a:t>bị</a:t>
+            </a:r>
+            <a:r>
+              <a:rPr lang="en-US" dirty="0">
+                <a:latin typeface="Times New Roman" panose="02020603050405020304" pitchFamily="18" charset="0"/>
+                <a:cs typeface="Times New Roman" panose="02020603050405020304" pitchFamily="18" charset="0"/>
+              </a:rPr>
+              <a:t> </a:t>
+            </a:r>
+            <a:r>
+              <a:rPr lang="en-US" dirty="0" err="1">
+                <a:latin typeface="Times New Roman" panose="02020603050405020304" pitchFamily="18" charset="0"/>
+                <a:cs typeface="Times New Roman" panose="02020603050405020304" pitchFamily="18" charset="0"/>
+              </a:rPr>
+              <a:t>trùng</a:t>
+            </a:r>
+            <a:r>
+              <a:rPr lang="en-US" dirty="0">
+                <a:latin typeface="Times New Roman" panose="02020603050405020304" pitchFamily="18" charset="0"/>
+                <a:cs typeface="Times New Roman" panose="02020603050405020304" pitchFamily="18" charset="0"/>
+              </a:rPr>
+              <a:t> </a:t>
+            </a:r>
+            <a:r>
+              <a:rPr lang="en-US" dirty="0" err="1">
+                <a:latin typeface="Times New Roman" panose="02020603050405020304" pitchFamily="18" charset="0"/>
+                <a:cs typeface="Times New Roman" panose="02020603050405020304" pitchFamily="18" charset="0"/>
+              </a:rPr>
+              <a:t>hiển</a:t>
+            </a:r>
+            <a:r>
+              <a:rPr lang="en-US" dirty="0">
+                <a:latin typeface="Times New Roman" panose="02020603050405020304" pitchFamily="18" charset="0"/>
+                <a:cs typeface="Times New Roman" panose="02020603050405020304" pitchFamily="18" charset="0"/>
+              </a:rPr>
+              <a:t> </a:t>
+            </a:r>
+            <a:r>
+              <a:rPr lang="en-US" dirty="0" err="1">
+                <a:latin typeface="Times New Roman" panose="02020603050405020304" pitchFamily="18" charset="0"/>
+                <a:cs typeface="Times New Roman" panose="02020603050405020304" pitchFamily="18" charset="0"/>
+              </a:rPr>
+              <a:t>thị</a:t>
+            </a:r>
+            <a:r>
+              <a:rPr lang="en-US" dirty="0">
+                <a:latin typeface="Times New Roman" panose="02020603050405020304" pitchFamily="18" charset="0"/>
+                <a:cs typeface="Times New Roman" panose="02020603050405020304" pitchFamily="18" charset="0"/>
+              </a:rPr>
+              <a:t> </a:t>
+            </a:r>
+            <a:r>
+              <a:rPr lang="en-US" dirty="0" err="1">
+                <a:latin typeface="Times New Roman" panose="02020603050405020304" pitchFamily="18" charset="0"/>
+                <a:cs typeface="Times New Roman" panose="02020603050405020304" pitchFamily="18" charset="0"/>
+              </a:rPr>
+              <a:t>thông</a:t>
+            </a:r>
+            <a:r>
+              <a:rPr lang="en-US" dirty="0">
+                <a:latin typeface="Times New Roman" panose="02020603050405020304" pitchFamily="18" charset="0"/>
+                <a:cs typeface="Times New Roman" panose="02020603050405020304" pitchFamily="18" charset="0"/>
+              </a:rPr>
+              <a:t> </a:t>
+            </a:r>
+            <a:r>
+              <a:rPr lang="en-US" dirty="0" err="1">
+                <a:latin typeface="Times New Roman" panose="02020603050405020304" pitchFamily="18" charset="0"/>
+                <a:cs typeface="Times New Roman" panose="02020603050405020304" pitchFamily="18" charset="0"/>
+              </a:rPr>
+              <a:t>báo</a:t>
+            </a:r>
+            <a:r>
+              <a:rPr lang="en-US" dirty="0">
+                <a:latin typeface="Times New Roman" panose="02020603050405020304" pitchFamily="18" charset="0"/>
+                <a:cs typeface="Times New Roman" panose="02020603050405020304" pitchFamily="18" charset="0"/>
+              </a:rPr>
+              <a:t> </a:t>
+            </a:r>
+            <a:r>
+              <a:rPr lang="en-US" dirty="0" err="1">
+                <a:latin typeface="Times New Roman" panose="02020603050405020304" pitchFamily="18" charset="0"/>
+                <a:cs typeface="Times New Roman" panose="02020603050405020304" pitchFamily="18" charset="0"/>
+              </a:rPr>
+              <a:t>đăng</a:t>
+            </a:r>
+            <a:r>
+              <a:rPr lang="en-US" dirty="0">
+                <a:latin typeface="Times New Roman" panose="02020603050405020304" pitchFamily="18" charset="0"/>
+                <a:cs typeface="Times New Roman" panose="02020603050405020304" pitchFamily="18" charset="0"/>
+              </a:rPr>
+              <a:t> </a:t>
+            </a:r>
+            <a:r>
+              <a:rPr lang="en-US" dirty="0" err="1">
+                <a:latin typeface="Times New Roman" panose="02020603050405020304" pitchFamily="18" charset="0"/>
+                <a:cs typeface="Times New Roman" panose="02020603050405020304" pitchFamily="18" charset="0"/>
+              </a:rPr>
+              <a:t>kí</a:t>
+            </a:r>
+            <a:r>
+              <a:rPr lang="en-US" dirty="0">
+                <a:latin typeface="Times New Roman" panose="02020603050405020304" pitchFamily="18" charset="0"/>
+                <a:cs typeface="Times New Roman" panose="02020603050405020304" pitchFamily="18" charset="0"/>
+              </a:rPr>
+              <a:t> </a:t>
+            </a:r>
+            <a:r>
+              <a:rPr lang="en-US" dirty="0" err="1">
+                <a:latin typeface="Times New Roman" panose="02020603050405020304" pitchFamily="18" charset="0"/>
+                <a:cs typeface="Times New Roman" panose="02020603050405020304" pitchFamily="18" charset="0"/>
+              </a:rPr>
+              <a:t>thành</a:t>
+            </a:r>
+            <a:r>
+              <a:rPr lang="en-US" dirty="0">
+                <a:latin typeface="Times New Roman" panose="02020603050405020304" pitchFamily="18" charset="0"/>
+                <a:cs typeface="Times New Roman" panose="02020603050405020304" pitchFamily="18" charset="0"/>
+              </a:rPr>
+              <a:t> </a:t>
+            </a:r>
+            <a:r>
+              <a:rPr lang="en-US" dirty="0" err="1">
+                <a:latin typeface="Times New Roman" panose="02020603050405020304" pitchFamily="18" charset="0"/>
+                <a:cs typeface="Times New Roman" panose="02020603050405020304" pitchFamily="18" charset="0"/>
+              </a:rPr>
+              <a:t>công</a:t>
+            </a:r>
+            <a:endParaRPr lang="en-US" dirty="0">
+              <a:latin typeface="Times New Roman" panose="02020603050405020304" pitchFamily="18" charset="0"/>
+              <a:cs typeface="Times New Roman" panose="02020603050405020304" pitchFamily="18" charset="0"/>
+            </a:endParaRPr>
+          </a:p>
+          <a:p>
+            <a:r>
+              <a:rPr lang="en-US" dirty="0">
+                <a:latin typeface="Times New Roman" panose="02020603050405020304" pitchFamily="18" charset="0"/>
+                <a:cs typeface="Times New Roman" panose="02020603050405020304" pitchFamily="18" charset="0"/>
+              </a:rPr>
+              <a:t>-B5: Quay </a:t>
+            </a:r>
+            <a:r>
+              <a:rPr lang="en-US" dirty="0" err="1">
+                <a:latin typeface="Times New Roman" panose="02020603050405020304" pitchFamily="18" charset="0"/>
+                <a:cs typeface="Times New Roman" panose="02020603050405020304" pitchFamily="18" charset="0"/>
+              </a:rPr>
+              <a:t>trở</a:t>
+            </a:r>
+            <a:r>
+              <a:rPr lang="en-US" dirty="0">
+                <a:latin typeface="Times New Roman" panose="02020603050405020304" pitchFamily="18" charset="0"/>
+                <a:cs typeface="Times New Roman" panose="02020603050405020304" pitchFamily="18" charset="0"/>
+              </a:rPr>
+              <a:t> </a:t>
+            </a:r>
+            <a:r>
+              <a:rPr lang="en-US" dirty="0" err="1">
+                <a:latin typeface="Times New Roman" panose="02020603050405020304" pitchFamily="18" charset="0"/>
+                <a:cs typeface="Times New Roman" panose="02020603050405020304" pitchFamily="18" charset="0"/>
+              </a:rPr>
+              <a:t>lại</a:t>
+            </a:r>
+            <a:r>
+              <a:rPr lang="en-US" dirty="0">
+                <a:latin typeface="Times New Roman" panose="02020603050405020304" pitchFamily="18" charset="0"/>
+                <a:cs typeface="Times New Roman" panose="02020603050405020304" pitchFamily="18" charset="0"/>
+              </a:rPr>
+              <a:t> </a:t>
+            </a:r>
+            <a:r>
+              <a:rPr lang="en-US" dirty="0" err="1">
+                <a:latin typeface="Times New Roman" panose="02020603050405020304" pitchFamily="18" charset="0"/>
+                <a:cs typeface="Times New Roman" panose="02020603050405020304" pitchFamily="18" charset="0"/>
+              </a:rPr>
+              <a:t>màn</a:t>
+            </a:r>
+            <a:r>
+              <a:rPr lang="en-US" dirty="0">
+                <a:latin typeface="Times New Roman" panose="02020603050405020304" pitchFamily="18" charset="0"/>
+                <a:cs typeface="Times New Roman" panose="02020603050405020304" pitchFamily="18" charset="0"/>
+              </a:rPr>
+              <a:t> </a:t>
+            </a:r>
+            <a:r>
+              <a:rPr lang="en-US" dirty="0" err="1">
+                <a:latin typeface="Times New Roman" panose="02020603050405020304" pitchFamily="18" charset="0"/>
+                <a:cs typeface="Times New Roman" panose="02020603050405020304" pitchFamily="18" charset="0"/>
+              </a:rPr>
+              <a:t>hình</a:t>
+            </a:r>
+            <a:r>
+              <a:rPr lang="en-US" dirty="0">
+                <a:latin typeface="Times New Roman" panose="02020603050405020304" pitchFamily="18" charset="0"/>
+                <a:cs typeface="Times New Roman" panose="02020603050405020304" pitchFamily="18" charset="0"/>
+              </a:rPr>
+              <a:t> </a:t>
+            </a:r>
+            <a:r>
+              <a:rPr lang="en-US" dirty="0" err="1">
+                <a:latin typeface="Times New Roman" panose="02020603050405020304" pitchFamily="18" charset="0"/>
+                <a:cs typeface="Times New Roman" panose="02020603050405020304" pitchFamily="18" charset="0"/>
+              </a:rPr>
+              <a:t>chính</a:t>
+            </a:r>
+            <a:r>
+              <a:rPr lang="en-US" dirty="0">
+                <a:latin typeface="Times New Roman" panose="02020603050405020304" pitchFamily="18" charset="0"/>
+                <a:cs typeface="Times New Roman" panose="02020603050405020304" pitchFamily="18" charset="0"/>
+              </a:rPr>
+              <a:t>.</a:t>
+            </a:r>
+          </a:p>
+          <a:p>
+            <a:r>
+              <a:rPr lang="en-US" b="1" dirty="0" err="1">
+                <a:latin typeface="Times New Roman" panose="02020603050405020304" pitchFamily="18" charset="0"/>
+                <a:cs typeface="Times New Roman" panose="02020603050405020304" pitchFamily="18" charset="0"/>
+              </a:rPr>
+              <a:t>Kịch</a:t>
+            </a:r>
+            <a:r>
+              <a:rPr lang="en-US" b="1" dirty="0">
+                <a:latin typeface="Times New Roman" panose="02020603050405020304" pitchFamily="18" charset="0"/>
+                <a:cs typeface="Times New Roman" panose="02020603050405020304" pitchFamily="18" charset="0"/>
+              </a:rPr>
+              <a:t> </a:t>
+            </a:r>
+            <a:r>
+              <a:rPr lang="en-US" b="1" dirty="0" err="1">
+                <a:latin typeface="Times New Roman" panose="02020603050405020304" pitchFamily="18" charset="0"/>
+                <a:cs typeface="Times New Roman" panose="02020603050405020304" pitchFamily="18" charset="0"/>
+              </a:rPr>
+              <a:t>bản</a:t>
+            </a:r>
+            <a:r>
+              <a:rPr lang="en-US" b="1" dirty="0">
+                <a:latin typeface="Times New Roman" panose="02020603050405020304" pitchFamily="18" charset="0"/>
+                <a:cs typeface="Times New Roman" panose="02020603050405020304" pitchFamily="18" charset="0"/>
+              </a:rPr>
+              <a:t> con:</a:t>
+            </a:r>
+            <a:r>
+              <a:rPr lang="en-US" dirty="0">
+                <a:latin typeface="Times New Roman" panose="02020603050405020304" pitchFamily="18" charset="0"/>
+                <a:cs typeface="Times New Roman" panose="02020603050405020304" pitchFamily="18" charset="0"/>
+              </a:rPr>
+              <a:t> </a:t>
+            </a:r>
+            <a:r>
+              <a:rPr lang="en-US" dirty="0" err="1">
+                <a:latin typeface="Times New Roman" panose="02020603050405020304" pitchFamily="18" charset="0"/>
+                <a:cs typeface="Times New Roman" panose="02020603050405020304" pitchFamily="18" charset="0"/>
+              </a:rPr>
+              <a:t>khi</a:t>
+            </a:r>
+            <a:r>
+              <a:rPr lang="en-US" dirty="0">
+                <a:latin typeface="Times New Roman" panose="02020603050405020304" pitchFamily="18" charset="0"/>
+                <a:cs typeface="Times New Roman" panose="02020603050405020304" pitchFamily="18" charset="0"/>
+              </a:rPr>
+              <a:t> </a:t>
+            </a:r>
+            <a:r>
+              <a:rPr lang="en-US" dirty="0" err="1">
+                <a:latin typeface="Times New Roman" panose="02020603050405020304" pitchFamily="18" charset="0"/>
+                <a:cs typeface="Times New Roman" panose="02020603050405020304" pitchFamily="18" charset="0"/>
+              </a:rPr>
+              <a:t>người</a:t>
+            </a:r>
+            <a:r>
+              <a:rPr lang="en-US" dirty="0">
+                <a:latin typeface="Times New Roman" panose="02020603050405020304" pitchFamily="18" charset="0"/>
+                <a:cs typeface="Times New Roman" panose="02020603050405020304" pitchFamily="18" charset="0"/>
+              </a:rPr>
+              <a:t> </a:t>
+            </a:r>
+            <a:r>
+              <a:rPr lang="en-US" dirty="0" err="1">
+                <a:latin typeface="Times New Roman" panose="02020603050405020304" pitchFamily="18" charset="0"/>
+                <a:cs typeface="Times New Roman" panose="02020603050405020304" pitchFamily="18" charset="0"/>
+              </a:rPr>
+              <a:t>dùng</a:t>
+            </a:r>
+            <a:r>
+              <a:rPr lang="en-US" dirty="0">
+                <a:latin typeface="Times New Roman" panose="02020603050405020304" pitchFamily="18" charset="0"/>
+                <a:cs typeface="Times New Roman" panose="02020603050405020304" pitchFamily="18" charset="0"/>
+              </a:rPr>
+              <a:t> </a:t>
+            </a:r>
+            <a:r>
+              <a:rPr lang="en-US" dirty="0" err="1">
+                <a:latin typeface="Times New Roman" panose="02020603050405020304" pitchFamily="18" charset="0"/>
+                <a:cs typeface="Times New Roman" panose="02020603050405020304" pitchFamily="18" charset="0"/>
+              </a:rPr>
+              <a:t>nhập</a:t>
+            </a:r>
+            <a:r>
+              <a:rPr lang="en-US" dirty="0">
+                <a:latin typeface="Times New Roman" panose="02020603050405020304" pitchFamily="18" charset="0"/>
+                <a:cs typeface="Times New Roman" panose="02020603050405020304" pitchFamily="18" charset="0"/>
+              </a:rPr>
+              <a:t> </a:t>
+            </a:r>
+            <a:r>
+              <a:rPr lang="en-US" dirty="0" err="1">
+                <a:latin typeface="Times New Roman" panose="02020603050405020304" pitchFamily="18" charset="0"/>
+                <a:cs typeface="Times New Roman" panose="02020603050405020304" pitchFamily="18" charset="0"/>
+              </a:rPr>
+              <a:t>tên</a:t>
+            </a:r>
+            <a:r>
+              <a:rPr lang="en-US" dirty="0">
+                <a:latin typeface="Times New Roman" panose="02020603050405020304" pitchFamily="18" charset="0"/>
+                <a:cs typeface="Times New Roman" panose="02020603050405020304" pitchFamily="18" charset="0"/>
+              </a:rPr>
+              <a:t> </a:t>
+            </a:r>
+            <a:r>
+              <a:rPr lang="en-US" dirty="0" err="1">
+                <a:latin typeface="Times New Roman" panose="02020603050405020304" pitchFamily="18" charset="0"/>
+                <a:cs typeface="Times New Roman" panose="02020603050405020304" pitchFamily="18" charset="0"/>
+              </a:rPr>
+              <a:t>đăng</a:t>
+            </a:r>
+            <a:r>
+              <a:rPr lang="en-US" dirty="0">
+                <a:latin typeface="Times New Roman" panose="02020603050405020304" pitchFamily="18" charset="0"/>
+                <a:cs typeface="Times New Roman" panose="02020603050405020304" pitchFamily="18" charset="0"/>
+              </a:rPr>
+              <a:t> </a:t>
+            </a:r>
+            <a:r>
+              <a:rPr lang="en-US" dirty="0" err="1">
+                <a:latin typeface="Times New Roman" panose="02020603050405020304" pitchFamily="18" charset="0"/>
+                <a:cs typeface="Times New Roman" panose="02020603050405020304" pitchFamily="18" charset="0"/>
+              </a:rPr>
+              <a:t>nhập</a:t>
+            </a:r>
+            <a:r>
+              <a:rPr lang="en-US" dirty="0">
+                <a:latin typeface="Times New Roman" panose="02020603050405020304" pitchFamily="18" charset="0"/>
+                <a:cs typeface="Times New Roman" panose="02020603050405020304" pitchFamily="18" charset="0"/>
+              </a:rPr>
+              <a:t> </a:t>
+            </a:r>
+            <a:r>
+              <a:rPr lang="en-US" dirty="0" err="1">
+                <a:latin typeface="Times New Roman" panose="02020603050405020304" pitchFamily="18" charset="0"/>
+                <a:cs typeface="Times New Roman" panose="02020603050405020304" pitchFamily="18" charset="0"/>
+              </a:rPr>
+              <a:t>hoặc</a:t>
+            </a:r>
+            <a:r>
+              <a:rPr lang="en-US" dirty="0">
+                <a:latin typeface="Times New Roman" panose="02020603050405020304" pitchFamily="18" charset="0"/>
+                <a:cs typeface="Times New Roman" panose="02020603050405020304" pitchFamily="18" charset="0"/>
+              </a:rPr>
+              <a:t> email </a:t>
+            </a:r>
+            <a:r>
+              <a:rPr lang="en-US" dirty="0" err="1">
+                <a:latin typeface="Times New Roman" panose="02020603050405020304" pitchFamily="18" charset="0"/>
+                <a:cs typeface="Times New Roman" panose="02020603050405020304" pitchFamily="18" charset="0"/>
+              </a:rPr>
+              <a:t>bị</a:t>
+            </a:r>
+            <a:r>
+              <a:rPr lang="en-US" dirty="0">
+                <a:latin typeface="Times New Roman" panose="02020603050405020304" pitchFamily="18" charset="0"/>
+                <a:cs typeface="Times New Roman" panose="02020603050405020304" pitchFamily="18" charset="0"/>
+              </a:rPr>
+              <a:t> </a:t>
+            </a:r>
+            <a:r>
+              <a:rPr lang="en-US" dirty="0" err="1">
+                <a:latin typeface="Times New Roman" panose="02020603050405020304" pitchFamily="18" charset="0"/>
+                <a:cs typeface="Times New Roman" panose="02020603050405020304" pitchFamily="18" charset="0"/>
+              </a:rPr>
+              <a:t>trùng</a:t>
+            </a:r>
+            <a:r>
+              <a:rPr lang="en-US" dirty="0">
+                <a:latin typeface="Times New Roman" panose="02020603050405020304" pitchFamily="18" charset="0"/>
+                <a:cs typeface="Times New Roman" panose="02020603050405020304" pitchFamily="18" charset="0"/>
+              </a:rPr>
+              <a:t> </a:t>
+            </a:r>
+            <a:r>
+              <a:rPr lang="en-US" dirty="0" err="1">
+                <a:latin typeface="Times New Roman" panose="02020603050405020304" pitchFamily="18" charset="0"/>
+                <a:cs typeface="Times New Roman" panose="02020603050405020304" pitchFamily="18" charset="0"/>
+              </a:rPr>
+              <a:t>thì</a:t>
+            </a:r>
+            <a:r>
+              <a:rPr lang="en-US" dirty="0">
+                <a:latin typeface="Times New Roman" panose="02020603050405020304" pitchFamily="18" charset="0"/>
+                <a:cs typeface="Times New Roman" panose="02020603050405020304" pitchFamily="18" charset="0"/>
+              </a:rPr>
+              <a:t> </a:t>
+            </a:r>
+            <a:r>
+              <a:rPr lang="en-US" dirty="0" err="1">
+                <a:latin typeface="Times New Roman" panose="02020603050405020304" pitchFamily="18" charset="0"/>
+                <a:cs typeface="Times New Roman" panose="02020603050405020304" pitchFamily="18" charset="0"/>
+              </a:rPr>
+              <a:t>hệ</a:t>
+            </a:r>
+            <a:r>
+              <a:rPr lang="en-US" dirty="0">
+                <a:latin typeface="Times New Roman" panose="02020603050405020304" pitchFamily="18" charset="0"/>
+                <a:cs typeface="Times New Roman" panose="02020603050405020304" pitchFamily="18" charset="0"/>
+              </a:rPr>
+              <a:t> </a:t>
+            </a:r>
+            <a:r>
+              <a:rPr lang="en-US" dirty="0" err="1">
+                <a:latin typeface="Times New Roman" panose="02020603050405020304" pitchFamily="18" charset="0"/>
+                <a:cs typeface="Times New Roman" panose="02020603050405020304" pitchFamily="18" charset="0"/>
+              </a:rPr>
+              <a:t>thống</a:t>
+            </a:r>
+            <a:r>
+              <a:rPr lang="en-US" dirty="0">
+                <a:latin typeface="Times New Roman" panose="02020603050405020304" pitchFamily="18" charset="0"/>
+                <a:cs typeface="Times New Roman" panose="02020603050405020304" pitchFamily="18" charset="0"/>
+              </a:rPr>
+              <a:t> </a:t>
+            </a:r>
+            <a:r>
+              <a:rPr lang="en-US" dirty="0" err="1">
+                <a:latin typeface="Times New Roman" panose="02020603050405020304" pitchFamily="18" charset="0"/>
+                <a:cs typeface="Times New Roman" panose="02020603050405020304" pitchFamily="18" charset="0"/>
+              </a:rPr>
+              <a:t>sẽ</a:t>
+            </a:r>
+            <a:r>
+              <a:rPr lang="en-US" dirty="0">
+                <a:latin typeface="Times New Roman" panose="02020603050405020304" pitchFamily="18" charset="0"/>
+                <a:cs typeface="Times New Roman" panose="02020603050405020304" pitchFamily="18" charset="0"/>
+              </a:rPr>
+              <a:t> </a:t>
+            </a:r>
+            <a:r>
+              <a:rPr lang="en-US" dirty="0" err="1">
+                <a:latin typeface="Times New Roman" panose="02020603050405020304" pitchFamily="18" charset="0"/>
+                <a:cs typeface="Times New Roman" panose="02020603050405020304" pitchFamily="18" charset="0"/>
+              </a:rPr>
+              <a:t>thông</a:t>
+            </a:r>
+            <a:r>
+              <a:rPr lang="en-US" dirty="0">
+                <a:latin typeface="Times New Roman" panose="02020603050405020304" pitchFamily="18" charset="0"/>
+                <a:cs typeface="Times New Roman" panose="02020603050405020304" pitchFamily="18" charset="0"/>
+              </a:rPr>
+              <a:t> </a:t>
+            </a:r>
+            <a:r>
+              <a:rPr lang="en-US" dirty="0" err="1">
+                <a:latin typeface="Times New Roman" panose="02020603050405020304" pitchFamily="18" charset="0"/>
+                <a:cs typeface="Times New Roman" panose="02020603050405020304" pitchFamily="18" charset="0"/>
+              </a:rPr>
+              <a:t>báo</a:t>
+            </a:r>
+            <a:r>
+              <a:rPr lang="en-US" dirty="0">
+                <a:latin typeface="Times New Roman" panose="02020603050405020304" pitchFamily="18" charset="0"/>
+                <a:cs typeface="Times New Roman" panose="02020603050405020304" pitchFamily="18" charset="0"/>
+              </a:rPr>
+              <a:t> </a:t>
+            </a:r>
+            <a:r>
+              <a:rPr lang="en-US" dirty="0" err="1">
+                <a:latin typeface="Times New Roman" panose="02020603050405020304" pitchFamily="18" charset="0"/>
+                <a:cs typeface="Times New Roman" panose="02020603050405020304" pitchFamily="18" charset="0"/>
+              </a:rPr>
+              <a:t>lỗi</a:t>
+            </a:r>
+            <a:r>
+              <a:rPr lang="en-US" dirty="0">
+                <a:latin typeface="Times New Roman" panose="02020603050405020304" pitchFamily="18" charset="0"/>
+                <a:cs typeface="Times New Roman" panose="02020603050405020304" pitchFamily="18" charset="0"/>
+              </a:rPr>
+              <a:t> </a:t>
+            </a:r>
+            <a:r>
+              <a:rPr lang="en-US" dirty="0" err="1">
+                <a:latin typeface="Times New Roman" panose="02020603050405020304" pitchFamily="18" charset="0"/>
+                <a:cs typeface="Times New Roman" panose="02020603050405020304" pitchFamily="18" charset="0"/>
+              </a:rPr>
+              <a:t>tên</a:t>
+            </a:r>
+            <a:r>
+              <a:rPr lang="en-US" dirty="0">
+                <a:latin typeface="Times New Roman" panose="02020603050405020304" pitchFamily="18" charset="0"/>
+                <a:cs typeface="Times New Roman" panose="02020603050405020304" pitchFamily="18" charset="0"/>
+              </a:rPr>
+              <a:t> </a:t>
+            </a:r>
+            <a:r>
+              <a:rPr lang="en-US" dirty="0" err="1">
+                <a:latin typeface="Times New Roman" panose="02020603050405020304" pitchFamily="18" charset="0"/>
+                <a:cs typeface="Times New Roman" panose="02020603050405020304" pitchFamily="18" charset="0"/>
+              </a:rPr>
+              <a:t>đăng</a:t>
+            </a:r>
+            <a:r>
+              <a:rPr lang="en-US" dirty="0">
+                <a:latin typeface="Times New Roman" panose="02020603050405020304" pitchFamily="18" charset="0"/>
+                <a:cs typeface="Times New Roman" panose="02020603050405020304" pitchFamily="18" charset="0"/>
+              </a:rPr>
+              <a:t> </a:t>
+            </a:r>
+            <a:r>
+              <a:rPr lang="en-US" dirty="0" err="1">
+                <a:latin typeface="Times New Roman" panose="02020603050405020304" pitchFamily="18" charset="0"/>
+                <a:cs typeface="Times New Roman" panose="02020603050405020304" pitchFamily="18" charset="0"/>
+              </a:rPr>
+              <a:t>nhập</a:t>
+            </a:r>
+            <a:r>
+              <a:rPr lang="en-US" dirty="0">
+                <a:latin typeface="Times New Roman" panose="02020603050405020304" pitchFamily="18" charset="0"/>
+                <a:cs typeface="Times New Roman" panose="02020603050405020304" pitchFamily="18" charset="0"/>
+              </a:rPr>
+              <a:t> </a:t>
+            </a:r>
+            <a:r>
+              <a:rPr lang="en-US" dirty="0" err="1">
+                <a:latin typeface="Times New Roman" panose="02020603050405020304" pitchFamily="18" charset="0"/>
+                <a:cs typeface="Times New Roman" panose="02020603050405020304" pitchFamily="18" charset="0"/>
+              </a:rPr>
+              <a:t>hoặc</a:t>
+            </a:r>
+            <a:r>
+              <a:rPr lang="en-US" dirty="0">
+                <a:latin typeface="Times New Roman" panose="02020603050405020304" pitchFamily="18" charset="0"/>
+                <a:cs typeface="Times New Roman" panose="02020603050405020304" pitchFamily="18" charset="0"/>
+              </a:rPr>
+              <a:t> email. </a:t>
+            </a:r>
+            <a:r>
+              <a:rPr lang="en-US" dirty="0" err="1">
+                <a:latin typeface="Times New Roman" panose="02020603050405020304" pitchFamily="18" charset="0"/>
+                <a:cs typeface="Times New Roman" panose="02020603050405020304" pitchFamily="18" charset="0"/>
+              </a:rPr>
+              <a:t>Và</a:t>
+            </a:r>
+            <a:r>
+              <a:rPr lang="en-US" dirty="0">
+                <a:latin typeface="Times New Roman" panose="02020603050405020304" pitchFamily="18" charset="0"/>
+                <a:cs typeface="Times New Roman" panose="02020603050405020304" pitchFamily="18" charset="0"/>
+              </a:rPr>
+              <a:t> </a:t>
+            </a:r>
+            <a:r>
+              <a:rPr lang="en-US" dirty="0" err="1">
+                <a:latin typeface="Times New Roman" panose="02020603050405020304" pitchFamily="18" charset="0"/>
+                <a:cs typeface="Times New Roman" panose="02020603050405020304" pitchFamily="18" charset="0"/>
+              </a:rPr>
+              <a:t>bắt</a:t>
+            </a:r>
+            <a:r>
+              <a:rPr lang="en-US" dirty="0">
+                <a:latin typeface="Times New Roman" panose="02020603050405020304" pitchFamily="18" charset="0"/>
+                <a:cs typeface="Times New Roman" panose="02020603050405020304" pitchFamily="18" charset="0"/>
+              </a:rPr>
+              <a:t> </a:t>
+            </a:r>
+            <a:r>
+              <a:rPr lang="en-US" dirty="0" err="1">
+                <a:latin typeface="Times New Roman" panose="02020603050405020304" pitchFamily="18" charset="0"/>
+                <a:cs typeface="Times New Roman" panose="02020603050405020304" pitchFamily="18" charset="0"/>
+              </a:rPr>
+              <a:t>nhập</a:t>
+            </a:r>
+            <a:r>
+              <a:rPr lang="en-US" dirty="0">
+                <a:latin typeface="Times New Roman" panose="02020603050405020304" pitchFamily="18" charset="0"/>
+                <a:cs typeface="Times New Roman" panose="02020603050405020304" pitchFamily="18" charset="0"/>
+              </a:rPr>
+              <a:t> </a:t>
+            </a:r>
+            <a:r>
+              <a:rPr lang="en-US" dirty="0" err="1">
+                <a:latin typeface="Times New Roman" panose="02020603050405020304" pitchFamily="18" charset="0"/>
+                <a:cs typeface="Times New Roman" panose="02020603050405020304" pitchFamily="18" charset="0"/>
+              </a:rPr>
+              <a:t>tên</a:t>
+            </a:r>
+            <a:r>
+              <a:rPr lang="en-US" dirty="0">
+                <a:latin typeface="Times New Roman" panose="02020603050405020304" pitchFamily="18" charset="0"/>
+                <a:cs typeface="Times New Roman" panose="02020603050405020304" pitchFamily="18" charset="0"/>
+              </a:rPr>
+              <a:t> </a:t>
+            </a:r>
+            <a:r>
+              <a:rPr lang="en-US" dirty="0" err="1">
+                <a:latin typeface="Times New Roman" panose="02020603050405020304" pitchFamily="18" charset="0"/>
+                <a:cs typeface="Times New Roman" panose="02020603050405020304" pitchFamily="18" charset="0"/>
+              </a:rPr>
+              <a:t>đăng</a:t>
+            </a:r>
+            <a:r>
+              <a:rPr lang="en-US" dirty="0">
+                <a:latin typeface="Times New Roman" panose="02020603050405020304" pitchFamily="18" charset="0"/>
+                <a:cs typeface="Times New Roman" panose="02020603050405020304" pitchFamily="18" charset="0"/>
+              </a:rPr>
+              <a:t> </a:t>
+            </a:r>
+            <a:r>
+              <a:rPr lang="en-US" dirty="0" err="1">
+                <a:latin typeface="Times New Roman" panose="02020603050405020304" pitchFamily="18" charset="0"/>
+                <a:cs typeface="Times New Roman" panose="02020603050405020304" pitchFamily="18" charset="0"/>
+              </a:rPr>
+              <a:t>nhập</a:t>
+            </a:r>
+            <a:r>
+              <a:rPr lang="en-US" dirty="0">
+                <a:latin typeface="Times New Roman" panose="02020603050405020304" pitchFamily="18" charset="0"/>
+                <a:cs typeface="Times New Roman" panose="02020603050405020304" pitchFamily="18" charset="0"/>
+              </a:rPr>
+              <a:t> </a:t>
+            </a:r>
+            <a:r>
+              <a:rPr lang="en-US" dirty="0" err="1">
+                <a:latin typeface="Times New Roman" panose="02020603050405020304" pitchFamily="18" charset="0"/>
+                <a:cs typeface="Times New Roman" panose="02020603050405020304" pitchFamily="18" charset="0"/>
+              </a:rPr>
+              <a:t>hoặc</a:t>
+            </a:r>
+            <a:r>
+              <a:rPr lang="en-US" dirty="0">
+                <a:latin typeface="Times New Roman" panose="02020603050405020304" pitchFamily="18" charset="0"/>
+                <a:cs typeface="Times New Roman" panose="02020603050405020304" pitchFamily="18" charset="0"/>
+              </a:rPr>
+              <a:t> email </a:t>
+            </a:r>
+            <a:r>
+              <a:rPr lang="en-US" dirty="0" err="1">
+                <a:latin typeface="Times New Roman" panose="02020603050405020304" pitchFamily="18" charset="0"/>
+                <a:cs typeface="Times New Roman" panose="02020603050405020304" pitchFamily="18" charset="0"/>
+              </a:rPr>
+              <a:t>khác</a:t>
+            </a:r>
+            <a:r>
+              <a:rPr lang="en-US" dirty="0">
+                <a:latin typeface="Times New Roman" panose="02020603050405020304" pitchFamily="18" charset="0"/>
+                <a:cs typeface="Times New Roman" panose="02020603050405020304" pitchFamily="18" charset="0"/>
+              </a:rPr>
+              <a:t> </a:t>
+            </a:r>
+            <a:r>
+              <a:rPr lang="en-US" dirty="0" err="1">
+                <a:latin typeface="Times New Roman" panose="02020603050405020304" pitchFamily="18" charset="0"/>
+                <a:cs typeface="Times New Roman" panose="02020603050405020304" pitchFamily="18" charset="0"/>
+              </a:rPr>
+              <a:t>không</a:t>
+            </a:r>
+            <a:r>
+              <a:rPr lang="en-US" dirty="0">
+                <a:latin typeface="Times New Roman" panose="02020603050405020304" pitchFamily="18" charset="0"/>
+                <a:cs typeface="Times New Roman" panose="02020603050405020304" pitchFamily="18" charset="0"/>
+              </a:rPr>
+              <a:t> </a:t>
+            </a:r>
+            <a:r>
+              <a:rPr lang="en-US" dirty="0" err="1">
+                <a:latin typeface="Times New Roman" panose="02020603050405020304" pitchFamily="18" charset="0"/>
+                <a:cs typeface="Times New Roman" panose="02020603050405020304" pitchFamily="18" charset="0"/>
+              </a:rPr>
+              <a:t>bị</a:t>
+            </a:r>
+            <a:r>
+              <a:rPr lang="en-US" dirty="0">
+                <a:latin typeface="Times New Roman" panose="02020603050405020304" pitchFamily="18" charset="0"/>
+                <a:cs typeface="Times New Roman" panose="02020603050405020304" pitchFamily="18" charset="0"/>
+              </a:rPr>
+              <a:t> </a:t>
+            </a:r>
+            <a:r>
+              <a:rPr lang="en-US" dirty="0" err="1">
+                <a:latin typeface="Times New Roman" panose="02020603050405020304" pitchFamily="18" charset="0"/>
+                <a:cs typeface="Times New Roman" panose="02020603050405020304" pitchFamily="18" charset="0"/>
+              </a:rPr>
+              <a:t>trùng</a:t>
+            </a:r>
+            <a:r>
+              <a:rPr lang="en-US" dirty="0">
+                <a:latin typeface="Times New Roman" panose="02020603050405020304" pitchFamily="18" charset="0"/>
+                <a:cs typeface="Times New Roman" panose="02020603050405020304" pitchFamily="18" charset="0"/>
+              </a:rPr>
+              <a:t> </a:t>
+            </a:r>
+            <a:r>
+              <a:rPr lang="en-US" dirty="0" err="1">
+                <a:latin typeface="Times New Roman" panose="02020603050405020304" pitchFamily="18" charset="0"/>
+                <a:cs typeface="Times New Roman" panose="02020603050405020304" pitchFamily="18" charset="0"/>
+              </a:rPr>
+              <a:t>với</a:t>
+            </a:r>
+            <a:r>
+              <a:rPr lang="en-US" dirty="0">
+                <a:latin typeface="Times New Roman" panose="02020603050405020304" pitchFamily="18" charset="0"/>
+                <a:cs typeface="Times New Roman" panose="02020603050405020304" pitchFamily="18" charset="0"/>
+              </a:rPr>
+              <a:t> </a:t>
+            </a:r>
+            <a:r>
+              <a:rPr lang="en-US" dirty="0" err="1">
+                <a:latin typeface="Times New Roman" panose="02020603050405020304" pitchFamily="18" charset="0"/>
+                <a:cs typeface="Times New Roman" panose="02020603050405020304" pitchFamily="18" charset="0"/>
+              </a:rPr>
+              <a:t>tài</a:t>
+            </a:r>
+            <a:r>
+              <a:rPr lang="en-US" dirty="0">
+                <a:latin typeface="Times New Roman" panose="02020603050405020304" pitchFamily="18" charset="0"/>
+                <a:cs typeface="Times New Roman" panose="02020603050405020304" pitchFamily="18" charset="0"/>
+              </a:rPr>
+              <a:t> </a:t>
+            </a:r>
+            <a:r>
+              <a:rPr lang="en-US" dirty="0" err="1">
+                <a:latin typeface="Times New Roman" panose="02020603050405020304" pitchFamily="18" charset="0"/>
+                <a:cs typeface="Times New Roman" panose="02020603050405020304" pitchFamily="18" charset="0"/>
+              </a:rPr>
+              <a:t>khoản</a:t>
+            </a:r>
+            <a:r>
+              <a:rPr lang="en-US" dirty="0">
+                <a:latin typeface="Times New Roman" panose="02020603050405020304" pitchFamily="18" charset="0"/>
+                <a:cs typeface="Times New Roman" panose="02020603050405020304" pitchFamily="18" charset="0"/>
+              </a:rPr>
+              <a:t> </a:t>
+            </a:r>
+            <a:r>
+              <a:rPr lang="en-US" dirty="0" err="1">
+                <a:latin typeface="Times New Roman" panose="02020603050405020304" pitchFamily="18" charset="0"/>
+                <a:cs typeface="Times New Roman" panose="02020603050405020304" pitchFamily="18" charset="0"/>
+              </a:rPr>
+              <a:t>đã</a:t>
+            </a:r>
+            <a:r>
+              <a:rPr lang="en-US" dirty="0">
+                <a:latin typeface="Times New Roman" panose="02020603050405020304" pitchFamily="18" charset="0"/>
+                <a:cs typeface="Times New Roman" panose="02020603050405020304" pitchFamily="18" charset="0"/>
+              </a:rPr>
+              <a:t> </a:t>
+            </a:r>
+            <a:r>
+              <a:rPr lang="en-US" dirty="0" err="1">
+                <a:latin typeface="Times New Roman" panose="02020603050405020304" pitchFamily="18" charset="0"/>
+                <a:cs typeface="Times New Roman" panose="02020603050405020304" pitchFamily="18" charset="0"/>
+              </a:rPr>
+              <a:t>có</a:t>
+            </a:r>
+            <a:r>
+              <a:rPr lang="en-US" dirty="0">
+                <a:latin typeface="Times New Roman" panose="02020603050405020304" pitchFamily="18" charset="0"/>
+                <a:cs typeface="Times New Roman" panose="02020603050405020304" pitchFamily="18" charset="0"/>
+              </a:rPr>
+              <a:t> </a:t>
+            </a:r>
+            <a:r>
+              <a:rPr lang="en-US" dirty="0" err="1">
+                <a:latin typeface="Times New Roman" panose="02020603050405020304" pitchFamily="18" charset="0"/>
+                <a:cs typeface="Times New Roman" panose="02020603050405020304" pitchFamily="18" charset="0"/>
+              </a:rPr>
+              <a:t>sẵn</a:t>
+            </a:r>
+            <a:r>
+              <a:rPr lang="en-US" dirty="0">
+                <a:latin typeface="Times New Roman" panose="02020603050405020304" pitchFamily="18" charset="0"/>
+                <a:cs typeface="Times New Roman" panose="02020603050405020304" pitchFamily="18" charset="0"/>
+              </a:rPr>
+              <a:t> </a:t>
+            </a:r>
+            <a:r>
+              <a:rPr lang="en-US" dirty="0" err="1">
+                <a:latin typeface="Times New Roman" panose="02020603050405020304" pitchFamily="18" charset="0"/>
+                <a:cs typeface="Times New Roman" panose="02020603050405020304" pitchFamily="18" charset="0"/>
+              </a:rPr>
+              <a:t>trong</a:t>
+            </a:r>
+            <a:r>
+              <a:rPr lang="en-US" dirty="0">
+                <a:latin typeface="Times New Roman" panose="02020603050405020304" pitchFamily="18" charset="0"/>
+                <a:cs typeface="Times New Roman" panose="02020603050405020304" pitchFamily="18" charset="0"/>
+              </a:rPr>
+              <a:t> </a:t>
+            </a:r>
+            <a:r>
+              <a:rPr lang="en-US" dirty="0" err="1">
+                <a:latin typeface="Times New Roman" panose="02020603050405020304" pitchFamily="18" charset="0"/>
+                <a:cs typeface="Times New Roman" panose="02020603050405020304" pitchFamily="18" charset="0"/>
+              </a:rPr>
+              <a:t>hệ</a:t>
+            </a:r>
+            <a:r>
+              <a:rPr lang="en-US" dirty="0">
+                <a:latin typeface="Times New Roman" panose="02020603050405020304" pitchFamily="18" charset="0"/>
+                <a:cs typeface="Times New Roman" panose="02020603050405020304" pitchFamily="18" charset="0"/>
+              </a:rPr>
+              <a:t> </a:t>
+            </a:r>
+            <a:r>
+              <a:rPr lang="en-US" dirty="0" err="1">
+                <a:latin typeface="Times New Roman" panose="02020603050405020304" pitchFamily="18" charset="0"/>
+                <a:cs typeface="Times New Roman" panose="02020603050405020304" pitchFamily="18" charset="0"/>
+              </a:rPr>
+              <a:t>thống</a:t>
+            </a:r>
+            <a:r>
+              <a:rPr lang="en-US" dirty="0">
+                <a:latin typeface="Times New Roman" panose="02020603050405020304" pitchFamily="18" charset="0"/>
+                <a:cs typeface="Times New Roman" panose="02020603050405020304" pitchFamily="18" charset="0"/>
+              </a:rPr>
+              <a:t>.</a:t>
+            </a:r>
           </a:p>
         </p:txBody>
       </p:sp>
     </p:spTree>
     <p:extLst>
       <p:ext uri="{BB962C8B-B14F-4D97-AF65-F5344CB8AC3E}">
-        <p14:creationId xmlns:p14="http://schemas.microsoft.com/office/powerpoint/2010/main" val="1862807584"/>
+        <p14:creationId xmlns:p14="http://schemas.microsoft.com/office/powerpoint/2010/main" val="1937118122"/>
+      </p:ext>
+    </p:extLst>
+  </p:cSld>
+  <p:clrMapOvr>
+    <a:masterClrMapping/>
+  </p:clrMapOvr>
+</p:sld>
+</file>
+
+<file path=ppt/slides/slide17.xml><?xml version="1.0" encoding="utf-8"?>
+<p:sld xmlns:a="http://schemas.openxmlformats.org/drawingml/2006/main" xmlns:r="http://schemas.openxmlformats.org/officeDocument/2006/relationships" xmlns:p="http://schemas.openxmlformats.org/presentationml/2006/main">
+  <p:cSld>
+    <p:spTree>
+      <p:nvGrpSpPr>
+        <p:cNvPr id="1" name=""/>
+        <p:cNvGrpSpPr/>
+        <p:nvPr/>
+      </p:nvGrpSpPr>
+      <p:grpSpPr>
+        <a:xfrm>
+          <a:off x="0" y="0"/>
+          <a:ext cx="0" cy="0"/>
+          <a:chOff x="0" y="0"/>
+          <a:chExt cx="0" cy="0"/>
+        </a:xfrm>
+      </p:grpSpPr>
+      <p:sp>
+        <p:nvSpPr>
+          <p:cNvPr id="2" name="Title 1">
+            <a:extLst>
+              <a:ext uri="{FF2B5EF4-FFF2-40B4-BE49-F238E27FC236}">
+                <a16:creationId xmlns:a16="http://schemas.microsoft.com/office/drawing/2014/main" id="{8E2043A8-ED56-6913-B884-1C24B3B74EC3}"/>
+              </a:ext>
+            </a:extLst>
+          </p:cNvPr>
+          <p:cNvSpPr>
+            <a:spLocks noGrp="1"/>
+          </p:cNvSpPr>
+          <p:nvPr>
+            <p:ph type="title"/>
+          </p:nvPr>
+        </p:nvSpPr>
+        <p:spPr/>
+        <p:txBody>
+          <a:bodyPr/>
+          <a:lstStyle/>
+          <a:p>
+            <a:r>
+              <a:rPr lang="en-US" dirty="0"/>
+              <a:t>Lê Việt Đức</a:t>
+            </a:r>
+          </a:p>
+        </p:txBody>
+      </p:sp>
+      <p:sp>
+        <p:nvSpPr>
+          <p:cNvPr id="3" name="Content Placeholder 2">
+            <a:extLst>
+              <a:ext uri="{FF2B5EF4-FFF2-40B4-BE49-F238E27FC236}">
+                <a16:creationId xmlns:a16="http://schemas.microsoft.com/office/drawing/2014/main" id="{DB65228E-F4DA-6780-CD80-CF5CDF53C394}"/>
+              </a:ext>
+            </a:extLst>
+          </p:cNvPr>
+          <p:cNvSpPr>
+            <a:spLocks noGrp="1"/>
+          </p:cNvSpPr>
+          <p:nvPr>
+            <p:ph idx="1"/>
+          </p:nvPr>
+        </p:nvSpPr>
+        <p:spPr/>
+        <p:txBody>
+          <a:bodyPr/>
+          <a:lstStyle/>
+          <a:p>
+            <a:r>
+              <a:rPr lang="en-US" b="1" dirty="0">
+                <a:latin typeface="Times New Roman" panose="02020603050405020304" pitchFamily="18" charset="0"/>
+                <a:cs typeface="Times New Roman" panose="02020603050405020304" pitchFamily="18" charset="0"/>
+              </a:rPr>
+              <a:t>ĐĂNG XUẤT</a:t>
+            </a:r>
+          </a:p>
+          <a:p>
+            <a:r>
+              <a:rPr lang="en-US" b="1" dirty="0" err="1">
+                <a:latin typeface="Times New Roman" panose="02020603050405020304" pitchFamily="18" charset="0"/>
+                <a:cs typeface="Times New Roman" panose="02020603050405020304" pitchFamily="18" charset="0"/>
+              </a:rPr>
+              <a:t>Kịch</a:t>
+            </a:r>
+            <a:r>
+              <a:rPr lang="en-US" b="1" dirty="0">
+                <a:latin typeface="Times New Roman" panose="02020603050405020304" pitchFamily="18" charset="0"/>
+                <a:cs typeface="Times New Roman" panose="02020603050405020304" pitchFamily="18" charset="0"/>
+              </a:rPr>
+              <a:t> </a:t>
+            </a:r>
+            <a:r>
+              <a:rPr lang="en-US" b="1" dirty="0" err="1">
+                <a:latin typeface="Times New Roman" panose="02020603050405020304" pitchFamily="18" charset="0"/>
+                <a:cs typeface="Times New Roman" panose="02020603050405020304" pitchFamily="18" charset="0"/>
+              </a:rPr>
+              <a:t>bản</a:t>
+            </a:r>
+            <a:r>
+              <a:rPr lang="en-US" b="1" dirty="0">
+                <a:latin typeface="Times New Roman" panose="02020603050405020304" pitchFamily="18" charset="0"/>
+                <a:cs typeface="Times New Roman" panose="02020603050405020304" pitchFamily="18" charset="0"/>
+              </a:rPr>
+              <a:t> </a:t>
+            </a:r>
+            <a:r>
+              <a:rPr lang="en-US" b="1" dirty="0" err="1">
+                <a:latin typeface="Times New Roman" panose="02020603050405020304" pitchFamily="18" charset="0"/>
+                <a:cs typeface="Times New Roman" panose="02020603050405020304" pitchFamily="18" charset="0"/>
+              </a:rPr>
+              <a:t>chính</a:t>
+            </a:r>
+            <a:r>
+              <a:rPr lang="en-US" b="1" dirty="0">
+                <a:latin typeface="Times New Roman" panose="02020603050405020304" pitchFamily="18" charset="0"/>
+                <a:cs typeface="Times New Roman" panose="02020603050405020304" pitchFamily="18" charset="0"/>
+              </a:rPr>
+              <a:t>:</a:t>
+            </a:r>
+          </a:p>
+          <a:p>
+            <a:r>
+              <a:rPr lang="en-US" dirty="0">
+                <a:latin typeface="Times New Roman" panose="02020603050405020304" pitchFamily="18" charset="0"/>
+                <a:cs typeface="Times New Roman" panose="02020603050405020304" pitchFamily="18" charset="0"/>
+              </a:rPr>
+              <a:t>-B1: </a:t>
+            </a:r>
+            <a:r>
+              <a:rPr lang="en-US" dirty="0" err="1">
+                <a:latin typeface="Times New Roman" panose="02020603050405020304" pitchFamily="18" charset="0"/>
+                <a:cs typeface="Times New Roman" panose="02020603050405020304" pitchFamily="18" charset="0"/>
+              </a:rPr>
+              <a:t>Người</a:t>
+            </a:r>
+            <a:r>
+              <a:rPr lang="en-US" dirty="0">
+                <a:latin typeface="Times New Roman" panose="02020603050405020304" pitchFamily="18" charset="0"/>
+                <a:cs typeface="Times New Roman" panose="02020603050405020304" pitchFamily="18" charset="0"/>
+              </a:rPr>
+              <a:t> </a:t>
+            </a:r>
+            <a:r>
+              <a:rPr lang="en-US" dirty="0" err="1">
+                <a:latin typeface="Times New Roman" panose="02020603050405020304" pitchFamily="18" charset="0"/>
+                <a:cs typeface="Times New Roman" panose="02020603050405020304" pitchFamily="18" charset="0"/>
+              </a:rPr>
+              <a:t>dùng</a:t>
+            </a:r>
+            <a:r>
+              <a:rPr lang="en-US" dirty="0">
+                <a:latin typeface="Times New Roman" panose="02020603050405020304" pitchFamily="18" charset="0"/>
+                <a:cs typeface="Times New Roman" panose="02020603050405020304" pitchFamily="18" charset="0"/>
+              </a:rPr>
+              <a:t> </a:t>
+            </a:r>
+            <a:r>
+              <a:rPr lang="en-US" dirty="0" err="1">
+                <a:latin typeface="Times New Roman" panose="02020603050405020304" pitchFamily="18" charset="0"/>
+                <a:cs typeface="Times New Roman" panose="02020603050405020304" pitchFamily="18" charset="0"/>
+              </a:rPr>
+              <a:t>lựa</a:t>
+            </a:r>
+            <a:r>
+              <a:rPr lang="en-US" dirty="0">
+                <a:latin typeface="Times New Roman" panose="02020603050405020304" pitchFamily="18" charset="0"/>
+                <a:cs typeface="Times New Roman" panose="02020603050405020304" pitchFamily="18" charset="0"/>
+              </a:rPr>
+              <a:t> </a:t>
+            </a:r>
+            <a:r>
+              <a:rPr lang="en-US" dirty="0" err="1">
+                <a:latin typeface="Times New Roman" panose="02020603050405020304" pitchFamily="18" charset="0"/>
+                <a:cs typeface="Times New Roman" panose="02020603050405020304" pitchFamily="18" charset="0"/>
+              </a:rPr>
+              <a:t>chọn</a:t>
+            </a:r>
+            <a:r>
+              <a:rPr lang="en-US" dirty="0">
+                <a:latin typeface="Times New Roman" panose="02020603050405020304" pitchFamily="18" charset="0"/>
+                <a:cs typeface="Times New Roman" panose="02020603050405020304" pitchFamily="18" charset="0"/>
+              </a:rPr>
+              <a:t> </a:t>
+            </a:r>
+            <a:r>
+              <a:rPr lang="en-US" dirty="0" err="1">
+                <a:latin typeface="Times New Roman" panose="02020603050405020304" pitchFamily="18" charset="0"/>
+                <a:cs typeface="Times New Roman" panose="02020603050405020304" pitchFamily="18" charset="0"/>
+              </a:rPr>
+              <a:t>chức</a:t>
+            </a:r>
+            <a:r>
+              <a:rPr lang="en-US" dirty="0">
+                <a:latin typeface="Times New Roman" panose="02020603050405020304" pitchFamily="18" charset="0"/>
+                <a:cs typeface="Times New Roman" panose="02020603050405020304" pitchFamily="18" charset="0"/>
+              </a:rPr>
+              <a:t> </a:t>
+            </a:r>
+            <a:r>
+              <a:rPr lang="en-US" dirty="0" err="1">
+                <a:latin typeface="Times New Roman" panose="02020603050405020304" pitchFamily="18" charset="0"/>
+                <a:cs typeface="Times New Roman" panose="02020603050405020304" pitchFamily="18" charset="0"/>
+              </a:rPr>
+              <a:t>năng</a:t>
+            </a:r>
+            <a:r>
+              <a:rPr lang="en-US" dirty="0">
+                <a:latin typeface="Times New Roman" panose="02020603050405020304" pitchFamily="18" charset="0"/>
+                <a:cs typeface="Times New Roman" panose="02020603050405020304" pitchFamily="18" charset="0"/>
+              </a:rPr>
+              <a:t> </a:t>
+            </a:r>
+            <a:r>
+              <a:rPr lang="en-US" dirty="0" err="1">
+                <a:latin typeface="Times New Roman" panose="02020603050405020304" pitchFamily="18" charset="0"/>
+                <a:cs typeface="Times New Roman" panose="02020603050405020304" pitchFamily="18" charset="0"/>
+              </a:rPr>
+              <a:t>đăng</a:t>
+            </a:r>
+            <a:r>
+              <a:rPr lang="en-US" dirty="0">
+                <a:latin typeface="Times New Roman" panose="02020603050405020304" pitchFamily="18" charset="0"/>
+                <a:cs typeface="Times New Roman" panose="02020603050405020304" pitchFamily="18" charset="0"/>
+              </a:rPr>
+              <a:t> </a:t>
+            </a:r>
+            <a:r>
+              <a:rPr lang="en-US" dirty="0" err="1">
+                <a:latin typeface="Times New Roman" panose="02020603050405020304" pitchFamily="18" charset="0"/>
+                <a:cs typeface="Times New Roman" panose="02020603050405020304" pitchFamily="18" charset="0"/>
+              </a:rPr>
+              <a:t>xuất</a:t>
+            </a:r>
+            <a:r>
+              <a:rPr lang="en-US" dirty="0">
+                <a:latin typeface="Times New Roman" panose="02020603050405020304" pitchFamily="18" charset="0"/>
+                <a:cs typeface="Times New Roman" panose="02020603050405020304" pitchFamily="18" charset="0"/>
+              </a:rPr>
+              <a:t> </a:t>
+            </a:r>
+            <a:r>
+              <a:rPr lang="en-US" dirty="0" err="1">
+                <a:latin typeface="Times New Roman" panose="02020603050405020304" pitchFamily="18" charset="0"/>
+                <a:cs typeface="Times New Roman" panose="02020603050405020304" pitchFamily="18" charset="0"/>
+              </a:rPr>
+              <a:t>hệ</a:t>
+            </a:r>
+            <a:r>
+              <a:rPr lang="en-US" dirty="0">
+                <a:latin typeface="Times New Roman" panose="02020603050405020304" pitchFamily="18" charset="0"/>
+                <a:cs typeface="Times New Roman" panose="02020603050405020304" pitchFamily="18" charset="0"/>
+              </a:rPr>
+              <a:t> </a:t>
+            </a:r>
+            <a:r>
+              <a:rPr lang="en-US" dirty="0" err="1">
+                <a:latin typeface="Times New Roman" panose="02020603050405020304" pitchFamily="18" charset="0"/>
+                <a:cs typeface="Times New Roman" panose="02020603050405020304" pitchFamily="18" charset="0"/>
+              </a:rPr>
+              <a:t>thống</a:t>
+            </a:r>
+            <a:endParaRPr lang="en-US" dirty="0">
+              <a:latin typeface="Times New Roman" panose="02020603050405020304" pitchFamily="18" charset="0"/>
+              <a:cs typeface="Times New Roman" panose="02020603050405020304" pitchFamily="18" charset="0"/>
+            </a:endParaRPr>
+          </a:p>
+          <a:p>
+            <a:r>
+              <a:rPr lang="en-US" dirty="0">
+                <a:latin typeface="Times New Roman" panose="02020603050405020304" pitchFamily="18" charset="0"/>
+                <a:cs typeface="Times New Roman" panose="02020603050405020304" pitchFamily="18" charset="0"/>
+              </a:rPr>
+              <a:t>-B2: </a:t>
+            </a:r>
+            <a:r>
+              <a:rPr lang="en-US" dirty="0" err="1">
+                <a:latin typeface="Times New Roman" panose="02020603050405020304" pitchFamily="18" charset="0"/>
+                <a:cs typeface="Times New Roman" panose="02020603050405020304" pitchFamily="18" charset="0"/>
+              </a:rPr>
+              <a:t>Hệ</a:t>
+            </a:r>
+            <a:r>
+              <a:rPr lang="en-US" dirty="0">
+                <a:latin typeface="Times New Roman" panose="02020603050405020304" pitchFamily="18" charset="0"/>
+                <a:cs typeface="Times New Roman" panose="02020603050405020304" pitchFamily="18" charset="0"/>
+              </a:rPr>
+              <a:t> </a:t>
+            </a:r>
+            <a:r>
+              <a:rPr lang="en-US" dirty="0" err="1">
+                <a:latin typeface="Times New Roman" panose="02020603050405020304" pitchFamily="18" charset="0"/>
+                <a:cs typeface="Times New Roman" panose="02020603050405020304" pitchFamily="18" charset="0"/>
+              </a:rPr>
+              <a:t>thống</a:t>
+            </a:r>
+            <a:r>
+              <a:rPr lang="en-US" dirty="0">
+                <a:latin typeface="Times New Roman" panose="02020603050405020304" pitchFamily="18" charset="0"/>
+                <a:cs typeface="Times New Roman" panose="02020603050405020304" pitchFamily="18" charset="0"/>
+              </a:rPr>
+              <a:t> </a:t>
+            </a:r>
+            <a:r>
+              <a:rPr lang="en-US" dirty="0" err="1">
+                <a:latin typeface="Times New Roman" panose="02020603050405020304" pitchFamily="18" charset="0"/>
+                <a:cs typeface="Times New Roman" panose="02020603050405020304" pitchFamily="18" charset="0"/>
+              </a:rPr>
+              <a:t>hiển</a:t>
+            </a:r>
+            <a:r>
+              <a:rPr lang="en-US" dirty="0">
+                <a:latin typeface="Times New Roman" panose="02020603050405020304" pitchFamily="18" charset="0"/>
+                <a:cs typeface="Times New Roman" panose="02020603050405020304" pitchFamily="18" charset="0"/>
+              </a:rPr>
+              <a:t> </a:t>
+            </a:r>
+            <a:r>
+              <a:rPr lang="en-US" dirty="0" err="1">
+                <a:latin typeface="Times New Roman" panose="02020603050405020304" pitchFamily="18" charset="0"/>
+                <a:cs typeface="Times New Roman" panose="02020603050405020304" pitchFamily="18" charset="0"/>
+              </a:rPr>
+              <a:t>thị</a:t>
+            </a:r>
+            <a:r>
+              <a:rPr lang="en-US" dirty="0">
+                <a:latin typeface="Times New Roman" panose="02020603050405020304" pitchFamily="18" charset="0"/>
+                <a:cs typeface="Times New Roman" panose="02020603050405020304" pitchFamily="18" charset="0"/>
+              </a:rPr>
+              <a:t> </a:t>
+            </a:r>
+            <a:r>
+              <a:rPr lang="en-US" dirty="0" err="1">
+                <a:latin typeface="Times New Roman" panose="02020603050405020304" pitchFamily="18" charset="0"/>
+                <a:cs typeface="Times New Roman" panose="02020603050405020304" pitchFamily="18" charset="0"/>
+              </a:rPr>
+              <a:t>giao</a:t>
+            </a:r>
+            <a:r>
+              <a:rPr lang="en-US" dirty="0">
+                <a:latin typeface="Times New Roman" panose="02020603050405020304" pitchFamily="18" charset="0"/>
+                <a:cs typeface="Times New Roman" panose="02020603050405020304" pitchFamily="18" charset="0"/>
+              </a:rPr>
+              <a:t> </a:t>
+            </a:r>
+            <a:r>
+              <a:rPr lang="en-US" dirty="0" err="1">
+                <a:latin typeface="Times New Roman" panose="02020603050405020304" pitchFamily="18" charset="0"/>
+                <a:cs typeface="Times New Roman" panose="02020603050405020304" pitchFamily="18" charset="0"/>
+              </a:rPr>
+              <a:t>diện</a:t>
+            </a:r>
+            <a:r>
+              <a:rPr lang="en-US" dirty="0">
+                <a:latin typeface="Times New Roman" panose="02020603050405020304" pitchFamily="18" charset="0"/>
+                <a:cs typeface="Times New Roman" panose="02020603050405020304" pitchFamily="18" charset="0"/>
+              </a:rPr>
+              <a:t>  </a:t>
+            </a:r>
+            <a:r>
+              <a:rPr lang="en-US" dirty="0" err="1">
+                <a:latin typeface="Times New Roman" panose="02020603050405020304" pitchFamily="18" charset="0"/>
+                <a:cs typeface="Times New Roman" panose="02020603050405020304" pitchFamily="18" charset="0"/>
+              </a:rPr>
+              <a:t>bạn</a:t>
+            </a:r>
+            <a:r>
+              <a:rPr lang="en-US" dirty="0">
+                <a:latin typeface="Times New Roman" panose="02020603050405020304" pitchFamily="18" charset="0"/>
+                <a:cs typeface="Times New Roman" panose="02020603050405020304" pitchFamily="18" charset="0"/>
+              </a:rPr>
+              <a:t> </a:t>
+            </a:r>
+            <a:r>
+              <a:rPr lang="en-US" dirty="0" err="1">
+                <a:latin typeface="Times New Roman" panose="02020603050405020304" pitchFamily="18" charset="0"/>
+                <a:cs typeface="Times New Roman" panose="02020603050405020304" pitchFamily="18" charset="0"/>
+              </a:rPr>
+              <a:t>đã</a:t>
+            </a:r>
+            <a:r>
+              <a:rPr lang="en-US" dirty="0">
+                <a:latin typeface="Times New Roman" panose="02020603050405020304" pitchFamily="18" charset="0"/>
+                <a:cs typeface="Times New Roman" panose="02020603050405020304" pitchFamily="18" charset="0"/>
+              </a:rPr>
+              <a:t> </a:t>
+            </a:r>
+            <a:r>
+              <a:rPr lang="en-US" dirty="0" err="1">
+                <a:latin typeface="Times New Roman" panose="02020603050405020304" pitchFamily="18" charset="0"/>
+                <a:cs typeface="Times New Roman" panose="02020603050405020304" pitchFamily="18" charset="0"/>
+              </a:rPr>
+              <a:t>đăng</a:t>
+            </a:r>
+            <a:r>
+              <a:rPr lang="en-US" dirty="0">
+                <a:latin typeface="Times New Roman" panose="02020603050405020304" pitchFamily="18" charset="0"/>
+                <a:cs typeface="Times New Roman" panose="02020603050405020304" pitchFamily="18" charset="0"/>
+              </a:rPr>
+              <a:t> </a:t>
+            </a:r>
+            <a:r>
+              <a:rPr lang="en-US" dirty="0" err="1">
+                <a:latin typeface="Times New Roman" panose="02020603050405020304" pitchFamily="18" charset="0"/>
+                <a:cs typeface="Times New Roman" panose="02020603050405020304" pitchFamily="18" charset="0"/>
+              </a:rPr>
+              <a:t>xuất</a:t>
+            </a:r>
+            <a:r>
+              <a:rPr lang="en-US" dirty="0">
+                <a:latin typeface="Times New Roman" panose="02020603050405020304" pitchFamily="18" charset="0"/>
+                <a:cs typeface="Times New Roman" panose="02020603050405020304" pitchFamily="18" charset="0"/>
+              </a:rPr>
+              <a:t> </a:t>
+            </a:r>
+            <a:r>
+              <a:rPr lang="en-US" dirty="0" err="1">
+                <a:latin typeface="Times New Roman" panose="02020603050405020304" pitchFamily="18" charset="0"/>
+                <a:cs typeface="Times New Roman" panose="02020603050405020304" pitchFamily="18" charset="0"/>
+              </a:rPr>
+              <a:t>hệ</a:t>
+            </a:r>
+            <a:r>
+              <a:rPr lang="en-US" dirty="0">
+                <a:latin typeface="Times New Roman" panose="02020603050405020304" pitchFamily="18" charset="0"/>
+                <a:cs typeface="Times New Roman" panose="02020603050405020304" pitchFamily="18" charset="0"/>
+              </a:rPr>
+              <a:t> </a:t>
+            </a:r>
+            <a:r>
+              <a:rPr lang="en-US" dirty="0" err="1">
+                <a:latin typeface="Times New Roman" panose="02020603050405020304" pitchFamily="18" charset="0"/>
+                <a:cs typeface="Times New Roman" panose="02020603050405020304" pitchFamily="18" charset="0"/>
+              </a:rPr>
+              <a:t>thống</a:t>
+            </a:r>
+            <a:r>
+              <a:rPr lang="en-US" dirty="0">
+                <a:latin typeface="Times New Roman" panose="02020603050405020304" pitchFamily="18" charset="0"/>
+                <a:cs typeface="Times New Roman" panose="02020603050405020304" pitchFamily="18" charset="0"/>
+              </a:rPr>
+              <a:t> </a:t>
+            </a:r>
+            <a:r>
+              <a:rPr lang="en-US" dirty="0" err="1">
+                <a:latin typeface="Times New Roman" panose="02020603050405020304" pitchFamily="18" charset="0"/>
+                <a:cs typeface="Times New Roman" panose="02020603050405020304" pitchFamily="18" charset="0"/>
+              </a:rPr>
+              <a:t>thành</a:t>
+            </a:r>
+            <a:r>
+              <a:rPr lang="en-US" dirty="0">
+                <a:latin typeface="Times New Roman" panose="02020603050405020304" pitchFamily="18" charset="0"/>
+                <a:cs typeface="Times New Roman" panose="02020603050405020304" pitchFamily="18" charset="0"/>
+              </a:rPr>
+              <a:t> </a:t>
+            </a:r>
+            <a:r>
+              <a:rPr lang="en-US" dirty="0" err="1">
+                <a:latin typeface="Times New Roman" panose="02020603050405020304" pitchFamily="18" charset="0"/>
+                <a:cs typeface="Times New Roman" panose="02020603050405020304" pitchFamily="18" charset="0"/>
+              </a:rPr>
+              <a:t>công</a:t>
+            </a:r>
+            <a:r>
+              <a:rPr lang="en-US" dirty="0">
+                <a:latin typeface="Times New Roman" panose="02020603050405020304" pitchFamily="18" charset="0"/>
+                <a:cs typeface="Times New Roman" panose="02020603050405020304" pitchFamily="18" charset="0"/>
+              </a:rPr>
+              <a:t>.</a:t>
+            </a:r>
+          </a:p>
+          <a:p>
+            <a:r>
+              <a:rPr lang="en-US" dirty="0">
+                <a:latin typeface="Times New Roman" panose="02020603050405020304" pitchFamily="18" charset="0"/>
+                <a:cs typeface="Times New Roman" panose="02020603050405020304" pitchFamily="18" charset="0"/>
+              </a:rPr>
+              <a:t>-B3: Quay </a:t>
+            </a:r>
+            <a:r>
+              <a:rPr lang="en-US" dirty="0" err="1">
+                <a:latin typeface="Times New Roman" panose="02020603050405020304" pitchFamily="18" charset="0"/>
+                <a:cs typeface="Times New Roman" panose="02020603050405020304" pitchFamily="18" charset="0"/>
+              </a:rPr>
+              <a:t>trở</a:t>
+            </a:r>
+            <a:r>
+              <a:rPr lang="en-US" dirty="0">
+                <a:latin typeface="Times New Roman" panose="02020603050405020304" pitchFamily="18" charset="0"/>
+                <a:cs typeface="Times New Roman" panose="02020603050405020304" pitchFamily="18" charset="0"/>
+              </a:rPr>
+              <a:t> </a:t>
+            </a:r>
+            <a:r>
+              <a:rPr lang="en-US" dirty="0" err="1">
+                <a:latin typeface="Times New Roman" panose="02020603050405020304" pitchFamily="18" charset="0"/>
+                <a:cs typeface="Times New Roman" panose="02020603050405020304" pitchFamily="18" charset="0"/>
+              </a:rPr>
+              <a:t>lại</a:t>
+            </a:r>
+            <a:r>
+              <a:rPr lang="en-US" dirty="0">
+                <a:latin typeface="Times New Roman" panose="02020603050405020304" pitchFamily="18" charset="0"/>
+                <a:cs typeface="Times New Roman" panose="02020603050405020304" pitchFamily="18" charset="0"/>
+              </a:rPr>
+              <a:t> </a:t>
+            </a:r>
+            <a:r>
+              <a:rPr lang="en-US" dirty="0" err="1">
+                <a:latin typeface="Times New Roman" panose="02020603050405020304" pitchFamily="18" charset="0"/>
+                <a:cs typeface="Times New Roman" panose="02020603050405020304" pitchFamily="18" charset="0"/>
+              </a:rPr>
+              <a:t>màn</a:t>
+            </a:r>
+            <a:r>
+              <a:rPr lang="en-US" dirty="0">
+                <a:latin typeface="Times New Roman" panose="02020603050405020304" pitchFamily="18" charset="0"/>
+                <a:cs typeface="Times New Roman" panose="02020603050405020304" pitchFamily="18" charset="0"/>
+              </a:rPr>
+              <a:t> </a:t>
+            </a:r>
+            <a:r>
+              <a:rPr lang="en-US" dirty="0" err="1">
+                <a:latin typeface="Times New Roman" panose="02020603050405020304" pitchFamily="18" charset="0"/>
+                <a:cs typeface="Times New Roman" panose="02020603050405020304" pitchFamily="18" charset="0"/>
+              </a:rPr>
+              <a:t>hình</a:t>
+            </a:r>
+            <a:r>
+              <a:rPr lang="en-US" dirty="0">
+                <a:latin typeface="Times New Roman" panose="02020603050405020304" pitchFamily="18" charset="0"/>
+                <a:cs typeface="Times New Roman" panose="02020603050405020304" pitchFamily="18" charset="0"/>
+              </a:rPr>
+              <a:t> </a:t>
+            </a:r>
+            <a:r>
+              <a:rPr lang="en-US" dirty="0" err="1">
+                <a:latin typeface="Times New Roman" panose="02020603050405020304" pitchFamily="18" charset="0"/>
+                <a:cs typeface="Times New Roman" panose="02020603050405020304" pitchFamily="18" charset="0"/>
+              </a:rPr>
+              <a:t>chính</a:t>
+            </a:r>
+            <a:r>
+              <a:rPr lang="en-US" dirty="0">
+                <a:latin typeface="Times New Roman" panose="02020603050405020304" pitchFamily="18" charset="0"/>
+                <a:cs typeface="Times New Roman" panose="02020603050405020304" pitchFamily="18" charset="0"/>
+              </a:rPr>
+              <a:t>.</a:t>
+            </a:r>
+          </a:p>
+          <a:p>
+            <a:pPr marL="0" indent="0">
+              <a:buNone/>
+            </a:pPr>
+            <a:endParaRPr lang="en-US" dirty="0">
+              <a:latin typeface="Times New Roman" panose="02020603050405020304" pitchFamily="18" charset="0"/>
+              <a:cs typeface="Times New Roman" panose="02020603050405020304" pitchFamily="18" charset="0"/>
+            </a:endParaRPr>
+          </a:p>
+        </p:txBody>
+      </p:sp>
+    </p:spTree>
+    <p:extLst>
+      <p:ext uri="{BB962C8B-B14F-4D97-AF65-F5344CB8AC3E}">
+        <p14:creationId xmlns:p14="http://schemas.microsoft.com/office/powerpoint/2010/main" val="3214900127"/>
+      </p:ext>
+    </p:extLst>
+  </p:cSld>
+  <p:clrMapOvr>
+    <a:masterClrMapping/>
+  </p:clrMapOvr>
+</p:sld>
+</file>
+
+<file path=ppt/slides/slide18.xml><?xml version="1.0" encoding="utf-8"?>
+<p:sld xmlns:a="http://schemas.openxmlformats.org/drawingml/2006/main" xmlns:r="http://schemas.openxmlformats.org/officeDocument/2006/relationships" xmlns:p="http://schemas.openxmlformats.org/presentationml/2006/main">
+  <p:cSld>
+    <p:spTree>
+      <p:nvGrpSpPr>
+        <p:cNvPr id="1" name=""/>
+        <p:cNvGrpSpPr/>
+        <p:nvPr/>
+      </p:nvGrpSpPr>
+      <p:grpSpPr>
+        <a:xfrm>
+          <a:off x="0" y="0"/>
+          <a:ext cx="0" cy="0"/>
+          <a:chOff x="0" y="0"/>
+          <a:chExt cx="0" cy="0"/>
+        </a:xfrm>
+      </p:grpSpPr>
+      <p:pic>
+        <p:nvPicPr>
+          <p:cNvPr id="4" name="Content Placeholder 3">
+            <a:extLst>
+              <a:ext uri="{FF2B5EF4-FFF2-40B4-BE49-F238E27FC236}">
+                <a16:creationId xmlns:a16="http://schemas.microsoft.com/office/drawing/2014/main" id="{9DA974BD-569E-41B6-E884-F964D6012C00}"/>
+              </a:ext>
+            </a:extLst>
+          </p:cNvPr>
+          <p:cNvPicPr>
+            <a:picLocks noGrp="1" noChangeAspect="1"/>
+          </p:cNvPicPr>
+          <p:nvPr>
+            <p:ph idx="1"/>
+          </p:nvPr>
+        </p:nvPicPr>
+        <p:blipFill>
+          <a:blip r:embed="rId2">
+            <a:extLst>
+              <a:ext uri="{28A0092B-C50C-407E-A947-70E740481C1C}">
+                <a14:useLocalDpi xmlns:a14="http://schemas.microsoft.com/office/drawing/2010/main" val="0"/>
+              </a:ext>
+            </a:extLst>
+          </a:blip>
+          <a:stretch>
+            <a:fillRect/>
+          </a:stretch>
+        </p:blipFill>
+        <p:spPr>
+          <a:xfrm>
+            <a:off x="3349195" y="1511300"/>
+            <a:ext cx="5493609" cy="4577063"/>
+          </a:xfrm>
+          <a:prstGeom prst="rect">
+            <a:avLst/>
+          </a:prstGeom>
+        </p:spPr>
+      </p:pic>
+      <p:sp>
+        <p:nvSpPr>
+          <p:cNvPr id="6" name="Title 5">
+            <a:extLst>
+              <a:ext uri="{FF2B5EF4-FFF2-40B4-BE49-F238E27FC236}">
+                <a16:creationId xmlns:a16="http://schemas.microsoft.com/office/drawing/2014/main" id="{3159BF06-B474-577F-1998-DA101587A2C1}"/>
+              </a:ext>
+            </a:extLst>
+          </p:cNvPr>
+          <p:cNvSpPr>
+            <a:spLocks noGrp="1"/>
+          </p:cNvSpPr>
+          <p:nvPr>
+            <p:ph type="title"/>
+          </p:nvPr>
+        </p:nvSpPr>
+        <p:spPr>
+          <a:xfrm>
+            <a:off x="723900" y="502894"/>
+            <a:ext cx="8686800" cy="1160806"/>
+          </a:xfrm>
+        </p:spPr>
+        <p:txBody>
+          <a:bodyPr>
+            <a:normAutofit/>
+          </a:bodyPr>
+          <a:lstStyle/>
+          <a:p>
+            <a:r>
+              <a:rPr lang="en-US" sz="2400" dirty="0" err="1">
+                <a:latin typeface="Times New Roman" panose="02020603050405020304" pitchFamily="18" charset="0"/>
+                <a:cs typeface="Times New Roman" panose="02020603050405020304" pitchFamily="18" charset="0"/>
+              </a:rPr>
+              <a:t>Sơ</a:t>
+            </a:r>
+            <a:r>
+              <a:rPr lang="en-US" sz="2400" dirty="0">
+                <a:latin typeface="Times New Roman" panose="02020603050405020304" pitchFamily="18" charset="0"/>
+                <a:cs typeface="Times New Roman" panose="02020603050405020304" pitchFamily="18" charset="0"/>
+              </a:rPr>
+              <a:t> </a:t>
+            </a:r>
+            <a:r>
+              <a:rPr lang="en-US" sz="2400" dirty="0" err="1">
+                <a:latin typeface="Times New Roman" panose="02020603050405020304" pitchFamily="18" charset="0"/>
+                <a:cs typeface="Times New Roman" panose="02020603050405020304" pitchFamily="18" charset="0"/>
+              </a:rPr>
+              <a:t>đồ</a:t>
+            </a:r>
+            <a:r>
+              <a:rPr lang="en-US" sz="2400" dirty="0">
+                <a:latin typeface="Times New Roman" panose="02020603050405020304" pitchFamily="18" charset="0"/>
+                <a:cs typeface="Times New Roman" panose="02020603050405020304" pitchFamily="18" charset="0"/>
+              </a:rPr>
+              <a:t> use case </a:t>
+            </a:r>
+            <a:r>
+              <a:rPr lang="en-US" sz="2400" dirty="0" err="1">
+                <a:latin typeface="Times New Roman" panose="02020603050405020304" pitchFamily="18" charset="0"/>
+                <a:cs typeface="Times New Roman" panose="02020603050405020304" pitchFamily="18" charset="0"/>
+              </a:rPr>
+              <a:t>chức</a:t>
+            </a:r>
+            <a:r>
+              <a:rPr lang="en-US" sz="2400" dirty="0">
+                <a:latin typeface="Times New Roman" panose="02020603050405020304" pitchFamily="18" charset="0"/>
+                <a:cs typeface="Times New Roman" panose="02020603050405020304" pitchFamily="18" charset="0"/>
+              </a:rPr>
+              <a:t> </a:t>
+            </a:r>
+            <a:r>
+              <a:rPr lang="en-US" sz="2400" dirty="0" err="1">
+                <a:latin typeface="Times New Roman" panose="02020603050405020304" pitchFamily="18" charset="0"/>
+                <a:cs typeface="Times New Roman" panose="02020603050405020304" pitchFamily="18" charset="0"/>
+              </a:rPr>
+              <a:t>năng</a:t>
+            </a:r>
+            <a:r>
+              <a:rPr lang="en-US" sz="2400" dirty="0">
+                <a:latin typeface="Times New Roman" panose="02020603050405020304" pitchFamily="18" charset="0"/>
+                <a:cs typeface="Times New Roman" panose="02020603050405020304" pitchFamily="18" charset="0"/>
+              </a:rPr>
+              <a:t> </a:t>
+            </a:r>
+            <a:r>
+              <a:rPr lang="en-US" sz="2400" dirty="0" err="1">
+                <a:latin typeface="Times New Roman" panose="02020603050405020304" pitchFamily="18" charset="0"/>
+                <a:cs typeface="Times New Roman" panose="02020603050405020304" pitchFamily="18" charset="0"/>
+              </a:rPr>
+              <a:t>đăng</a:t>
+            </a:r>
+            <a:r>
+              <a:rPr lang="en-US" sz="2400" dirty="0">
+                <a:latin typeface="Times New Roman" panose="02020603050405020304" pitchFamily="18" charset="0"/>
+                <a:cs typeface="Times New Roman" panose="02020603050405020304" pitchFamily="18" charset="0"/>
+              </a:rPr>
+              <a:t> </a:t>
+            </a:r>
+            <a:r>
+              <a:rPr lang="en-US" sz="2400" dirty="0" err="1">
+                <a:latin typeface="Times New Roman" panose="02020603050405020304" pitchFamily="18" charset="0"/>
+                <a:cs typeface="Times New Roman" panose="02020603050405020304" pitchFamily="18" charset="0"/>
+              </a:rPr>
+              <a:t>nhập</a:t>
+            </a:r>
+            <a:r>
+              <a:rPr lang="en-US" sz="2400" dirty="0">
+                <a:latin typeface="Times New Roman" panose="02020603050405020304" pitchFamily="18" charset="0"/>
+                <a:cs typeface="Times New Roman" panose="02020603050405020304" pitchFamily="18" charset="0"/>
+              </a:rPr>
+              <a:t>, </a:t>
+            </a:r>
+            <a:r>
+              <a:rPr lang="en-US" sz="2400" dirty="0" err="1">
+                <a:latin typeface="Times New Roman" panose="02020603050405020304" pitchFamily="18" charset="0"/>
+                <a:cs typeface="Times New Roman" panose="02020603050405020304" pitchFamily="18" charset="0"/>
+              </a:rPr>
+              <a:t>đăng</a:t>
+            </a:r>
+            <a:r>
+              <a:rPr lang="en-US" sz="2400" dirty="0">
+                <a:latin typeface="Times New Roman" panose="02020603050405020304" pitchFamily="18" charset="0"/>
+                <a:cs typeface="Times New Roman" panose="02020603050405020304" pitchFamily="18" charset="0"/>
+              </a:rPr>
+              <a:t> </a:t>
+            </a:r>
+            <a:r>
+              <a:rPr lang="en-US" sz="2400" dirty="0" err="1">
+                <a:latin typeface="Times New Roman" panose="02020603050405020304" pitchFamily="18" charset="0"/>
+                <a:cs typeface="Times New Roman" panose="02020603050405020304" pitchFamily="18" charset="0"/>
+              </a:rPr>
+              <a:t>xuất</a:t>
+            </a:r>
+            <a:r>
+              <a:rPr lang="en-US" sz="2400" dirty="0">
+                <a:latin typeface="Times New Roman" panose="02020603050405020304" pitchFamily="18" charset="0"/>
+                <a:cs typeface="Times New Roman" panose="02020603050405020304" pitchFamily="18" charset="0"/>
+              </a:rPr>
+              <a:t>, </a:t>
+            </a:r>
+            <a:r>
+              <a:rPr lang="en-US" sz="2400" dirty="0" err="1">
+                <a:latin typeface="Times New Roman" panose="02020603050405020304" pitchFamily="18" charset="0"/>
+                <a:cs typeface="Times New Roman" panose="02020603050405020304" pitchFamily="18" charset="0"/>
+              </a:rPr>
+              <a:t>đăng</a:t>
+            </a:r>
+            <a:r>
+              <a:rPr lang="en-US" sz="2400" dirty="0">
+                <a:latin typeface="Times New Roman" panose="02020603050405020304" pitchFamily="18" charset="0"/>
+                <a:cs typeface="Times New Roman" panose="02020603050405020304" pitchFamily="18" charset="0"/>
+              </a:rPr>
+              <a:t> </a:t>
+            </a:r>
+            <a:r>
+              <a:rPr lang="en-US" sz="2400" dirty="0" err="1">
+                <a:latin typeface="Times New Roman" panose="02020603050405020304" pitchFamily="18" charset="0"/>
+                <a:cs typeface="Times New Roman" panose="02020603050405020304" pitchFamily="18" charset="0"/>
+              </a:rPr>
+              <a:t>kí</a:t>
+            </a:r>
+            <a:endParaRPr lang="en-US" sz="2400" dirty="0">
+              <a:latin typeface="Times New Roman" panose="02020603050405020304" pitchFamily="18" charset="0"/>
+              <a:cs typeface="Times New Roman" panose="02020603050405020304" pitchFamily="18" charset="0"/>
+            </a:endParaRPr>
+          </a:p>
+        </p:txBody>
+      </p:sp>
+    </p:spTree>
+    <p:extLst>
+      <p:ext uri="{BB962C8B-B14F-4D97-AF65-F5344CB8AC3E}">
+        <p14:creationId xmlns:p14="http://schemas.microsoft.com/office/powerpoint/2010/main" val="3425980793"/>
+      </p:ext>
+    </p:extLst>
+  </p:cSld>
+  <p:clrMapOvr>
+    <a:masterClrMapping/>
+  </p:clrMapOvr>
+</p:sld>
+</file>
+
+<file path=ppt/slides/slide19.xml><?xml version="1.0" encoding="utf-8"?>
+<p:sld xmlns:a="http://schemas.openxmlformats.org/drawingml/2006/main" xmlns:r="http://schemas.openxmlformats.org/officeDocument/2006/relationships" xmlns:p="http://schemas.openxmlformats.org/presentationml/2006/main">
+  <p:cSld>
+    <p:spTree>
+      <p:nvGrpSpPr>
+        <p:cNvPr id="1" name=""/>
+        <p:cNvGrpSpPr/>
+        <p:nvPr/>
+      </p:nvGrpSpPr>
+      <p:grpSpPr>
+        <a:xfrm>
+          <a:off x="0" y="0"/>
+          <a:ext cx="0" cy="0"/>
+          <a:chOff x="0" y="0"/>
+          <a:chExt cx="0" cy="0"/>
+        </a:xfrm>
+      </p:grpSpPr>
+      <p:sp>
+        <p:nvSpPr>
+          <p:cNvPr id="6" name="Title 5">
+            <a:extLst>
+              <a:ext uri="{FF2B5EF4-FFF2-40B4-BE49-F238E27FC236}">
+                <a16:creationId xmlns:a16="http://schemas.microsoft.com/office/drawing/2014/main" id="{3159BF06-B474-577F-1998-DA101587A2C1}"/>
+              </a:ext>
+            </a:extLst>
+          </p:cNvPr>
+          <p:cNvSpPr>
+            <a:spLocks noGrp="1"/>
+          </p:cNvSpPr>
+          <p:nvPr>
+            <p:ph type="title"/>
+          </p:nvPr>
+        </p:nvSpPr>
+        <p:spPr>
+          <a:xfrm>
+            <a:off x="723900" y="502894"/>
+            <a:ext cx="8686800" cy="1160806"/>
+          </a:xfrm>
+        </p:spPr>
+        <p:txBody>
+          <a:bodyPr>
+            <a:normAutofit/>
+          </a:bodyPr>
+          <a:lstStyle/>
+          <a:p>
+            <a:r>
+              <a:rPr lang="en-US" sz="2400" dirty="0" err="1">
+                <a:latin typeface="Times New Roman" panose="02020603050405020304" pitchFamily="18" charset="0"/>
+                <a:cs typeface="Times New Roman" panose="02020603050405020304" pitchFamily="18" charset="0"/>
+              </a:rPr>
+              <a:t>Sơ</a:t>
+            </a:r>
+            <a:r>
+              <a:rPr lang="en-US" sz="2400" dirty="0">
+                <a:latin typeface="Times New Roman" panose="02020603050405020304" pitchFamily="18" charset="0"/>
+                <a:cs typeface="Times New Roman" panose="02020603050405020304" pitchFamily="18" charset="0"/>
+              </a:rPr>
+              <a:t> </a:t>
+            </a:r>
+            <a:r>
+              <a:rPr lang="en-US" sz="2400" dirty="0" err="1">
+                <a:latin typeface="Times New Roman" panose="02020603050405020304" pitchFamily="18" charset="0"/>
+                <a:cs typeface="Times New Roman" panose="02020603050405020304" pitchFamily="18" charset="0"/>
+              </a:rPr>
+              <a:t>đồ</a:t>
+            </a:r>
+            <a:r>
+              <a:rPr lang="en-US" sz="2400" dirty="0">
+                <a:latin typeface="Times New Roman" panose="02020603050405020304" pitchFamily="18" charset="0"/>
+                <a:cs typeface="Times New Roman" panose="02020603050405020304" pitchFamily="18" charset="0"/>
+              </a:rPr>
+              <a:t> class</a:t>
+            </a:r>
+          </a:p>
+        </p:txBody>
+      </p:sp>
+      <p:pic>
+        <p:nvPicPr>
+          <p:cNvPr id="7" name="Content Placeholder 6">
+            <a:extLst>
+              <a:ext uri="{FF2B5EF4-FFF2-40B4-BE49-F238E27FC236}">
+                <a16:creationId xmlns:a16="http://schemas.microsoft.com/office/drawing/2014/main" id="{E98E920F-190C-2B1E-D254-55B04DFB9856}"/>
+              </a:ext>
+            </a:extLst>
+          </p:cNvPr>
+          <p:cNvPicPr>
+            <a:picLocks noGrp="1" noChangeAspect="1"/>
+          </p:cNvPicPr>
+          <p:nvPr>
+            <p:ph idx="1"/>
+          </p:nvPr>
+        </p:nvPicPr>
+        <p:blipFill>
+          <a:blip r:embed="rId2"/>
+          <a:stretch>
+            <a:fillRect/>
+          </a:stretch>
+        </p:blipFill>
+        <p:spPr>
+          <a:xfrm>
+            <a:off x="2933700" y="1460500"/>
+            <a:ext cx="6565900" cy="4492625"/>
+          </a:xfrm>
+        </p:spPr>
+      </p:pic>
+    </p:spTree>
+    <p:extLst>
+      <p:ext uri="{BB962C8B-B14F-4D97-AF65-F5344CB8AC3E}">
+        <p14:creationId xmlns:p14="http://schemas.microsoft.com/office/powerpoint/2010/main" val="2258502376"/>
       </p:ext>
     </p:extLst>
   </p:cSld>
@@ -5842,6 +9458,610 @@
 </p:sld>
 </file>
 
+<file path=ppt/slides/slide20.xml><?xml version="1.0" encoding="utf-8"?>
+<p:sld xmlns:a="http://schemas.openxmlformats.org/drawingml/2006/main" xmlns:r="http://schemas.openxmlformats.org/officeDocument/2006/relationships" xmlns:p="http://schemas.openxmlformats.org/presentationml/2006/main">
+  <p:cSld>
+    <p:spTree>
+      <p:nvGrpSpPr>
+        <p:cNvPr id="1" name=""/>
+        <p:cNvGrpSpPr/>
+        <p:nvPr/>
+      </p:nvGrpSpPr>
+      <p:grpSpPr>
+        <a:xfrm>
+          <a:off x="0" y="0"/>
+          <a:ext cx="0" cy="0"/>
+          <a:chOff x="0" y="0"/>
+          <a:chExt cx="0" cy="0"/>
+        </a:xfrm>
+      </p:grpSpPr>
+      <p:sp>
+        <p:nvSpPr>
+          <p:cNvPr id="6" name="Title 5">
+            <a:extLst>
+              <a:ext uri="{FF2B5EF4-FFF2-40B4-BE49-F238E27FC236}">
+                <a16:creationId xmlns:a16="http://schemas.microsoft.com/office/drawing/2014/main" id="{3159BF06-B474-577F-1998-DA101587A2C1}"/>
+              </a:ext>
+            </a:extLst>
+          </p:cNvPr>
+          <p:cNvSpPr>
+            <a:spLocks noGrp="1"/>
+          </p:cNvSpPr>
+          <p:nvPr>
+            <p:ph type="title"/>
+          </p:nvPr>
+        </p:nvSpPr>
+        <p:spPr>
+          <a:xfrm>
+            <a:off x="723900" y="502894"/>
+            <a:ext cx="8686800" cy="1160806"/>
+          </a:xfrm>
+        </p:spPr>
+        <p:txBody>
+          <a:bodyPr>
+            <a:normAutofit/>
+          </a:bodyPr>
+          <a:lstStyle/>
+          <a:p>
+            <a:r>
+              <a:rPr lang="en-US" sz="2400" dirty="0" err="1">
+                <a:latin typeface="Times New Roman" panose="02020603050405020304" pitchFamily="18" charset="0"/>
+                <a:cs typeface="Times New Roman" panose="02020603050405020304" pitchFamily="18" charset="0"/>
+              </a:rPr>
+              <a:t>Sơ</a:t>
+            </a:r>
+            <a:r>
+              <a:rPr lang="en-US" sz="2400" dirty="0">
+                <a:latin typeface="Times New Roman" panose="02020603050405020304" pitchFamily="18" charset="0"/>
+                <a:cs typeface="Times New Roman" panose="02020603050405020304" pitchFamily="18" charset="0"/>
+              </a:rPr>
+              <a:t> </a:t>
+            </a:r>
+            <a:r>
+              <a:rPr lang="en-US" sz="2400" dirty="0" err="1">
+                <a:latin typeface="Times New Roman" panose="02020603050405020304" pitchFamily="18" charset="0"/>
+                <a:cs typeface="Times New Roman" panose="02020603050405020304" pitchFamily="18" charset="0"/>
+              </a:rPr>
+              <a:t>đồ</a:t>
+            </a:r>
+            <a:r>
+              <a:rPr lang="en-US" sz="2400" dirty="0">
+                <a:latin typeface="Times New Roman" panose="02020603050405020304" pitchFamily="18" charset="0"/>
+                <a:cs typeface="Times New Roman" panose="02020603050405020304" pitchFamily="18" charset="0"/>
+              </a:rPr>
+              <a:t> sequence </a:t>
+            </a:r>
+            <a:r>
+              <a:rPr lang="en-US" sz="2400" dirty="0" err="1">
+                <a:latin typeface="Times New Roman" panose="02020603050405020304" pitchFamily="18" charset="0"/>
+                <a:cs typeface="Times New Roman" panose="02020603050405020304" pitchFamily="18" charset="0"/>
+              </a:rPr>
+              <a:t>đăng</a:t>
+            </a:r>
+            <a:r>
+              <a:rPr lang="en-US" sz="2400" dirty="0">
+                <a:latin typeface="Times New Roman" panose="02020603050405020304" pitchFamily="18" charset="0"/>
+                <a:cs typeface="Times New Roman" panose="02020603050405020304" pitchFamily="18" charset="0"/>
+              </a:rPr>
+              <a:t> </a:t>
+            </a:r>
+            <a:r>
+              <a:rPr lang="en-US" sz="2400" dirty="0" err="1">
+                <a:latin typeface="Times New Roman" panose="02020603050405020304" pitchFamily="18" charset="0"/>
+                <a:cs typeface="Times New Roman" panose="02020603050405020304" pitchFamily="18" charset="0"/>
+              </a:rPr>
+              <a:t>nhập</a:t>
+            </a:r>
+            <a:endParaRPr lang="en-US" sz="2400" dirty="0">
+              <a:latin typeface="Times New Roman" panose="02020603050405020304" pitchFamily="18" charset="0"/>
+              <a:cs typeface="Times New Roman" panose="02020603050405020304" pitchFamily="18" charset="0"/>
+            </a:endParaRPr>
+          </a:p>
+        </p:txBody>
+      </p:sp>
+      <p:pic>
+        <p:nvPicPr>
+          <p:cNvPr id="7" name="Picture 6">
+            <a:extLst>
+              <a:ext uri="{FF2B5EF4-FFF2-40B4-BE49-F238E27FC236}">
+                <a16:creationId xmlns:a16="http://schemas.microsoft.com/office/drawing/2014/main" id="{BB1CBA75-1714-C6A2-CACB-474F064035C4}"/>
+              </a:ext>
+            </a:extLst>
+          </p:cNvPr>
+          <p:cNvPicPr>
+            <a:picLocks noChangeAspect="1"/>
+          </p:cNvPicPr>
+          <p:nvPr/>
+        </p:nvPicPr>
+        <p:blipFill>
+          <a:blip r:embed="rId2"/>
+          <a:stretch>
+            <a:fillRect/>
+          </a:stretch>
+        </p:blipFill>
+        <p:spPr>
+          <a:xfrm>
+            <a:off x="3038857" y="1365543"/>
+            <a:ext cx="6114286" cy="4685714"/>
+          </a:xfrm>
+          <a:prstGeom prst="rect">
+            <a:avLst/>
+          </a:prstGeom>
+        </p:spPr>
+      </p:pic>
+    </p:spTree>
+    <p:extLst>
+      <p:ext uri="{BB962C8B-B14F-4D97-AF65-F5344CB8AC3E}">
+        <p14:creationId xmlns:p14="http://schemas.microsoft.com/office/powerpoint/2010/main" val="3562428139"/>
+      </p:ext>
+    </p:extLst>
+  </p:cSld>
+  <p:clrMapOvr>
+    <a:masterClrMapping/>
+  </p:clrMapOvr>
+</p:sld>
+</file>
+
+<file path=ppt/slides/slide21.xml><?xml version="1.0" encoding="utf-8"?>
+<p:sld xmlns:a="http://schemas.openxmlformats.org/drawingml/2006/main" xmlns:r="http://schemas.openxmlformats.org/officeDocument/2006/relationships" xmlns:p="http://schemas.openxmlformats.org/presentationml/2006/main">
+  <p:cSld>
+    <p:spTree>
+      <p:nvGrpSpPr>
+        <p:cNvPr id="1" name=""/>
+        <p:cNvGrpSpPr/>
+        <p:nvPr/>
+      </p:nvGrpSpPr>
+      <p:grpSpPr>
+        <a:xfrm>
+          <a:off x="0" y="0"/>
+          <a:ext cx="0" cy="0"/>
+          <a:chOff x="0" y="0"/>
+          <a:chExt cx="0" cy="0"/>
+        </a:xfrm>
+      </p:grpSpPr>
+      <p:sp>
+        <p:nvSpPr>
+          <p:cNvPr id="6" name="Title 5">
+            <a:extLst>
+              <a:ext uri="{FF2B5EF4-FFF2-40B4-BE49-F238E27FC236}">
+                <a16:creationId xmlns:a16="http://schemas.microsoft.com/office/drawing/2014/main" id="{3159BF06-B474-577F-1998-DA101587A2C1}"/>
+              </a:ext>
+            </a:extLst>
+          </p:cNvPr>
+          <p:cNvSpPr>
+            <a:spLocks noGrp="1"/>
+          </p:cNvSpPr>
+          <p:nvPr>
+            <p:ph type="title"/>
+          </p:nvPr>
+        </p:nvSpPr>
+        <p:spPr>
+          <a:xfrm>
+            <a:off x="723900" y="502894"/>
+            <a:ext cx="8686800" cy="1160806"/>
+          </a:xfrm>
+        </p:spPr>
+        <p:txBody>
+          <a:bodyPr>
+            <a:normAutofit/>
+          </a:bodyPr>
+          <a:lstStyle/>
+          <a:p>
+            <a:r>
+              <a:rPr lang="en-US" sz="2400" dirty="0" err="1">
+                <a:latin typeface="Times New Roman" panose="02020603050405020304" pitchFamily="18" charset="0"/>
+                <a:cs typeface="Times New Roman" panose="02020603050405020304" pitchFamily="18" charset="0"/>
+              </a:rPr>
+              <a:t>Sơ</a:t>
+            </a:r>
+            <a:r>
+              <a:rPr lang="en-US" sz="2400" dirty="0">
+                <a:latin typeface="Times New Roman" panose="02020603050405020304" pitchFamily="18" charset="0"/>
+                <a:cs typeface="Times New Roman" panose="02020603050405020304" pitchFamily="18" charset="0"/>
+              </a:rPr>
+              <a:t> </a:t>
+            </a:r>
+            <a:r>
+              <a:rPr lang="en-US" sz="2400" dirty="0" err="1">
+                <a:latin typeface="Times New Roman" panose="02020603050405020304" pitchFamily="18" charset="0"/>
+                <a:cs typeface="Times New Roman" panose="02020603050405020304" pitchFamily="18" charset="0"/>
+              </a:rPr>
+              <a:t>đồ</a:t>
+            </a:r>
+            <a:r>
+              <a:rPr lang="en-US" sz="2400" dirty="0">
+                <a:latin typeface="Times New Roman" panose="02020603050405020304" pitchFamily="18" charset="0"/>
+                <a:cs typeface="Times New Roman" panose="02020603050405020304" pitchFamily="18" charset="0"/>
+              </a:rPr>
+              <a:t> sequence </a:t>
+            </a:r>
+            <a:r>
+              <a:rPr lang="en-US" sz="2400" dirty="0" err="1">
+                <a:latin typeface="Times New Roman" panose="02020603050405020304" pitchFamily="18" charset="0"/>
+                <a:cs typeface="Times New Roman" panose="02020603050405020304" pitchFamily="18" charset="0"/>
+              </a:rPr>
+              <a:t>đăng</a:t>
+            </a:r>
+            <a:r>
+              <a:rPr lang="en-US" sz="2400" dirty="0">
+                <a:latin typeface="Times New Roman" panose="02020603050405020304" pitchFamily="18" charset="0"/>
+                <a:cs typeface="Times New Roman" panose="02020603050405020304" pitchFamily="18" charset="0"/>
+              </a:rPr>
+              <a:t> </a:t>
+            </a:r>
+            <a:r>
+              <a:rPr lang="en-US" sz="2400" dirty="0" err="1">
+                <a:latin typeface="Times New Roman" panose="02020603050405020304" pitchFamily="18" charset="0"/>
+                <a:cs typeface="Times New Roman" panose="02020603050405020304" pitchFamily="18" charset="0"/>
+              </a:rPr>
+              <a:t>xuất</a:t>
+            </a:r>
+            <a:br>
+              <a:rPr lang="en-US" sz="2400" dirty="0">
+                <a:latin typeface="Times New Roman" panose="02020603050405020304" pitchFamily="18" charset="0"/>
+                <a:cs typeface="Times New Roman" panose="02020603050405020304" pitchFamily="18" charset="0"/>
+              </a:rPr>
+            </a:br>
+            <a:endParaRPr lang="en-US" sz="2400" dirty="0">
+              <a:latin typeface="Times New Roman" panose="02020603050405020304" pitchFamily="18" charset="0"/>
+              <a:cs typeface="Times New Roman" panose="02020603050405020304" pitchFamily="18" charset="0"/>
+            </a:endParaRPr>
+          </a:p>
+        </p:txBody>
+      </p:sp>
+      <p:pic>
+        <p:nvPicPr>
+          <p:cNvPr id="3" name="Picture 2">
+            <a:extLst>
+              <a:ext uri="{FF2B5EF4-FFF2-40B4-BE49-F238E27FC236}">
+                <a16:creationId xmlns:a16="http://schemas.microsoft.com/office/drawing/2014/main" id="{9DE8587B-0412-78A1-9D17-BFCDAF458F51}"/>
+              </a:ext>
+            </a:extLst>
+          </p:cNvPr>
+          <p:cNvPicPr>
+            <a:picLocks noChangeAspect="1"/>
+          </p:cNvPicPr>
+          <p:nvPr/>
+        </p:nvPicPr>
+        <p:blipFill>
+          <a:blip r:embed="rId2"/>
+          <a:stretch>
+            <a:fillRect/>
+          </a:stretch>
+        </p:blipFill>
+        <p:spPr>
+          <a:xfrm>
+            <a:off x="1643586" y="1362291"/>
+            <a:ext cx="8371428" cy="3466667"/>
+          </a:xfrm>
+          <a:prstGeom prst="rect">
+            <a:avLst/>
+          </a:prstGeom>
+        </p:spPr>
+      </p:pic>
+    </p:spTree>
+    <p:extLst>
+      <p:ext uri="{BB962C8B-B14F-4D97-AF65-F5344CB8AC3E}">
+        <p14:creationId xmlns:p14="http://schemas.microsoft.com/office/powerpoint/2010/main" val="1786360"/>
+      </p:ext>
+    </p:extLst>
+  </p:cSld>
+  <p:clrMapOvr>
+    <a:masterClrMapping/>
+  </p:clrMapOvr>
+</p:sld>
+</file>
+
+<file path=ppt/slides/slide22.xml><?xml version="1.0" encoding="utf-8"?>
+<p:sld xmlns:a="http://schemas.openxmlformats.org/drawingml/2006/main" xmlns:r="http://schemas.openxmlformats.org/officeDocument/2006/relationships" xmlns:p="http://schemas.openxmlformats.org/presentationml/2006/main">
+  <p:cSld>
+    <p:spTree>
+      <p:nvGrpSpPr>
+        <p:cNvPr id="1" name=""/>
+        <p:cNvGrpSpPr/>
+        <p:nvPr/>
+      </p:nvGrpSpPr>
+      <p:grpSpPr>
+        <a:xfrm>
+          <a:off x="0" y="0"/>
+          <a:ext cx="0" cy="0"/>
+          <a:chOff x="0" y="0"/>
+          <a:chExt cx="0" cy="0"/>
+        </a:xfrm>
+      </p:grpSpPr>
+      <p:sp>
+        <p:nvSpPr>
+          <p:cNvPr id="6" name="Title 5">
+            <a:extLst>
+              <a:ext uri="{FF2B5EF4-FFF2-40B4-BE49-F238E27FC236}">
+                <a16:creationId xmlns:a16="http://schemas.microsoft.com/office/drawing/2014/main" id="{3159BF06-B474-577F-1998-DA101587A2C1}"/>
+              </a:ext>
+            </a:extLst>
+          </p:cNvPr>
+          <p:cNvSpPr>
+            <a:spLocks noGrp="1"/>
+          </p:cNvSpPr>
+          <p:nvPr>
+            <p:ph type="title"/>
+          </p:nvPr>
+        </p:nvSpPr>
+        <p:spPr>
+          <a:xfrm>
+            <a:off x="723900" y="502894"/>
+            <a:ext cx="8686800" cy="1160806"/>
+          </a:xfrm>
+        </p:spPr>
+        <p:txBody>
+          <a:bodyPr>
+            <a:normAutofit/>
+          </a:bodyPr>
+          <a:lstStyle/>
+          <a:p>
+            <a:r>
+              <a:rPr lang="en-US" sz="2400" dirty="0" err="1">
+                <a:latin typeface="Times New Roman" panose="02020603050405020304" pitchFamily="18" charset="0"/>
+                <a:cs typeface="Times New Roman" panose="02020603050405020304" pitchFamily="18" charset="0"/>
+              </a:rPr>
+              <a:t>Sơ</a:t>
+            </a:r>
+            <a:r>
+              <a:rPr lang="en-US" sz="2400" dirty="0">
+                <a:latin typeface="Times New Roman" panose="02020603050405020304" pitchFamily="18" charset="0"/>
+                <a:cs typeface="Times New Roman" panose="02020603050405020304" pitchFamily="18" charset="0"/>
+              </a:rPr>
+              <a:t> </a:t>
+            </a:r>
+            <a:r>
+              <a:rPr lang="en-US" sz="2400" dirty="0" err="1">
+                <a:latin typeface="Times New Roman" panose="02020603050405020304" pitchFamily="18" charset="0"/>
+                <a:cs typeface="Times New Roman" panose="02020603050405020304" pitchFamily="18" charset="0"/>
+              </a:rPr>
+              <a:t>đồ</a:t>
+            </a:r>
+            <a:r>
+              <a:rPr lang="en-US" sz="2400" dirty="0">
+                <a:latin typeface="Times New Roman" panose="02020603050405020304" pitchFamily="18" charset="0"/>
+                <a:cs typeface="Times New Roman" panose="02020603050405020304" pitchFamily="18" charset="0"/>
+              </a:rPr>
+              <a:t> state </a:t>
+            </a:r>
+            <a:r>
+              <a:rPr lang="en-US" sz="2400" dirty="0" err="1">
+                <a:latin typeface="Times New Roman" panose="02020603050405020304" pitchFamily="18" charset="0"/>
+                <a:cs typeface="Times New Roman" panose="02020603050405020304" pitchFamily="18" charset="0"/>
+              </a:rPr>
+              <a:t>đăng</a:t>
+            </a:r>
+            <a:r>
+              <a:rPr lang="en-US" sz="2400" dirty="0">
+                <a:latin typeface="Times New Roman" panose="02020603050405020304" pitchFamily="18" charset="0"/>
+                <a:cs typeface="Times New Roman" panose="02020603050405020304" pitchFamily="18" charset="0"/>
+              </a:rPr>
+              <a:t> </a:t>
+            </a:r>
+            <a:r>
+              <a:rPr lang="en-US" sz="2400" dirty="0" err="1">
+                <a:latin typeface="Times New Roman" panose="02020603050405020304" pitchFamily="18" charset="0"/>
+                <a:cs typeface="Times New Roman" panose="02020603050405020304" pitchFamily="18" charset="0"/>
+              </a:rPr>
+              <a:t>nhập</a:t>
+            </a:r>
+            <a:endParaRPr lang="en-US" sz="2400" dirty="0">
+              <a:latin typeface="Times New Roman" panose="02020603050405020304" pitchFamily="18" charset="0"/>
+              <a:cs typeface="Times New Roman" panose="02020603050405020304" pitchFamily="18" charset="0"/>
+            </a:endParaRPr>
+          </a:p>
+        </p:txBody>
+      </p:sp>
+      <p:pic>
+        <p:nvPicPr>
+          <p:cNvPr id="3" name="Picture 2">
+            <a:extLst>
+              <a:ext uri="{FF2B5EF4-FFF2-40B4-BE49-F238E27FC236}">
+                <a16:creationId xmlns:a16="http://schemas.microsoft.com/office/drawing/2014/main" id="{27B6EC7F-ACB9-F24D-E103-5F9CBEEB0020}"/>
+              </a:ext>
+            </a:extLst>
+          </p:cNvPr>
+          <p:cNvPicPr>
+            <a:picLocks noChangeAspect="1"/>
+          </p:cNvPicPr>
+          <p:nvPr/>
+        </p:nvPicPr>
+        <p:blipFill>
+          <a:blip r:embed="rId2"/>
+          <a:stretch>
+            <a:fillRect/>
+          </a:stretch>
+        </p:blipFill>
+        <p:spPr>
+          <a:xfrm>
+            <a:off x="3481714" y="1486143"/>
+            <a:ext cx="5228571" cy="3885714"/>
+          </a:xfrm>
+          <a:prstGeom prst="rect">
+            <a:avLst/>
+          </a:prstGeom>
+        </p:spPr>
+      </p:pic>
+    </p:spTree>
+    <p:extLst>
+      <p:ext uri="{BB962C8B-B14F-4D97-AF65-F5344CB8AC3E}">
+        <p14:creationId xmlns:p14="http://schemas.microsoft.com/office/powerpoint/2010/main" val="1099520682"/>
+      </p:ext>
+    </p:extLst>
+  </p:cSld>
+  <p:clrMapOvr>
+    <a:masterClrMapping/>
+  </p:clrMapOvr>
+</p:sld>
+</file>
+
+<file path=ppt/slides/slide23.xml><?xml version="1.0" encoding="utf-8"?>
+<p:sld xmlns:a="http://schemas.openxmlformats.org/drawingml/2006/main" xmlns:r="http://schemas.openxmlformats.org/officeDocument/2006/relationships" xmlns:p="http://schemas.openxmlformats.org/presentationml/2006/main">
+  <p:cSld>
+    <p:spTree>
+      <p:nvGrpSpPr>
+        <p:cNvPr id="1" name=""/>
+        <p:cNvGrpSpPr/>
+        <p:nvPr/>
+      </p:nvGrpSpPr>
+      <p:grpSpPr>
+        <a:xfrm>
+          <a:off x="0" y="0"/>
+          <a:ext cx="0" cy="0"/>
+          <a:chOff x="0" y="0"/>
+          <a:chExt cx="0" cy="0"/>
+        </a:xfrm>
+      </p:grpSpPr>
+      <p:sp>
+        <p:nvSpPr>
+          <p:cNvPr id="2" name="Title 1">
+            <a:extLst>
+              <a:ext uri="{FF2B5EF4-FFF2-40B4-BE49-F238E27FC236}">
+                <a16:creationId xmlns:a16="http://schemas.microsoft.com/office/drawing/2014/main" id="{A97EDF3C-761E-3268-1470-2C6399FA4A86}"/>
+              </a:ext>
+            </a:extLst>
+          </p:cNvPr>
+          <p:cNvSpPr>
+            <a:spLocks noGrp="1"/>
+          </p:cNvSpPr>
+          <p:nvPr>
+            <p:ph type="title"/>
+          </p:nvPr>
+        </p:nvSpPr>
+        <p:spPr/>
+        <p:txBody>
+          <a:bodyPr/>
+          <a:lstStyle/>
+          <a:p>
+            <a:r>
+              <a:rPr lang="en-US"/>
+              <a:t>Vũ Hoàng Tuấn Anh</a:t>
+            </a:r>
+          </a:p>
+        </p:txBody>
+      </p:sp>
+      <p:sp>
+        <p:nvSpPr>
+          <p:cNvPr id="3" name="Content Placeholder 2">
+            <a:extLst>
+              <a:ext uri="{FF2B5EF4-FFF2-40B4-BE49-F238E27FC236}">
+                <a16:creationId xmlns:a16="http://schemas.microsoft.com/office/drawing/2014/main" id="{6DC4A686-CE78-AE64-FE35-4229EBFC4298}"/>
+              </a:ext>
+            </a:extLst>
+          </p:cNvPr>
+          <p:cNvSpPr>
+            <a:spLocks noGrp="1"/>
+          </p:cNvSpPr>
+          <p:nvPr>
+            <p:ph idx="1"/>
+          </p:nvPr>
+        </p:nvSpPr>
+        <p:spPr/>
+        <p:txBody>
+          <a:bodyPr/>
+          <a:lstStyle/>
+          <a:p>
+            <a:endParaRPr lang="en-US"/>
+          </a:p>
+        </p:txBody>
+      </p:sp>
+    </p:spTree>
+    <p:extLst>
+      <p:ext uri="{BB962C8B-B14F-4D97-AF65-F5344CB8AC3E}">
+        <p14:creationId xmlns:p14="http://schemas.microsoft.com/office/powerpoint/2010/main" val="3142229788"/>
+      </p:ext>
+    </p:extLst>
+  </p:cSld>
+  <p:clrMapOvr>
+    <a:masterClrMapping/>
+  </p:clrMapOvr>
+</p:sld>
+</file>
+
+<file path=ppt/slides/slide24.xml><?xml version="1.0" encoding="utf-8"?>
+<p:sld xmlns:a="http://schemas.openxmlformats.org/drawingml/2006/main" xmlns:r="http://schemas.openxmlformats.org/officeDocument/2006/relationships" xmlns:p="http://schemas.openxmlformats.org/presentationml/2006/main">
+  <p:cSld>
+    <p:spTree>
+      <p:nvGrpSpPr>
+        <p:cNvPr id="1" name=""/>
+        <p:cNvGrpSpPr/>
+        <p:nvPr/>
+      </p:nvGrpSpPr>
+      <p:grpSpPr>
+        <a:xfrm>
+          <a:off x="0" y="0"/>
+          <a:ext cx="0" cy="0"/>
+          <a:chOff x="0" y="0"/>
+          <a:chExt cx="0" cy="0"/>
+        </a:xfrm>
+      </p:grpSpPr>
+      <p:sp>
+        <p:nvSpPr>
+          <p:cNvPr id="2" name="Title 1">
+            <a:extLst>
+              <a:ext uri="{FF2B5EF4-FFF2-40B4-BE49-F238E27FC236}">
+                <a16:creationId xmlns:a16="http://schemas.microsoft.com/office/drawing/2014/main" id="{11936EE5-FF61-8E79-3B53-9844B2C4833B}"/>
+              </a:ext>
+            </a:extLst>
+          </p:cNvPr>
+          <p:cNvSpPr>
+            <a:spLocks noGrp="1"/>
+          </p:cNvSpPr>
+          <p:nvPr>
+            <p:ph type="title"/>
+          </p:nvPr>
+        </p:nvSpPr>
+        <p:spPr/>
+        <p:txBody>
+          <a:bodyPr/>
+          <a:lstStyle/>
+          <a:p>
+            <a:r>
+              <a:rPr lang="en-US"/>
+              <a:t>Nguyễn Đình Khiêm</a:t>
+            </a:r>
+          </a:p>
+        </p:txBody>
+      </p:sp>
+      <p:sp>
+        <p:nvSpPr>
+          <p:cNvPr id="3" name="Content Placeholder 2">
+            <a:extLst>
+              <a:ext uri="{FF2B5EF4-FFF2-40B4-BE49-F238E27FC236}">
+                <a16:creationId xmlns:a16="http://schemas.microsoft.com/office/drawing/2014/main" id="{3A772C2E-295C-9D54-BCC6-AB848C21D117}"/>
+              </a:ext>
+            </a:extLst>
+          </p:cNvPr>
+          <p:cNvSpPr>
+            <a:spLocks noGrp="1"/>
+          </p:cNvSpPr>
+          <p:nvPr>
+            <p:ph idx="1"/>
+          </p:nvPr>
+        </p:nvSpPr>
+        <p:spPr/>
+        <p:txBody>
+          <a:bodyPr/>
+          <a:lstStyle/>
+          <a:p>
+            <a:endParaRPr lang="en-US"/>
+          </a:p>
+        </p:txBody>
+      </p:sp>
+    </p:spTree>
+    <p:extLst>
+      <p:ext uri="{BB962C8B-B14F-4D97-AF65-F5344CB8AC3E}">
+        <p14:creationId xmlns:p14="http://schemas.microsoft.com/office/powerpoint/2010/main" val="1862807584"/>
+      </p:ext>
+    </p:extLst>
+  </p:cSld>
+  <p:clrMapOvr>
+    <a:masterClrMapping/>
+  </p:clrMapOvr>
+</p:sld>
+</file>
+
 <file path=ppt/slides/slide3.xml><?xml version="1.0" encoding="utf-8"?>
 <p:sld xmlns:a="http://schemas.openxmlformats.org/drawingml/2006/main" xmlns:r="http://schemas.openxmlformats.org/officeDocument/2006/relationships" xmlns:p="http://schemas.openxmlformats.org/presentationml/2006/main">
   <p:cSld>
@@ -5888,7 +10108,7 @@
           <a:lstStyle/>
           <a:p>
             <a:r>
-              <a:rPr lang="en-US" sz="2000">
+              <a:rPr lang="en-US" sz="2000" dirty="0">
                 <a:latin typeface="Times New Roman" panose="02020603050405020304" pitchFamily="18" charset="0"/>
                 <a:cs typeface="Times New Roman" panose="02020603050405020304" pitchFamily="18" charset="0"/>
               </a:rPr>
@@ -5999,21 +10219,193 @@
               <a:buChar char="v"/>
             </a:pPr>
             <a:r>
-              <a:rPr lang="en-US" sz="2000">
-                <a:latin typeface="Times New Roman" panose="02020603050405020304" pitchFamily="18" charset="0"/>
-                <a:cs typeface="Times New Roman" panose="02020603050405020304" pitchFamily="18" charset="0"/>
-              </a:rPr>
-              <a:t>Chức năng quản lí mượn trả sách tại cửa hàng của quản thư</a:t>
-            </a:r>
+              <a:rPr lang="en-US" sz="2000" dirty="0" err="1">
+                <a:latin typeface="Times New Roman" panose="02020603050405020304" pitchFamily="18" charset="0"/>
+                <a:cs typeface="Times New Roman" panose="02020603050405020304" pitchFamily="18" charset="0"/>
+              </a:rPr>
+              <a:t>Chức</a:t>
+            </a:r>
+            <a:r>
+              <a:rPr lang="en-US" sz="2000" dirty="0">
+                <a:latin typeface="Times New Roman" panose="02020603050405020304" pitchFamily="18" charset="0"/>
+                <a:cs typeface="Times New Roman" panose="02020603050405020304" pitchFamily="18" charset="0"/>
+              </a:rPr>
+              <a:t> </a:t>
+            </a:r>
+            <a:r>
+              <a:rPr lang="en-US" sz="2000" dirty="0" err="1">
+                <a:latin typeface="Times New Roman" panose="02020603050405020304" pitchFamily="18" charset="0"/>
+                <a:cs typeface="Times New Roman" panose="02020603050405020304" pitchFamily="18" charset="0"/>
+              </a:rPr>
+              <a:t>năng</a:t>
+            </a:r>
+            <a:r>
+              <a:rPr lang="en-US" sz="2000" dirty="0">
+                <a:latin typeface="Times New Roman" panose="02020603050405020304" pitchFamily="18" charset="0"/>
+                <a:cs typeface="Times New Roman" panose="02020603050405020304" pitchFamily="18" charset="0"/>
+              </a:rPr>
+              <a:t> </a:t>
+            </a:r>
+            <a:r>
+              <a:rPr lang="en-US" sz="2000" dirty="0" err="1">
+                <a:latin typeface="Times New Roman" panose="02020603050405020304" pitchFamily="18" charset="0"/>
+                <a:cs typeface="Times New Roman" panose="02020603050405020304" pitchFamily="18" charset="0"/>
+              </a:rPr>
+              <a:t>quản</a:t>
+            </a:r>
+            <a:r>
+              <a:rPr lang="en-US" sz="2000" dirty="0">
+                <a:latin typeface="Times New Roman" panose="02020603050405020304" pitchFamily="18" charset="0"/>
+                <a:cs typeface="Times New Roman" panose="02020603050405020304" pitchFamily="18" charset="0"/>
+              </a:rPr>
+              <a:t> </a:t>
+            </a:r>
+            <a:r>
+              <a:rPr lang="en-US" sz="2000" dirty="0" err="1">
+                <a:latin typeface="Times New Roman" panose="02020603050405020304" pitchFamily="18" charset="0"/>
+                <a:cs typeface="Times New Roman" panose="02020603050405020304" pitchFamily="18" charset="0"/>
+              </a:rPr>
+              <a:t>lí</a:t>
+            </a:r>
+            <a:r>
+              <a:rPr lang="en-US" sz="2000" dirty="0">
+                <a:latin typeface="Times New Roman" panose="02020603050405020304" pitchFamily="18" charset="0"/>
+                <a:cs typeface="Times New Roman" panose="02020603050405020304" pitchFamily="18" charset="0"/>
+              </a:rPr>
+              <a:t> </a:t>
+            </a:r>
+            <a:r>
+              <a:rPr lang="en-US" sz="2000" dirty="0" err="1">
+                <a:latin typeface="Times New Roman" panose="02020603050405020304" pitchFamily="18" charset="0"/>
+                <a:cs typeface="Times New Roman" panose="02020603050405020304" pitchFamily="18" charset="0"/>
+              </a:rPr>
+              <a:t>mượn</a:t>
+            </a:r>
+            <a:r>
+              <a:rPr lang="en-US" sz="2000" dirty="0">
+                <a:latin typeface="Times New Roman" panose="02020603050405020304" pitchFamily="18" charset="0"/>
+                <a:cs typeface="Times New Roman" panose="02020603050405020304" pitchFamily="18" charset="0"/>
+              </a:rPr>
+              <a:t> </a:t>
+            </a:r>
+            <a:r>
+              <a:rPr lang="en-US" sz="2000" dirty="0" err="1">
+                <a:latin typeface="Times New Roman" panose="02020603050405020304" pitchFamily="18" charset="0"/>
+                <a:cs typeface="Times New Roman" panose="02020603050405020304" pitchFamily="18" charset="0"/>
+              </a:rPr>
+              <a:t>trả</a:t>
+            </a:r>
+            <a:r>
+              <a:rPr lang="en-US" sz="2000" dirty="0">
+                <a:latin typeface="Times New Roman" panose="02020603050405020304" pitchFamily="18" charset="0"/>
+                <a:cs typeface="Times New Roman" panose="02020603050405020304" pitchFamily="18" charset="0"/>
+              </a:rPr>
+              <a:t> </a:t>
+            </a:r>
+            <a:r>
+              <a:rPr lang="en-US" sz="2000" dirty="0" err="1">
+                <a:latin typeface="Times New Roman" panose="02020603050405020304" pitchFamily="18" charset="0"/>
+                <a:cs typeface="Times New Roman" panose="02020603050405020304" pitchFamily="18" charset="0"/>
+              </a:rPr>
+              <a:t>sách</a:t>
+            </a:r>
+            <a:r>
+              <a:rPr lang="en-US" sz="2000" dirty="0">
+                <a:latin typeface="Times New Roman" panose="02020603050405020304" pitchFamily="18" charset="0"/>
+                <a:cs typeface="Times New Roman" panose="02020603050405020304" pitchFamily="18" charset="0"/>
+              </a:rPr>
+              <a:t> </a:t>
+            </a:r>
+            <a:r>
+              <a:rPr lang="en-US" sz="2000" dirty="0" err="1">
+                <a:latin typeface="Times New Roman" panose="02020603050405020304" pitchFamily="18" charset="0"/>
+                <a:cs typeface="Times New Roman" panose="02020603050405020304" pitchFamily="18" charset="0"/>
+              </a:rPr>
+              <a:t>tại</a:t>
+            </a:r>
+            <a:r>
+              <a:rPr lang="en-US" sz="2000" dirty="0">
+                <a:latin typeface="Times New Roman" panose="02020603050405020304" pitchFamily="18" charset="0"/>
+                <a:cs typeface="Times New Roman" panose="02020603050405020304" pitchFamily="18" charset="0"/>
+              </a:rPr>
+              <a:t> </a:t>
+            </a:r>
+            <a:r>
+              <a:rPr lang="en-US" sz="2000" dirty="0" err="1">
+                <a:latin typeface="Times New Roman" panose="02020603050405020304" pitchFamily="18" charset="0"/>
+                <a:cs typeface="Times New Roman" panose="02020603050405020304" pitchFamily="18" charset="0"/>
+              </a:rPr>
+              <a:t>cửa</a:t>
+            </a:r>
+            <a:r>
+              <a:rPr lang="en-US" sz="2000" dirty="0">
+                <a:latin typeface="Times New Roman" panose="02020603050405020304" pitchFamily="18" charset="0"/>
+                <a:cs typeface="Times New Roman" panose="02020603050405020304" pitchFamily="18" charset="0"/>
+              </a:rPr>
+              <a:t> </a:t>
+            </a:r>
+            <a:r>
+              <a:rPr lang="en-US" sz="2000" dirty="0" err="1">
+                <a:latin typeface="Times New Roman" panose="02020603050405020304" pitchFamily="18" charset="0"/>
+                <a:cs typeface="Times New Roman" panose="02020603050405020304" pitchFamily="18" charset="0"/>
+              </a:rPr>
+              <a:t>hàng</a:t>
+            </a:r>
+            <a:r>
+              <a:rPr lang="en-US" sz="2000" dirty="0">
+                <a:latin typeface="Times New Roman" panose="02020603050405020304" pitchFamily="18" charset="0"/>
+                <a:cs typeface="Times New Roman" panose="02020603050405020304" pitchFamily="18" charset="0"/>
+              </a:rPr>
+              <a:t> </a:t>
+            </a:r>
+            <a:r>
+              <a:rPr lang="en-US" sz="2000" dirty="0" err="1">
+                <a:latin typeface="Times New Roman" panose="02020603050405020304" pitchFamily="18" charset="0"/>
+                <a:cs typeface="Times New Roman" panose="02020603050405020304" pitchFamily="18" charset="0"/>
+              </a:rPr>
+              <a:t>của</a:t>
+            </a:r>
+            <a:r>
+              <a:rPr lang="en-US" sz="2000" dirty="0">
+                <a:latin typeface="Times New Roman" panose="02020603050405020304" pitchFamily="18" charset="0"/>
+                <a:cs typeface="Times New Roman" panose="02020603050405020304" pitchFamily="18" charset="0"/>
+              </a:rPr>
+              <a:t> </a:t>
+            </a:r>
+            <a:r>
+              <a:rPr lang="en-US" sz="2000" dirty="0" err="1">
+                <a:latin typeface="Times New Roman" panose="02020603050405020304" pitchFamily="18" charset="0"/>
+                <a:cs typeface="Times New Roman" panose="02020603050405020304" pitchFamily="18" charset="0"/>
+              </a:rPr>
+              <a:t>quản</a:t>
+            </a:r>
+            <a:r>
+              <a:rPr lang="en-US" sz="2000" dirty="0">
+                <a:latin typeface="Times New Roman" panose="02020603050405020304" pitchFamily="18" charset="0"/>
+                <a:cs typeface="Times New Roman" panose="02020603050405020304" pitchFamily="18" charset="0"/>
+              </a:rPr>
+              <a:t> </a:t>
+            </a:r>
+            <a:r>
+              <a:rPr lang="en-US" sz="2000" dirty="0" err="1">
+                <a:latin typeface="Times New Roman" panose="02020603050405020304" pitchFamily="18" charset="0"/>
+                <a:cs typeface="Times New Roman" panose="02020603050405020304" pitchFamily="18" charset="0"/>
+              </a:rPr>
+              <a:t>thư</a:t>
+            </a:r>
+            <a:endParaRPr lang="en-US" sz="2000" dirty="0">
+              <a:latin typeface="Times New Roman" panose="02020603050405020304" pitchFamily="18" charset="0"/>
+              <a:cs typeface="Times New Roman" panose="02020603050405020304" pitchFamily="18" charset="0"/>
+            </a:endParaRPr>
           </a:p>
         </p:txBody>
       </p:sp>
       <p:pic>
         <p:nvPicPr>
-          <p:cNvPr id="7" name="Picture 6">
+          <p:cNvPr id="8" name="Picture 7">
             <a:extLst>
               <a:ext uri="{FF2B5EF4-FFF2-40B4-BE49-F238E27FC236}">
-                <a16:creationId xmlns:a16="http://schemas.microsoft.com/office/drawing/2014/main" id="{40CD1CE6-5040-46C3-0898-1E8D0A1079A1}"/>
+                <a16:creationId xmlns:a16="http://schemas.microsoft.com/office/drawing/2014/main" id="{E24C654F-894C-93C5-F398-4E4A18099562}"/>
               </a:ext>
             </a:extLst>
           </p:cNvPr>
@@ -6023,104 +10415,27 @@
           <p:nvPr/>
         </p:nvPicPr>
         <p:blipFill>
-          <a:blip r:embed="rId2"/>
+          <a:blip r:embed="rId2">
+            <a:extLst>
+              <a:ext uri="{28A0092B-C50C-407E-A947-70E740481C1C}">
+                <a14:useLocalDpi xmlns:a14="http://schemas.microsoft.com/office/drawing/2010/main" val="0"/>
+              </a:ext>
+            </a:extLst>
+          </a:blip>
           <a:stretch>
             <a:fillRect/>
           </a:stretch>
         </p:blipFill>
         <p:spPr>
           <a:xfrm>
-            <a:off x="3870608" y="2029968"/>
-            <a:ext cx="4450784" cy="3625724"/>
+            <a:off x="3291636" y="2014166"/>
+            <a:ext cx="5608728" cy="4474998"/>
           </a:xfrm>
           <a:prstGeom prst="rect">
             <a:avLst/>
           </a:prstGeom>
         </p:spPr>
       </p:pic>
-      <p:sp>
-        <p:nvSpPr>
-          <p:cNvPr id="4" name="Oval 3">
-            <a:extLst>
-              <a:ext uri="{FF2B5EF4-FFF2-40B4-BE49-F238E27FC236}">
-                <a16:creationId xmlns:a16="http://schemas.microsoft.com/office/drawing/2014/main" id="{F927F7AA-FAB8-F04A-41A1-D5573246DAC3}"/>
-              </a:ext>
-            </a:extLst>
-          </p:cNvPr>
-          <p:cNvSpPr/>
-          <p:nvPr/>
-        </p:nvSpPr>
-        <p:spPr>
-          <a:xfrm>
-            <a:off x="5334000" y="2790826"/>
-            <a:ext cx="952500" cy="638174"/>
-          </a:xfrm>
-          <a:prstGeom prst="ellipse">
-            <a:avLst/>
-          </a:prstGeom>
-        </p:spPr>
-        <p:style>
-          <a:lnRef idx="2">
-            <a:schemeClr val="dk1"/>
-          </a:lnRef>
-          <a:fillRef idx="1">
-            <a:schemeClr val="lt1"/>
-          </a:fillRef>
-          <a:effectRef idx="0">
-            <a:schemeClr val="dk1"/>
-          </a:effectRef>
-          <a:fontRef idx="minor">
-            <a:schemeClr val="dk1"/>
-          </a:fontRef>
-        </p:style>
-        <p:txBody>
-          <a:bodyPr rtlCol="0" anchor="ctr"/>
-          <a:lstStyle/>
-          <a:p>
-            <a:pPr algn="ctr"/>
-            <a:endParaRPr lang="en-US"/>
-          </a:p>
-        </p:txBody>
-      </p:sp>
-      <p:sp>
-        <p:nvSpPr>
-          <p:cNvPr id="6" name="TextBox 5">
-            <a:extLst>
-              <a:ext uri="{FF2B5EF4-FFF2-40B4-BE49-F238E27FC236}">
-                <a16:creationId xmlns:a16="http://schemas.microsoft.com/office/drawing/2014/main" id="{55A423EA-574A-92B1-92DB-547923987A8F}"/>
-              </a:ext>
-            </a:extLst>
-          </p:cNvPr>
-          <p:cNvSpPr txBox="1"/>
-          <p:nvPr/>
-        </p:nvSpPr>
-        <p:spPr>
-          <a:xfrm>
-            <a:off x="5238750" y="2994497"/>
-            <a:ext cx="1142999" cy="230832"/>
-          </a:xfrm>
-          <a:prstGeom prst="rect">
-            <a:avLst/>
-          </a:prstGeom>
-          <a:noFill/>
-        </p:spPr>
-        <p:txBody>
-          <a:bodyPr wrap="square" rtlCol="0">
-            <a:spAutoFit/>
-          </a:bodyPr>
-          <a:lstStyle/>
-          <a:p>
-            <a:pPr algn="ctr"/>
-            <a:r>
-              <a:rPr lang="en-US" sz="900">
-                <a:latin typeface="Times New Roman" panose="02020603050405020304" pitchFamily="18" charset="0"/>
-                <a:cs typeface="Times New Roman" panose="02020603050405020304" pitchFamily="18" charset="0"/>
-              </a:rPr>
-              <a:t>Độc giả mượn sách</a:t>
-            </a:r>
-          </a:p>
-        </p:txBody>
-      </p:sp>
     </p:spTree>
     <p:extLst>
       <p:ext uri="{BB962C8B-B14F-4D97-AF65-F5344CB8AC3E}">
@@ -6135,6 +10450,72 @@
 </file>
 
 <file path=ppt/slides/slide4.xml><?xml version="1.0" encoding="utf-8"?>
+<p:sld xmlns:a="http://schemas.openxmlformats.org/drawingml/2006/main" xmlns:r="http://schemas.openxmlformats.org/officeDocument/2006/relationships" xmlns:p="http://schemas.openxmlformats.org/presentationml/2006/main">
+  <p:cSld>
+    <p:spTree>
+      <p:nvGrpSpPr>
+        <p:cNvPr id="1" name=""/>
+        <p:cNvGrpSpPr/>
+        <p:nvPr/>
+      </p:nvGrpSpPr>
+      <p:grpSpPr>
+        <a:xfrm>
+          <a:off x="0" y="0"/>
+          <a:ext cx="0" cy="0"/>
+          <a:chOff x="0" y="0"/>
+          <a:chExt cx="0" cy="0"/>
+        </a:xfrm>
+      </p:grpSpPr>
+      <p:pic>
+        <p:nvPicPr>
+          <p:cNvPr id="4" name="Picture 3">
+            <a:extLst>
+              <a:ext uri="{FF2B5EF4-FFF2-40B4-BE49-F238E27FC236}">
+                <a16:creationId xmlns:a16="http://schemas.microsoft.com/office/drawing/2014/main" id="{8260C9B3-8D73-450A-276B-DD9286449C8E}"/>
+              </a:ext>
+            </a:extLst>
+          </p:cNvPr>
+          <p:cNvPicPr>
+            <a:picLocks noChangeAspect="1"/>
+          </p:cNvPicPr>
+          <p:nvPr/>
+        </p:nvPicPr>
+        <p:blipFill>
+          <a:blip r:embed="rId2">
+            <a:extLst>
+              <a:ext uri="{28A0092B-C50C-407E-A947-70E740481C1C}">
+                <a14:useLocalDpi xmlns:a14="http://schemas.microsoft.com/office/drawing/2010/main" val="0"/>
+              </a:ext>
+            </a:extLst>
+          </a:blip>
+          <a:stretch>
+            <a:fillRect/>
+          </a:stretch>
+        </p:blipFill>
+        <p:spPr>
+          <a:xfrm>
+            <a:off x="3215957" y="949325"/>
+            <a:ext cx="5760085" cy="4959350"/>
+          </a:xfrm>
+          <a:prstGeom prst="rect">
+            <a:avLst/>
+          </a:prstGeom>
+        </p:spPr>
+      </p:pic>
+    </p:spTree>
+    <p:extLst>
+      <p:ext uri="{BB962C8B-B14F-4D97-AF65-F5344CB8AC3E}">
+        <p14:creationId xmlns:p14="http://schemas.microsoft.com/office/powerpoint/2010/main" val="722860938"/>
+      </p:ext>
+    </p:extLst>
+  </p:cSld>
+  <p:clrMapOvr>
+    <a:masterClrMapping/>
+  </p:clrMapOvr>
+</p:sld>
+</file>
+
+<file path=ppt/slides/slide5.xml><?xml version="1.0" encoding="utf-8"?>
 <p:sld xmlns:a="http://schemas.openxmlformats.org/drawingml/2006/main" xmlns:r="http://schemas.openxmlformats.org/officeDocument/2006/relationships" xmlns:p="http://schemas.openxmlformats.org/presentationml/2006/main">
   <p:cSld>
     <p:spTree>
@@ -6642,7 +11023,7 @@
 </p:sld>
 </file>
 
-<file path=ppt/slides/slide5.xml><?xml version="1.0" encoding="utf-8"?>
+<file path=ppt/slides/slide6.xml><?xml version="1.0" encoding="utf-8"?>
 <p:sld xmlns:a="http://schemas.openxmlformats.org/drawingml/2006/main" xmlns:r="http://schemas.openxmlformats.org/officeDocument/2006/relationships" xmlns:p="http://schemas.openxmlformats.org/presentationml/2006/main">
   <p:cSld>
     <p:spTree>
@@ -7091,7 +11472,7 @@
 </p:sld>
 </file>
 
-<file path=ppt/slides/slide6.xml><?xml version="1.0" encoding="utf-8"?>
+<file path=ppt/slides/slide7.xml><?xml version="1.0" encoding="utf-8"?>
 <p:sld xmlns:a="http://schemas.openxmlformats.org/drawingml/2006/main" xmlns:r="http://schemas.openxmlformats.org/officeDocument/2006/relationships" xmlns:p="http://schemas.openxmlformats.org/presentationml/2006/main">
   <p:cSld>
     <p:spTree>
@@ -7554,7 +11935,7 @@
 </p:sld>
 </file>
 
-<file path=ppt/slides/slide7.xml><?xml version="1.0" encoding="utf-8"?>
+<file path=ppt/slides/slide8.xml><?xml version="1.0" encoding="utf-8"?>
 <p:sld xmlns:a="http://schemas.openxmlformats.org/drawingml/2006/main" xmlns:r="http://schemas.openxmlformats.org/officeDocument/2006/relationships" xmlns:p="http://schemas.openxmlformats.org/presentationml/2006/main">
   <p:cSld>
     <p:spTree>
@@ -7943,7 +12324,7 @@
 </p:sld>
 </file>
 
-<file path=ppt/slides/slide8.xml><?xml version="1.0" encoding="utf-8"?>
+<file path=ppt/slides/slide9.xml><?xml version="1.0" encoding="utf-8"?>
 <p:sld xmlns:a="http://schemas.openxmlformats.org/drawingml/2006/main" xmlns:r="http://schemas.openxmlformats.org/officeDocument/2006/relationships" xmlns:p="http://schemas.openxmlformats.org/presentationml/2006/main">
   <p:cSld>
     <p:spTree>
@@ -8335,218 +12716,6 @@
     <p:extLst>
       <p:ext uri="{BB962C8B-B14F-4D97-AF65-F5344CB8AC3E}">
         <p14:creationId xmlns:p14="http://schemas.microsoft.com/office/powerpoint/2010/main" val="2103269897"/>
-      </p:ext>
-    </p:extLst>
-  </p:cSld>
-  <p:clrMapOvr>
-    <a:masterClrMapping/>
-  </p:clrMapOvr>
-</p:sld>
-</file>
-
-<file path=ppt/slides/slide9.xml><?xml version="1.0" encoding="utf-8"?>
-<p:sld xmlns:a="http://schemas.openxmlformats.org/drawingml/2006/main" xmlns:r="http://schemas.openxmlformats.org/officeDocument/2006/relationships" xmlns:p="http://schemas.openxmlformats.org/presentationml/2006/main">
-  <p:cSld>
-    <p:spTree>
-      <p:nvGrpSpPr>
-        <p:cNvPr id="1" name=""/>
-        <p:cNvGrpSpPr/>
-        <p:nvPr/>
-      </p:nvGrpSpPr>
-      <p:grpSpPr>
-        <a:xfrm>
-          <a:off x="0" y="0"/>
-          <a:ext cx="0" cy="0"/>
-          <a:chOff x="0" y="0"/>
-          <a:chExt cx="0" cy="0"/>
-        </a:xfrm>
-      </p:grpSpPr>
-      <p:sp>
-        <p:nvSpPr>
-          <p:cNvPr id="3" name="Content Placeholder 2">
-            <a:extLst>
-              <a:ext uri="{FF2B5EF4-FFF2-40B4-BE49-F238E27FC236}">
-                <a16:creationId xmlns:a16="http://schemas.microsoft.com/office/drawing/2014/main" id="{C6D4FE10-CD5A-A909-EBDC-B41221A3BFFE}"/>
-              </a:ext>
-            </a:extLst>
-          </p:cNvPr>
-          <p:cNvSpPr>
-            <a:spLocks noGrp="1"/>
-          </p:cNvSpPr>
-          <p:nvPr>
-            <p:ph idx="1"/>
-          </p:nvPr>
-        </p:nvSpPr>
-        <p:spPr>
-          <a:xfrm>
-            <a:off x="714375" y="742950"/>
-            <a:ext cx="10887075" cy="5209794"/>
-          </a:xfrm>
-        </p:spPr>
-        <p:txBody>
-          <a:bodyPr/>
-          <a:lstStyle/>
-          <a:p>
-            <a:r>
-              <a:rPr lang="en-US" b="1">
-                <a:latin typeface="Times New Roman" panose="02020603050405020304" pitchFamily="18" charset="0"/>
-                <a:cs typeface="Times New Roman" panose="02020603050405020304" pitchFamily="18" charset="0"/>
-              </a:rPr>
-              <a:t>Sơ đồ Class </a:t>
-            </a:r>
-          </a:p>
-        </p:txBody>
-      </p:sp>
-      <p:pic>
-        <p:nvPicPr>
-          <p:cNvPr id="4" name="Picture 3">
-            <a:extLst>
-              <a:ext uri="{FF2B5EF4-FFF2-40B4-BE49-F238E27FC236}">
-                <a16:creationId xmlns:a16="http://schemas.microsoft.com/office/drawing/2014/main" id="{0D6BAF02-22B1-24E2-C88B-B85E28810A6D}"/>
-              </a:ext>
-            </a:extLst>
-          </p:cNvPr>
-          <p:cNvPicPr>
-            <a:picLocks noChangeAspect="1"/>
-          </p:cNvPicPr>
-          <p:nvPr/>
-        </p:nvPicPr>
-        <p:blipFill>
-          <a:blip r:embed="rId2"/>
-          <a:stretch>
-            <a:fillRect/>
-          </a:stretch>
-        </p:blipFill>
-        <p:spPr>
-          <a:xfrm>
-            <a:off x="819912" y="1070991"/>
-            <a:ext cx="10552176" cy="4553711"/>
-          </a:xfrm>
-          <a:prstGeom prst="rect">
-            <a:avLst/>
-          </a:prstGeom>
-        </p:spPr>
-      </p:pic>
-      <p:cxnSp>
-        <p:nvCxnSpPr>
-          <p:cNvPr id="6" name="Straight Connector 5">
-            <a:extLst>
-              <a:ext uri="{FF2B5EF4-FFF2-40B4-BE49-F238E27FC236}">
-                <a16:creationId xmlns:a16="http://schemas.microsoft.com/office/drawing/2014/main" id="{8A36AA6A-B04F-54E6-FD0D-999C32413139}"/>
-              </a:ext>
-            </a:extLst>
-          </p:cNvPr>
-          <p:cNvCxnSpPr/>
-          <p:nvPr/>
-        </p:nvCxnSpPr>
-        <p:spPr>
-          <a:xfrm>
-            <a:off x="8741664" y="5029200"/>
-            <a:ext cx="0" cy="502920"/>
-          </a:xfrm>
-          <a:prstGeom prst="line">
-            <a:avLst/>
-          </a:prstGeom>
-        </p:spPr>
-        <p:style>
-          <a:lnRef idx="1">
-            <a:schemeClr val="dk1"/>
-          </a:lnRef>
-          <a:fillRef idx="0">
-            <a:schemeClr val="dk1"/>
-          </a:fillRef>
-          <a:effectRef idx="0">
-            <a:schemeClr val="dk1"/>
-          </a:effectRef>
-          <a:fontRef idx="minor">
-            <a:schemeClr val="tx1"/>
-          </a:fontRef>
-        </p:style>
-      </p:cxnSp>
-      <p:sp>
-        <p:nvSpPr>
-          <p:cNvPr id="7" name="Rectangle 6">
-            <a:extLst>
-              <a:ext uri="{FF2B5EF4-FFF2-40B4-BE49-F238E27FC236}">
-                <a16:creationId xmlns:a16="http://schemas.microsoft.com/office/drawing/2014/main" id="{2C7FFB50-159A-1F4C-795E-3139EC4E66D6}"/>
-              </a:ext>
-            </a:extLst>
-          </p:cNvPr>
-          <p:cNvSpPr/>
-          <p:nvPr/>
-        </p:nvSpPr>
-        <p:spPr>
-          <a:xfrm>
-            <a:off x="7914132" y="5532120"/>
-            <a:ext cx="1655064" cy="812674"/>
-          </a:xfrm>
-          <a:prstGeom prst="rect">
-            <a:avLst/>
-          </a:prstGeom>
-        </p:spPr>
-        <p:style>
-          <a:lnRef idx="1">
-            <a:schemeClr val="accent5"/>
-          </a:lnRef>
-          <a:fillRef idx="3">
-            <a:schemeClr val="accent5"/>
-          </a:fillRef>
-          <a:effectRef idx="2">
-            <a:schemeClr val="accent5"/>
-          </a:effectRef>
-          <a:fontRef idx="minor">
-            <a:schemeClr val="lt1"/>
-          </a:fontRef>
-        </p:style>
-        <p:txBody>
-          <a:bodyPr rtlCol="0" anchor="ctr"/>
-          <a:lstStyle/>
-          <a:p>
-            <a:pPr algn="ctr"/>
-            <a:endParaRPr lang="en-US"/>
-          </a:p>
-        </p:txBody>
-      </p:sp>
-      <p:cxnSp>
-        <p:nvCxnSpPr>
-          <p:cNvPr id="9" name="Straight Connector 8">
-            <a:extLst>
-              <a:ext uri="{FF2B5EF4-FFF2-40B4-BE49-F238E27FC236}">
-                <a16:creationId xmlns:a16="http://schemas.microsoft.com/office/drawing/2014/main" id="{91A2B195-6A0E-C454-A774-837F3D501053}"/>
-              </a:ext>
-            </a:extLst>
-          </p:cNvPr>
-          <p:cNvCxnSpPr/>
-          <p:nvPr/>
-        </p:nvCxnSpPr>
-        <p:spPr>
-          <a:xfrm>
-            <a:off x="7895844" y="5706998"/>
-            <a:ext cx="1673352" cy="0"/>
-          </a:xfrm>
-          <a:prstGeom prst="line">
-            <a:avLst/>
-          </a:prstGeom>
-        </p:spPr>
-        <p:style>
-          <a:lnRef idx="1">
-            <a:schemeClr val="dk1"/>
-          </a:lnRef>
-          <a:fillRef idx="0">
-            <a:schemeClr val="dk1"/>
-          </a:fillRef>
-          <a:effectRef idx="0">
-            <a:schemeClr val="dk1"/>
-          </a:effectRef>
-          <a:fontRef idx="minor">
-            <a:schemeClr val="tx1"/>
-          </a:fontRef>
-        </p:style>
-      </p:cxnSp>
-    </p:spTree>
-    <p:extLst>
-      <p:ext uri="{BB962C8B-B14F-4D97-AF65-F5344CB8AC3E}">
-        <p14:creationId xmlns:p14="http://schemas.microsoft.com/office/powerpoint/2010/main" val="2950739293"/>
       </p:ext>
     </p:extLst>
   </p:cSld>
@@ -8833,24 +13002,6 @@
 </file>
 
 <file path=customXml/item1.xml><?xml version="1.0" encoding="utf-8"?>
-<p:properties xmlns:p="http://schemas.microsoft.com/office/2006/metadata/properties" xmlns:xsi="http://www.w3.org/2001/XMLSchema-instance" xmlns:pc="http://schemas.microsoft.com/office/infopath/2007/PartnerControls">
-  <documentManagement>
-    <Status xmlns="71af3243-3dd4-4a8d-8c0d-dd76da1f02a5">Not started</Status>
-    <MediaServiceKeyPoints xmlns="71af3243-3dd4-4a8d-8c0d-dd76da1f02a5" xsi:nil="true"/>
-  </documentManagement>
-</p:properties>
-</file>
-
-<file path=customXml/item2.xml><?xml version="1.0" encoding="utf-8"?>
-<?mso-contentType ?>
-<FormTemplates xmlns="http://schemas.microsoft.com/sharepoint/v3/contenttype/forms">
-  <Display>DocumentLibraryForm</Display>
-  <Edit>DocumentLibraryForm</Edit>
-  <New>DocumentLibraryForm</New>
-</FormTemplates>
-</file>
-
-<file path=customXml/item3.xml><?xml version="1.0" encoding="utf-8"?>
 <ct:contentTypeSchema xmlns:ct="http://schemas.microsoft.com/office/2006/metadata/contentType" xmlns:ma="http://schemas.microsoft.com/office/2006/metadata/properties/metaAttributes" ct:_="" ma:_="" ma:contentTypeName="Document" ma:contentTypeID="0x01010079F111ED35F8CC479449609E8A0923A6" ma:contentTypeVersion="12" ma:contentTypeDescription="Create a new document." ma:contentTypeScope="" ma:versionID="a410dd7f93c95333ffa1b60ed6adedd1">
   <xsd:schema xmlns:xsd="http://www.w3.org/2001/XMLSchema" xmlns:xs="http://www.w3.org/2001/XMLSchema" xmlns:p="http://schemas.microsoft.com/office/2006/metadata/properties" xmlns:ns2="71af3243-3dd4-4a8d-8c0d-dd76da1f02a5" xmlns:ns3="16c05727-aa75-4e4a-9b5f-8a80a1165891" targetNamespace="http://schemas.microsoft.com/office/2006/metadata/properties" ma:root="true" ma:fieldsID="a936d9baba76aa3866493feff160faab" ns2:_="" ns3:_="">
     <xsd:import namespace="71af3243-3dd4-4a8d-8c0d-dd76da1f02a5"/>
@@ -9071,25 +13222,25 @@
 </ct:contentTypeSchema>
 </file>
 
-<file path=customXml/itemProps1.xml><?xml version="1.0" encoding="utf-8"?>
-<ds:datastoreItem xmlns:ds="http://schemas.openxmlformats.org/officeDocument/2006/customXml" ds:itemID="{137651BA-F45C-4845-9AB3-E0A65B39F5E1}">
-  <ds:schemaRefs>
-    <ds:schemaRef ds:uri="http://schemas.microsoft.com/office/2006/metadata/properties"/>
-    <ds:schemaRef ds:uri="http://schemas.microsoft.com/office/infopath/2007/PartnerControls"/>
-    <ds:schemaRef ds:uri="71af3243-3dd4-4a8d-8c0d-dd76da1f02a5"/>
-  </ds:schemaRefs>
-</ds:datastoreItem>
+<file path=customXml/item2.xml><?xml version="1.0" encoding="utf-8"?>
+<?mso-contentType ?>
+<FormTemplates xmlns="http://schemas.microsoft.com/sharepoint/v3/contenttype/forms">
+  <Display>DocumentLibraryForm</Display>
+  <Edit>DocumentLibraryForm</Edit>
+  <New>DocumentLibraryForm</New>
+</FormTemplates>
 </file>
 
-<file path=customXml/itemProps2.xml><?xml version="1.0" encoding="utf-8"?>
-<ds:datastoreItem xmlns:ds="http://schemas.openxmlformats.org/officeDocument/2006/customXml" ds:itemID="{CDB58277-F8DF-46FF-84EC-EF41B835E69F}">
-  <ds:schemaRefs>
-    <ds:schemaRef ds:uri="http://schemas.microsoft.com/sharepoint/v3/contenttype/forms"/>
-  </ds:schemaRefs>
-</ds:datastoreItem>
+<file path=customXml/item3.xml><?xml version="1.0" encoding="utf-8"?>
+<p:properties xmlns:p="http://schemas.microsoft.com/office/2006/metadata/properties" xmlns:xsi="http://www.w3.org/2001/XMLSchema-instance" xmlns:pc="http://schemas.microsoft.com/office/infopath/2007/PartnerControls">
+  <documentManagement>
+    <Status xmlns="71af3243-3dd4-4a8d-8c0d-dd76da1f02a5">Not started</Status>
+    <MediaServiceKeyPoints xmlns="71af3243-3dd4-4a8d-8c0d-dd76da1f02a5" xsi:nil="true"/>
+  </documentManagement>
+</p:properties>
 </file>
 
-<file path=customXml/itemProps3.xml><?xml version="1.0" encoding="utf-8"?>
+<file path=customXml/itemProps1.xml><?xml version="1.0" encoding="utf-8"?>
 <ds:datastoreItem xmlns:ds="http://schemas.openxmlformats.org/officeDocument/2006/customXml" ds:itemID="{2D276E62-80A3-44DD-9BCC-97ED2B99B57F}">
   <ds:schemaRefs>
     <ds:schemaRef ds:uri="http://schemas.microsoft.com/office/2006/metadata/contentType"/>
@@ -9106,4 +13257,22 @@
     <ds:schemaRef ds:uri="http://schemas.microsoft.com/internal/obd"/>
   </ds:schemaRefs>
 </ds:datastoreItem>
+</file>
+
+<file path=customXml/itemProps2.xml><?xml version="1.0" encoding="utf-8"?>
+<ds:datastoreItem xmlns:ds="http://schemas.openxmlformats.org/officeDocument/2006/customXml" ds:itemID="{CDB58277-F8DF-46FF-84EC-EF41B835E69F}">
+  <ds:schemaRefs>
+    <ds:schemaRef ds:uri="http://schemas.microsoft.com/sharepoint/v3/contenttype/forms"/>
+  </ds:schemaRefs>
+</ds:datastoreItem>
+</file>
+
+<file path=customXml/itemProps3.xml><?xml version="1.0" encoding="utf-8"?>
+<ds:datastoreItem xmlns:ds="http://schemas.openxmlformats.org/officeDocument/2006/customXml" ds:itemID="{137651BA-F45C-4845-9AB3-E0A65B39F5E1}">
+  <ds:schemaRefs>
+    <ds:schemaRef ds:uri="http://schemas.microsoft.com/office/2006/metadata/properties"/>
+    <ds:schemaRef ds:uri="http://schemas.microsoft.com/office/infopath/2007/PartnerControls"/>
+    <ds:schemaRef ds:uri="71af3243-3dd4-4a8d-8c0d-dd76da1f02a5"/>
+  </ds:schemaRefs>
+</ds:datastoreItem>
 </file>